--- a/Internship_presentation_LipaiHuang.pptx
+++ b/Internship_presentation_LipaiHuang.pptx
@@ -6,34 +6,32 @@
     <p:sldMasterId id="2147483656" r:id="rId2"/>
   </p:sldMasterIdLst>
   <p:notesMasterIdLst>
-    <p:notesMasterId r:id="rId25"/>
+    <p:notesMasterId r:id="rId23"/>
   </p:notesMasterIdLst>
   <p:handoutMasterIdLst>
-    <p:handoutMasterId r:id="rId26"/>
+    <p:handoutMasterId r:id="rId24"/>
   </p:handoutMasterIdLst>
   <p:sldIdLst>
     <p:sldId id="262" r:id="rId3"/>
     <p:sldId id="267" r:id="rId4"/>
     <p:sldId id="269" r:id="rId5"/>
-    <p:sldId id="272" r:id="rId6"/>
+    <p:sldId id="291" r:id="rId6"/>
     <p:sldId id="270" r:id="rId7"/>
-    <p:sldId id="280" r:id="rId8"/>
-    <p:sldId id="283" r:id="rId9"/>
-    <p:sldId id="274" r:id="rId10"/>
-    <p:sldId id="284" r:id="rId11"/>
-    <p:sldId id="277" r:id="rId12"/>
-    <p:sldId id="278" r:id="rId13"/>
-    <p:sldId id="288" r:id="rId14"/>
-    <p:sldId id="282" r:id="rId15"/>
-    <p:sldId id="279" r:id="rId16"/>
+    <p:sldId id="272" r:id="rId8"/>
+    <p:sldId id="277" r:id="rId9"/>
+    <p:sldId id="284" r:id="rId10"/>
+    <p:sldId id="274" r:id="rId11"/>
+    <p:sldId id="278" r:id="rId12"/>
+    <p:sldId id="288" r:id="rId13"/>
+    <p:sldId id="282" r:id="rId14"/>
+    <p:sldId id="279" r:id="rId15"/>
+    <p:sldId id="283" r:id="rId16"/>
     <p:sldId id="287" r:id="rId17"/>
     <p:sldId id="276" r:id="rId18"/>
     <p:sldId id="281" r:id="rId19"/>
-    <p:sldId id="290" r:id="rId20"/>
-    <p:sldId id="291" r:id="rId21"/>
-    <p:sldId id="289" r:id="rId22"/>
-    <p:sldId id="268" r:id="rId23"/>
-    <p:sldId id="264" r:id="rId24"/>
+    <p:sldId id="289" r:id="rId20"/>
+    <p:sldId id="268" r:id="rId21"/>
+    <p:sldId id="264" r:id="rId22"/>
   </p:sldIdLst>
   <p:sldSz cx="9144000" cy="5143500" type="screen16x9"/>
   <p:notesSz cx="6735763" cy="9866313"/>
@@ -3322,10 +3320,9 @@
         <a:lstStyle/>
         <a:p>
           <a:r>
-            <a:rPr lang="zh-CN" altLang="en-US" dirty="0" smtClean="0"/>
+            <a:rPr lang="zh-CN" altLang="en-US" dirty="0"/>
             <a:t>日本流会社</a:t>
           </a:r>
-          <a:endParaRPr lang="zh-CN" altLang="en-US" dirty="0"/>
         </a:p>
       </dgm:t>
     </dgm:pt>
@@ -3359,10 +3356,9 @@
         <a:lstStyle/>
         <a:p>
           <a:r>
-            <a:rPr lang="zh-CN" altLang="en-US" dirty="0" smtClean="0"/>
+            <a:rPr lang="zh-CN" altLang="en-US" dirty="0"/>
             <a:t>商务礼仪</a:t>
           </a:r>
-          <a:endParaRPr lang="zh-CN" altLang="en-US" dirty="0"/>
         </a:p>
       </dgm:t>
     </dgm:pt>
@@ -3388,43 +3384,6 @@
         </a:p>
       </dgm:t>
     </dgm:pt>
-    <dgm:pt modelId="{E20A7A08-39BD-40C0-865E-A17149D4945D}">
-      <dgm:prSet phldrT="[文本]"/>
-      <dgm:spPr/>
-      <dgm:t>
-        <a:bodyPr/>
-        <a:lstStyle/>
-        <a:p>
-          <a:r>
-            <a:rPr lang="zh-CN" altLang="en-US" dirty="0" smtClean="0"/>
-            <a:t>沟通效率</a:t>
-          </a:r>
-          <a:endParaRPr lang="zh-CN" altLang="en-US" dirty="0"/>
-        </a:p>
-      </dgm:t>
-    </dgm:pt>
-    <dgm:pt modelId="{42BE0C4E-D911-4853-88FC-F289BB9BE622}" type="parTrans" cxnId="{EAC91C0D-7AB2-4D69-A399-215235F492BD}">
-      <dgm:prSet/>
-      <dgm:spPr/>
-      <dgm:t>
-        <a:bodyPr/>
-        <a:lstStyle/>
-        <a:p>
-          <a:endParaRPr lang="zh-CN" altLang="en-US"/>
-        </a:p>
-      </dgm:t>
-    </dgm:pt>
-    <dgm:pt modelId="{8D125EE6-F798-41E9-AAA8-333B03D0E7AB}" type="sibTrans" cxnId="{EAC91C0D-7AB2-4D69-A399-215235F492BD}">
-      <dgm:prSet/>
-      <dgm:spPr/>
-      <dgm:t>
-        <a:bodyPr/>
-        <a:lstStyle/>
-        <a:p>
-          <a:endParaRPr lang="zh-CN" altLang="en-US"/>
-        </a:p>
-      </dgm:t>
-    </dgm:pt>
     <dgm:pt modelId="{83E8892F-2234-4438-8B7F-7E77755F60B3}">
       <dgm:prSet phldrT="[文本]"/>
       <dgm:spPr/>
@@ -3433,10 +3392,9 @@
         <a:lstStyle/>
         <a:p>
           <a:r>
-            <a:rPr lang="zh-CN" altLang="en-US" dirty="0" smtClean="0"/>
+            <a:rPr lang="zh-CN" altLang="en-US" dirty="0"/>
             <a:t>服务意识</a:t>
           </a:r>
-          <a:endParaRPr lang="zh-CN" altLang="en-US" dirty="0"/>
         </a:p>
       </dgm:t>
     </dgm:pt>
@@ -3452,6 +3410,43 @@
       </dgm:t>
     </dgm:pt>
     <dgm:pt modelId="{7125FCB1-B54B-4A68-B2DB-E94E451E2D8B}" type="sibTrans" cxnId="{E7954C22-1EDF-4EA1-979F-8E9A5B41D9CB}">
+      <dgm:prSet/>
+      <dgm:spPr/>
+      <dgm:t>
+        <a:bodyPr/>
+        <a:lstStyle/>
+        <a:p>
+          <a:endParaRPr lang="zh-CN" altLang="en-US"/>
+        </a:p>
+      </dgm:t>
+    </dgm:pt>
+    <dgm:pt modelId="{C3889D2B-1085-4D46-B41D-C5549C2DFA99}">
+      <dgm:prSet phldrT="[文本]"/>
+      <dgm:spPr/>
+      <dgm:t>
+        <a:bodyPr/>
+        <a:lstStyle/>
+        <a:p>
+          <a:r>
+            <a:rPr lang="zh-CN" altLang="en-US"/>
+            <a:t>沟通效率</a:t>
+          </a:r>
+          <a:endParaRPr lang="zh-CN" altLang="en-US" dirty="0"/>
+        </a:p>
+      </dgm:t>
+    </dgm:pt>
+    <dgm:pt modelId="{E95ABA7F-DCAA-4E4A-8EC8-E868D1160202}" type="parTrans" cxnId="{C18AAE2B-D02D-4871-86E6-E81188F7D655}">
+      <dgm:prSet/>
+      <dgm:spPr/>
+      <dgm:t>
+        <a:bodyPr/>
+        <a:lstStyle/>
+        <a:p>
+          <a:endParaRPr lang="zh-CN" altLang="en-US"/>
+        </a:p>
+      </dgm:t>
+    </dgm:pt>
+    <dgm:pt modelId="{9CE0E630-5F6D-4B3D-9FFF-923CAB93F6FB}" type="sibTrans" cxnId="{C18AAE2B-D02D-4871-86E6-E81188F7D655}">
       <dgm:prSet/>
       <dgm:spPr/>
       <dgm:t>
@@ -3539,44 +3534,8 @@
       <dgm:prSet presAssocID="{8F1AB2AB-5C52-471D-8F0C-DC032AE79663}" presName="hierChild5" presStyleCnt="0"/>
       <dgm:spPr/>
     </dgm:pt>
-    <dgm:pt modelId="{4E17A27C-FEFF-4FE3-837E-95F7BA8F67A3}" type="pres">
-      <dgm:prSet presAssocID="{42BE0C4E-D911-4853-88FC-F289BB9BE622}" presName="Name37" presStyleLbl="parChTrans1D2" presStyleIdx="1" presStyleCnt="3"/>
-      <dgm:spPr/>
-    </dgm:pt>
-    <dgm:pt modelId="{5CB8AE97-AAF5-4AD3-B3B0-E092C9BAA874}" type="pres">
-      <dgm:prSet presAssocID="{E20A7A08-39BD-40C0-865E-A17149D4945D}" presName="hierRoot2" presStyleCnt="0">
-        <dgm:presLayoutVars>
-          <dgm:hierBranch val="init"/>
-        </dgm:presLayoutVars>
-      </dgm:prSet>
-      <dgm:spPr/>
-    </dgm:pt>
-    <dgm:pt modelId="{662DA657-5BC7-4FB1-BE45-52A92B8B7342}" type="pres">
-      <dgm:prSet presAssocID="{E20A7A08-39BD-40C0-865E-A17149D4945D}" presName="rootComposite" presStyleCnt="0"/>
-      <dgm:spPr/>
-    </dgm:pt>
-    <dgm:pt modelId="{7AECDD62-7B05-427F-ABD6-861C0EE9339B}" type="pres">
-      <dgm:prSet presAssocID="{E20A7A08-39BD-40C0-865E-A17149D4945D}" presName="rootText" presStyleLbl="node2" presStyleIdx="1" presStyleCnt="3">
-        <dgm:presLayoutVars>
-          <dgm:chPref val="3"/>
-        </dgm:presLayoutVars>
-      </dgm:prSet>
-      <dgm:spPr/>
-    </dgm:pt>
-    <dgm:pt modelId="{87E57630-CA06-4D22-96F3-E7B7DD2974C5}" type="pres">
-      <dgm:prSet presAssocID="{E20A7A08-39BD-40C0-865E-A17149D4945D}" presName="rootConnector" presStyleLbl="node2" presStyleIdx="1" presStyleCnt="3"/>
-      <dgm:spPr/>
-    </dgm:pt>
-    <dgm:pt modelId="{59B27DB6-9FFA-4EDA-8B05-765188B9FC8E}" type="pres">
-      <dgm:prSet presAssocID="{E20A7A08-39BD-40C0-865E-A17149D4945D}" presName="hierChild4" presStyleCnt="0"/>
-      <dgm:spPr/>
-    </dgm:pt>
-    <dgm:pt modelId="{3BC7B5F1-C810-4D38-BD69-7129E013E1E2}" type="pres">
-      <dgm:prSet presAssocID="{E20A7A08-39BD-40C0-865E-A17149D4945D}" presName="hierChild5" presStyleCnt="0"/>
-      <dgm:spPr/>
-    </dgm:pt>
     <dgm:pt modelId="{5D72E577-37DD-4C64-9DC4-7049C231E350}" type="pres">
-      <dgm:prSet presAssocID="{AEC8CBC0-9A2E-4DE6-97BD-4AAD542681FD}" presName="Name37" presStyleLbl="parChTrans1D2" presStyleIdx="2" presStyleCnt="3"/>
+      <dgm:prSet presAssocID="{AEC8CBC0-9A2E-4DE6-97BD-4AAD542681FD}" presName="Name37" presStyleLbl="parChTrans1D2" presStyleIdx="1" presStyleCnt="3"/>
       <dgm:spPr/>
     </dgm:pt>
     <dgm:pt modelId="{0E816231-3792-45C2-88FC-645EE37742B6}" type="pres">
@@ -3592,7 +3551,7 @@
       <dgm:spPr/>
     </dgm:pt>
     <dgm:pt modelId="{0D2F9E68-FC6D-4122-8441-A9EF3623ABBF}" type="pres">
-      <dgm:prSet presAssocID="{83E8892F-2234-4438-8B7F-7E77755F60B3}" presName="rootText" presStyleLbl="node2" presStyleIdx="2" presStyleCnt="3">
+      <dgm:prSet presAssocID="{83E8892F-2234-4438-8B7F-7E77755F60B3}" presName="rootText" presStyleLbl="node2" presStyleIdx="1" presStyleCnt="3">
         <dgm:presLayoutVars>
           <dgm:chPref val="3"/>
         </dgm:presLayoutVars>
@@ -3600,7 +3559,7 @@
       <dgm:spPr/>
     </dgm:pt>
     <dgm:pt modelId="{FE9BD47E-F8BA-43A2-833D-906F9EF6A595}" type="pres">
-      <dgm:prSet presAssocID="{83E8892F-2234-4438-8B7F-7E77755F60B3}" presName="rootConnector" presStyleLbl="node2" presStyleIdx="2" presStyleCnt="3"/>
+      <dgm:prSet presAssocID="{83E8892F-2234-4438-8B7F-7E77755F60B3}" presName="rootConnector" presStyleLbl="node2" presStyleIdx="1" presStyleCnt="3"/>
       <dgm:spPr/>
     </dgm:pt>
     <dgm:pt modelId="{C3FC5338-95F1-4B59-BD2C-09CE08A1C890}" type="pres">
@@ -3611,28 +3570,64 @@
       <dgm:prSet presAssocID="{83E8892F-2234-4438-8B7F-7E77755F60B3}" presName="hierChild5" presStyleCnt="0"/>
       <dgm:spPr/>
     </dgm:pt>
+    <dgm:pt modelId="{8CA8CA49-B0F4-4CE9-91B8-DEF78D282CC6}" type="pres">
+      <dgm:prSet presAssocID="{E95ABA7F-DCAA-4E4A-8EC8-E868D1160202}" presName="Name37" presStyleLbl="parChTrans1D2" presStyleIdx="2" presStyleCnt="3"/>
+      <dgm:spPr/>
+    </dgm:pt>
+    <dgm:pt modelId="{3D2DD470-680E-4C47-B74B-6739522C732A}" type="pres">
+      <dgm:prSet presAssocID="{C3889D2B-1085-4D46-B41D-C5549C2DFA99}" presName="hierRoot2" presStyleCnt="0">
+        <dgm:presLayoutVars>
+          <dgm:hierBranch val="init"/>
+        </dgm:presLayoutVars>
+      </dgm:prSet>
+      <dgm:spPr/>
+    </dgm:pt>
+    <dgm:pt modelId="{93B90850-49E4-4604-8AE3-DE5EC0A39C55}" type="pres">
+      <dgm:prSet presAssocID="{C3889D2B-1085-4D46-B41D-C5549C2DFA99}" presName="rootComposite" presStyleCnt="0"/>
+      <dgm:spPr/>
+    </dgm:pt>
+    <dgm:pt modelId="{A4E32495-C243-48F4-8D25-F7DF33226B38}" type="pres">
+      <dgm:prSet presAssocID="{C3889D2B-1085-4D46-B41D-C5549C2DFA99}" presName="rootText" presStyleLbl="node2" presStyleIdx="2" presStyleCnt="3">
+        <dgm:presLayoutVars>
+          <dgm:chPref val="3"/>
+        </dgm:presLayoutVars>
+      </dgm:prSet>
+      <dgm:spPr/>
+    </dgm:pt>
+    <dgm:pt modelId="{AFD72F51-F04C-4168-A9F2-0B52067EEEAD}" type="pres">
+      <dgm:prSet presAssocID="{C3889D2B-1085-4D46-B41D-C5549C2DFA99}" presName="rootConnector" presStyleLbl="node2" presStyleIdx="2" presStyleCnt="3"/>
+      <dgm:spPr/>
+    </dgm:pt>
+    <dgm:pt modelId="{6BFDCD49-2475-4E8D-9FB9-57DFB0AB7B4D}" type="pres">
+      <dgm:prSet presAssocID="{C3889D2B-1085-4D46-B41D-C5549C2DFA99}" presName="hierChild4" presStyleCnt="0"/>
+      <dgm:spPr/>
+    </dgm:pt>
+    <dgm:pt modelId="{B0272797-04B5-4B43-95D1-57CD862D8A1A}" type="pres">
+      <dgm:prSet presAssocID="{C3889D2B-1085-4D46-B41D-C5549C2DFA99}" presName="hierChild5" presStyleCnt="0"/>
+      <dgm:spPr/>
+    </dgm:pt>
     <dgm:pt modelId="{62FF3263-FCC6-416A-A304-0735A0D86EE5}" type="pres">
       <dgm:prSet presAssocID="{61F51B06-0BB0-41B2-ACF8-2284024FE9BE}" presName="hierChild3" presStyleCnt="0"/>
       <dgm:spPr/>
     </dgm:pt>
   </dgm:ptLst>
   <dgm:cxnLst>
+    <dgm:cxn modelId="{6980FF0B-6A67-4D77-9FA4-FA4B12CA9FAD}" srcId="{7B41D5E0-09B3-4FAA-9814-262C0CF739C7}" destId="{61F51B06-0BB0-41B2-ACF8-2284024FE9BE}" srcOrd="0" destOrd="0" parTransId="{E76CD061-9A30-49FA-8BBD-8D40809CC218}" sibTransId="{B1563E16-8179-47E0-A546-4785012AE695}"/>
+    <dgm:cxn modelId="{E7954C22-1EDF-4EA1-979F-8E9A5B41D9CB}" srcId="{61F51B06-0BB0-41B2-ACF8-2284024FE9BE}" destId="{83E8892F-2234-4438-8B7F-7E77755F60B3}" srcOrd="1" destOrd="0" parTransId="{AEC8CBC0-9A2E-4DE6-97BD-4AAD542681FD}" sibTransId="{7125FCB1-B54B-4A68-B2DB-E94E451E2D8B}"/>
     <dgm:cxn modelId="{AF8C3128-78D0-48AE-8DB4-D0A4DCFFA7FE}" type="presOf" srcId="{61F51B06-0BB0-41B2-ACF8-2284024FE9BE}" destId="{51FC24F1-4258-4B9C-8BEE-77802B4DE2BF}" srcOrd="0" destOrd="0" presId="urn:microsoft.com/office/officeart/2005/8/layout/orgChart1"/>
-    <dgm:cxn modelId="{4FFA3E40-94CA-4A87-B3FE-D8AB46290AE5}" type="presOf" srcId="{42BE0C4E-D911-4853-88FC-F289BB9BE622}" destId="{4E17A27C-FEFF-4FE3-837E-95F7BA8F67A3}" srcOrd="0" destOrd="0" presId="urn:microsoft.com/office/officeart/2005/8/layout/orgChart1"/>
+    <dgm:cxn modelId="{F2062729-1DAE-4844-9A7F-F2ADD917EABA}" type="presOf" srcId="{5318F42D-1372-49ED-8EA4-DA44A6E79B53}" destId="{C26634E5-4019-4E0A-93FD-BCE3DC6BF4CF}" srcOrd="0" destOrd="0" presId="urn:microsoft.com/office/officeart/2005/8/layout/orgChart1"/>
     <dgm:cxn modelId="{76B6AE2A-65D5-4189-B5A8-7736EEAF01A4}" type="presOf" srcId="{8F1AB2AB-5C52-471D-8F0C-DC032AE79663}" destId="{42F9DAA5-A42A-4BE8-8C6F-3A6EE574583A}" srcOrd="0" destOrd="0" presId="urn:microsoft.com/office/officeart/2005/8/layout/orgChart1"/>
+    <dgm:cxn modelId="{C18AAE2B-D02D-4871-86E6-E81188F7D655}" srcId="{61F51B06-0BB0-41B2-ACF8-2284024FE9BE}" destId="{C3889D2B-1085-4D46-B41D-C5549C2DFA99}" srcOrd="2" destOrd="0" parTransId="{E95ABA7F-DCAA-4E4A-8EC8-E868D1160202}" sibTransId="{9CE0E630-5F6D-4B3D-9FFF-923CAB93F6FB}"/>
+    <dgm:cxn modelId="{6C3D0A62-AF92-4D7A-810B-91B0EA10ADDC}" type="presOf" srcId="{61F51B06-0BB0-41B2-ACF8-2284024FE9BE}" destId="{785CC9A8-290E-4B5F-A15B-10D6E7FCC11F}" srcOrd="1" destOrd="0" presId="urn:microsoft.com/office/officeart/2005/8/layout/orgChart1"/>
+    <dgm:cxn modelId="{CE58E649-7CEB-4C57-9C07-058EEB9F6B62}" type="presOf" srcId="{C3889D2B-1085-4D46-B41D-C5549C2DFA99}" destId="{AFD72F51-F04C-4168-A9F2-0B52067EEEAD}" srcOrd="1" destOrd="0" presId="urn:microsoft.com/office/officeart/2005/8/layout/orgChart1"/>
+    <dgm:cxn modelId="{60933256-12FE-4BFF-98A3-4359D6064559}" type="presOf" srcId="{83E8892F-2234-4438-8B7F-7E77755F60B3}" destId="{0D2F9E68-FC6D-4122-8441-A9EF3623ABBF}" srcOrd="0" destOrd="0" presId="urn:microsoft.com/office/officeart/2005/8/layout/orgChart1"/>
+    <dgm:cxn modelId="{7C2FB47F-69AE-4280-9500-48D78CABBD5A}" type="presOf" srcId="{AEC8CBC0-9A2E-4DE6-97BD-4AAD542681FD}" destId="{5D72E577-37DD-4C64-9DC4-7049C231E350}" srcOrd="0" destOrd="0" presId="urn:microsoft.com/office/officeart/2005/8/layout/orgChart1"/>
+    <dgm:cxn modelId="{00E86DA8-D7DE-436A-BA83-533DD8F17F60}" type="presOf" srcId="{C3889D2B-1085-4D46-B41D-C5549C2DFA99}" destId="{A4E32495-C243-48F4-8D25-F7DF33226B38}" srcOrd="0" destOrd="0" presId="urn:microsoft.com/office/officeart/2005/8/layout/orgChart1"/>
+    <dgm:cxn modelId="{DC9891A8-D3C9-494D-B747-A4A85DCC2BEA}" type="presOf" srcId="{8F1AB2AB-5C52-471D-8F0C-DC032AE79663}" destId="{E33228CE-BE61-46FC-86C8-7AFE00CE1830}" srcOrd="1" destOrd="0" presId="urn:microsoft.com/office/officeart/2005/8/layout/orgChart1"/>
+    <dgm:cxn modelId="{17CB4DAF-ADE6-4C49-A679-F38489D52489}" type="presOf" srcId="{E95ABA7F-DCAA-4E4A-8EC8-E868D1160202}" destId="{8CA8CA49-B0F4-4CE9-91B8-DEF78D282CC6}" srcOrd="0" destOrd="0" presId="urn:microsoft.com/office/officeart/2005/8/layout/orgChart1"/>
     <dgm:cxn modelId="{E13F21B1-6F56-4420-A9A7-89790E4595A9}" srcId="{61F51B06-0BB0-41B2-ACF8-2284024FE9BE}" destId="{8F1AB2AB-5C52-471D-8F0C-DC032AE79663}" srcOrd="0" destOrd="0" parTransId="{5318F42D-1372-49ED-8EA4-DA44A6E79B53}" sibTransId="{49C40729-8564-4962-9EA3-F7D58A851041}"/>
-    <dgm:cxn modelId="{6C3D0A62-AF92-4D7A-810B-91B0EA10ADDC}" type="presOf" srcId="{61F51B06-0BB0-41B2-ACF8-2284024FE9BE}" destId="{785CC9A8-290E-4B5F-A15B-10D6E7FCC11F}" srcOrd="1" destOrd="0" presId="urn:microsoft.com/office/officeart/2005/8/layout/orgChart1"/>
-    <dgm:cxn modelId="{F2062729-1DAE-4844-9A7F-F2ADD917EABA}" type="presOf" srcId="{5318F42D-1372-49ED-8EA4-DA44A6E79B53}" destId="{C26634E5-4019-4E0A-93FD-BCE3DC6BF4CF}" srcOrd="0" destOrd="0" presId="urn:microsoft.com/office/officeart/2005/8/layout/orgChart1"/>
-    <dgm:cxn modelId="{B37755EE-11BD-468A-B1A2-FD083364DBD6}" type="presOf" srcId="{E20A7A08-39BD-40C0-865E-A17149D4945D}" destId="{7AECDD62-7B05-427F-ABD6-861C0EE9339B}" srcOrd="0" destOrd="0" presId="urn:microsoft.com/office/officeart/2005/8/layout/orgChart1"/>
-    <dgm:cxn modelId="{99D405D5-60C7-4652-9B3E-1A27410AC6D7}" type="presOf" srcId="{E20A7A08-39BD-40C0-865E-A17149D4945D}" destId="{87E57630-CA06-4D22-96F3-E7B7DD2974C5}" srcOrd="1" destOrd="0" presId="urn:microsoft.com/office/officeart/2005/8/layout/orgChart1"/>
     <dgm:cxn modelId="{824729B6-4C74-4D9D-A4EF-FAF4780023E1}" type="presOf" srcId="{7B41D5E0-09B3-4FAA-9814-262C0CF739C7}" destId="{A8C8DD57-3BBD-4966-86B4-8D2BD0B907CF}" srcOrd="0" destOrd="0" presId="urn:microsoft.com/office/officeart/2005/8/layout/orgChart1"/>
-    <dgm:cxn modelId="{DC9891A8-D3C9-494D-B747-A4A85DCC2BEA}" type="presOf" srcId="{8F1AB2AB-5C52-471D-8F0C-DC032AE79663}" destId="{E33228CE-BE61-46FC-86C8-7AFE00CE1830}" srcOrd="1" destOrd="0" presId="urn:microsoft.com/office/officeart/2005/8/layout/orgChart1"/>
-    <dgm:cxn modelId="{E7954C22-1EDF-4EA1-979F-8E9A5B41D9CB}" srcId="{61F51B06-0BB0-41B2-ACF8-2284024FE9BE}" destId="{83E8892F-2234-4438-8B7F-7E77755F60B3}" srcOrd="2" destOrd="0" parTransId="{AEC8CBC0-9A2E-4DE6-97BD-4AAD542681FD}" sibTransId="{7125FCB1-B54B-4A68-B2DB-E94E451E2D8B}"/>
     <dgm:cxn modelId="{6498A7D2-CA0F-452B-B32B-4DD8CB829F09}" type="presOf" srcId="{83E8892F-2234-4438-8B7F-7E77755F60B3}" destId="{FE9BD47E-F8BA-43A2-833D-906F9EF6A595}" srcOrd="1" destOrd="0" presId="urn:microsoft.com/office/officeart/2005/8/layout/orgChart1"/>
-    <dgm:cxn modelId="{7C2FB47F-69AE-4280-9500-48D78CABBD5A}" type="presOf" srcId="{AEC8CBC0-9A2E-4DE6-97BD-4AAD542681FD}" destId="{5D72E577-37DD-4C64-9DC4-7049C231E350}" srcOrd="0" destOrd="0" presId="urn:microsoft.com/office/officeart/2005/8/layout/orgChart1"/>
-    <dgm:cxn modelId="{6980FF0B-6A67-4D77-9FA4-FA4B12CA9FAD}" srcId="{7B41D5E0-09B3-4FAA-9814-262C0CF739C7}" destId="{61F51B06-0BB0-41B2-ACF8-2284024FE9BE}" srcOrd="0" destOrd="0" parTransId="{E76CD061-9A30-49FA-8BBD-8D40809CC218}" sibTransId="{B1563E16-8179-47E0-A546-4785012AE695}"/>
-    <dgm:cxn modelId="{60933256-12FE-4BFF-98A3-4359D6064559}" type="presOf" srcId="{83E8892F-2234-4438-8B7F-7E77755F60B3}" destId="{0D2F9E68-FC6D-4122-8441-A9EF3623ABBF}" srcOrd="0" destOrd="0" presId="urn:microsoft.com/office/officeart/2005/8/layout/orgChart1"/>
-    <dgm:cxn modelId="{EAC91C0D-7AB2-4D69-A399-215235F492BD}" srcId="{61F51B06-0BB0-41B2-ACF8-2284024FE9BE}" destId="{E20A7A08-39BD-40C0-865E-A17149D4945D}" srcOrd="1" destOrd="0" parTransId="{42BE0C4E-D911-4853-88FC-F289BB9BE622}" sibTransId="{8D125EE6-F798-41E9-AAA8-333B03D0E7AB}"/>
     <dgm:cxn modelId="{809DCB77-513E-4952-A7E8-2BE962964282}" type="presParOf" srcId="{A8C8DD57-3BBD-4966-86B4-8D2BD0B907CF}" destId="{38545DB2-206A-4848-A711-9D1911C4BD00}" srcOrd="0" destOrd="0" presId="urn:microsoft.com/office/officeart/2005/8/layout/orgChart1"/>
     <dgm:cxn modelId="{658B13A8-9FF9-410C-9970-BFAC83DE9FA4}" type="presParOf" srcId="{38545DB2-206A-4848-A711-9D1911C4BD00}" destId="{050B9041-21CE-4D16-A57E-86EC04ED24AF}" srcOrd="0" destOrd="0" presId="urn:microsoft.com/office/officeart/2005/8/layout/orgChart1"/>
     <dgm:cxn modelId="{890839FC-1514-47D0-9101-338A94C52AEF}" type="presParOf" srcId="{050B9041-21CE-4D16-A57E-86EC04ED24AF}" destId="{51FC24F1-4258-4B9C-8BEE-77802B4DE2BF}" srcOrd="0" destOrd="0" presId="urn:microsoft.com/office/officeart/2005/8/layout/orgChart1"/>
@@ -3645,20 +3640,20 @@
     <dgm:cxn modelId="{381502D9-DE90-4860-8121-E8DE20E0C914}" type="presParOf" srcId="{FB17AC18-8440-4567-9EF1-2EF53BFAD2DB}" destId="{E33228CE-BE61-46FC-86C8-7AFE00CE1830}" srcOrd="1" destOrd="0" presId="urn:microsoft.com/office/officeart/2005/8/layout/orgChart1"/>
     <dgm:cxn modelId="{E1BC52BF-A5C6-4406-AA04-F6A2653DAA23}" type="presParOf" srcId="{506C0AC3-1283-4322-ABBD-9F6971E80E7A}" destId="{0CA75AA0-249B-476A-85CE-3329F6CCA625}" srcOrd="1" destOrd="0" presId="urn:microsoft.com/office/officeart/2005/8/layout/orgChart1"/>
     <dgm:cxn modelId="{E08D18D1-E340-47BF-A264-E1E6C76725EB}" type="presParOf" srcId="{506C0AC3-1283-4322-ABBD-9F6971E80E7A}" destId="{5A6FE26B-DCA8-4831-A022-F806F54037F0}" srcOrd="2" destOrd="0" presId="urn:microsoft.com/office/officeart/2005/8/layout/orgChart1"/>
-    <dgm:cxn modelId="{1CB10D6D-C5F3-48E6-AAA4-42280ADFB3C4}" type="presParOf" srcId="{F48F087A-9751-4B38-B7AD-1A696C0E5EDD}" destId="{4E17A27C-FEFF-4FE3-837E-95F7BA8F67A3}" srcOrd="2" destOrd="0" presId="urn:microsoft.com/office/officeart/2005/8/layout/orgChart1"/>
-    <dgm:cxn modelId="{0259A082-06DF-4D79-863F-9EE78ABC2721}" type="presParOf" srcId="{F48F087A-9751-4B38-B7AD-1A696C0E5EDD}" destId="{5CB8AE97-AAF5-4AD3-B3B0-E092C9BAA874}" srcOrd="3" destOrd="0" presId="urn:microsoft.com/office/officeart/2005/8/layout/orgChart1"/>
-    <dgm:cxn modelId="{6CCAB748-922A-4816-B7B0-611DDF0307E4}" type="presParOf" srcId="{5CB8AE97-AAF5-4AD3-B3B0-E092C9BAA874}" destId="{662DA657-5BC7-4FB1-BE45-52A92B8B7342}" srcOrd="0" destOrd="0" presId="urn:microsoft.com/office/officeart/2005/8/layout/orgChart1"/>
-    <dgm:cxn modelId="{6CEECA9F-FEA2-4D03-BBBA-582D8CD5B86A}" type="presParOf" srcId="{662DA657-5BC7-4FB1-BE45-52A92B8B7342}" destId="{7AECDD62-7B05-427F-ABD6-861C0EE9339B}" srcOrd="0" destOrd="0" presId="urn:microsoft.com/office/officeart/2005/8/layout/orgChart1"/>
-    <dgm:cxn modelId="{7CA1F6A2-8772-40CF-BB10-9D88C2D06D0C}" type="presParOf" srcId="{662DA657-5BC7-4FB1-BE45-52A92B8B7342}" destId="{87E57630-CA06-4D22-96F3-E7B7DD2974C5}" srcOrd="1" destOrd="0" presId="urn:microsoft.com/office/officeart/2005/8/layout/orgChart1"/>
-    <dgm:cxn modelId="{47E6B9A8-CF37-46C5-80D8-ACF69371EF05}" type="presParOf" srcId="{5CB8AE97-AAF5-4AD3-B3B0-E092C9BAA874}" destId="{59B27DB6-9FFA-4EDA-8B05-765188B9FC8E}" srcOrd="1" destOrd="0" presId="urn:microsoft.com/office/officeart/2005/8/layout/orgChart1"/>
-    <dgm:cxn modelId="{C7C4D54E-C5E9-4F28-9A7C-D1EDD9FA874D}" type="presParOf" srcId="{5CB8AE97-AAF5-4AD3-B3B0-E092C9BAA874}" destId="{3BC7B5F1-C810-4D38-BD69-7129E013E1E2}" srcOrd="2" destOrd="0" presId="urn:microsoft.com/office/officeart/2005/8/layout/orgChart1"/>
-    <dgm:cxn modelId="{95088B87-48EE-4158-B0B6-E9E6DCC7A7BC}" type="presParOf" srcId="{F48F087A-9751-4B38-B7AD-1A696C0E5EDD}" destId="{5D72E577-37DD-4C64-9DC4-7049C231E350}" srcOrd="4" destOrd="0" presId="urn:microsoft.com/office/officeart/2005/8/layout/orgChart1"/>
-    <dgm:cxn modelId="{5FA55F6A-36ED-4A7A-90F6-523700FFA505}" type="presParOf" srcId="{F48F087A-9751-4B38-B7AD-1A696C0E5EDD}" destId="{0E816231-3792-45C2-88FC-645EE37742B6}" srcOrd="5" destOrd="0" presId="urn:microsoft.com/office/officeart/2005/8/layout/orgChart1"/>
+    <dgm:cxn modelId="{95088B87-48EE-4158-B0B6-E9E6DCC7A7BC}" type="presParOf" srcId="{F48F087A-9751-4B38-B7AD-1A696C0E5EDD}" destId="{5D72E577-37DD-4C64-9DC4-7049C231E350}" srcOrd="2" destOrd="0" presId="urn:microsoft.com/office/officeart/2005/8/layout/orgChart1"/>
+    <dgm:cxn modelId="{5FA55F6A-36ED-4A7A-90F6-523700FFA505}" type="presParOf" srcId="{F48F087A-9751-4B38-B7AD-1A696C0E5EDD}" destId="{0E816231-3792-45C2-88FC-645EE37742B6}" srcOrd="3" destOrd="0" presId="urn:microsoft.com/office/officeart/2005/8/layout/orgChart1"/>
     <dgm:cxn modelId="{C67CEA21-D4FD-4974-9224-77AA7E26D72F}" type="presParOf" srcId="{0E816231-3792-45C2-88FC-645EE37742B6}" destId="{5416B015-5141-4E9A-B0DC-47D9DD057E78}" srcOrd="0" destOrd="0" presId="urn:microsoft.com/office/officeart/2005/8/layout/orgChart1"/>
     <dgm:cxn modelId="{9149AC54-ECDE-4430-BED9-B4FD837D8D49}" type="presParOf" srcId="{5416B015-5141-4E9A-B0DC-47D9DD057E78}" destId="{0D2F9E68-FC6D-4122-8441-A9EF3623ABBF}" srcOrd="0" destOrd="0" presId="urn:microsoft.com/office/officeart/2005/8/layout/orgChart1"/>
     <dgm:cxn modelId="{68D32D0D-3A68-438D-BF63-2086147CB1DF}" type="presParOf" srcId="{5416B015-5141-4E9A-B0DC-47D9DD057E78}" destId="{FE9BD47E-F8BA-43A2-833D-906F9EF6A595}" srcOrd="1" destOrd="0" presId="urn:microsoft.com/office/officeart/2005/8/layout/orgChart1"/>
     <dgm:cxn modelId="{A2A35C20-5D50-496D-9FCC-ADAC6525EABA}" type="presParOf" srcId="{0E816231-3792-45C2-88FC-645EE37742B6}" destId="{C3FC5338-95F1-4B59-BD2C-09CE08A1C890}" srcOrd="1" destOrd="0" presId="urn:microsoft.com/office/officeart/2005/8/layout/orgChart1"/>
     <dgm:cxn modelId="{BD33C38B-1B48-4F7C-9FB9-2562A4CCA1C6}" type="presParOf" srcId="{0E816231-3792-45C2-88FC-645EE37742B6}" destId="{8EA1125F-EDCA-49AB-A40A-4F4DD96B01C3}" srcOrd="2" destOrd="0" presId="urn:microsoft.com/office/officeart/2005/8/layout/orgChart1"/>
+    <dgm:cxn modelId="{CAAD0D96-571F-480E-B983-C4504474DDAF}" type="presParOf" srcId="{F48F087A-9751-4B38-B7AD-1A696C0E5EDD}" destId="{8CA8CA49-B0F4-4CE9-91B8-DEF78D282CC6}" srcOrd="4" destOrd="0" presId="urn:microsoft.com/office/officeart/2005/8/layout/orgChart1"/>
+    <dgm:cxn modelId="{639E17AC-9248-4062-BAB7-5AFD961185E9}" type="presParOf" srcId="{F48F087A-9751-4B38-B7AD-1A696C0E5EDD}" destId="{3D2DD470-680E-4C47-B74B-6739522C732A}" srcOrd="5" destOrd="0" presId="urn:microsoft.com/office/officeart/2005/8/layout/orgChart1"/>
+    <dgm:cxn modelId="{592F42E6-BCFD-4D63-ADCD-C9B7A7908981}" type="presParOf" srcId="{3D2DD470-680E-4C47-B74B-6739522C732A}" destId="{93B90850-49E4-4604-8AE3-DE5EC0A39C55}" srcOrd="0" destOrd="0" presId="urn:microsoft.com/office/officeart/2005/8/layout/orgChart1"/>
+    <dgm:cxn modelId="{BEEBBE41-01F6-402B-B40D-B30D6C8B8A9B}" type="presParOf" srcId="{93B90850-49E4-4604-8AE3-DE5EC0A39C55}" destId="{A4E32495-C243-48F4-8D25-F7DF33226B38}" srcOrd="0" destOrd="0" presId="urn:microsoft.com/office/officeart/2005/8/layout/orgChart1"/>
+    <dgm:cxn modelId="{B7B22DDD-EEAC-4417-BAF8-F3AC3793DB90}" type="presParOf" srcId="{93B90850-49E4-4604-8AE3-DE5EC0A39C55}" destId="{AFD72F51-F04C-4168-A9F2-0B52067EEEAD}" srcOrd="1" destOrd="0" presId="urn:microsoft.com/office/officeart/2005/8/layout/orgChart1"/>
+    <dgm:cxn modelId="{C2F22D2A-C49B-4EE8-8385-3139A3D7BE3C}" type="presParOf" srcId="{3D2DD470-680E-4C47-B74B-6739522C732A}" destId="{6BFDCD49-2475-4E8D-9FB9-57DFB0AB7B4D}" srcOrd="1" destOrd="0" presId="urn:microsoft.com/office/officeart/2005/8/layout/orgChart1"/>
+    <dgm:cxn modelId="{341F7F16-810D-48D1-8144-7AC9F03B49E6}" type="presParOf" srcId="{3D2DD470-680E-4C47-B74B-6739522C732A}" destId="{B0272797-04B5-4B43-95D1-57CD862D8A1A}" srcOrd="2" destOrd="0" presId="urn:microsoft.com/office/officeart/2005/8/layout/orgChart1"/>
     <dgm:cxn modelId="{1D3C1215-8FC4-48E6-BAFE-C895618A854D}" type="presParOf" srcId="{38545DB2-206A-4848-A711-9D1911C4BD00}" destId="{62FF3263-FCC6-416A-A304-0735A0D86EE5}" srcOrd="2" destOrd="0" presId="urn:microsoft.com/office/officeart/2005/8/layout/orgChart1"/>
   </dgm:cxnLst>
   <dgm:bg/>
@@ -3710,10 +3705,9 @@
         <a:lstStyle/>
         <a:p>
           <a:r>
-            <a:rPr lang="zh-CN" altLang="en-US" dirty="0" smtClean="0"/>
+            <a:rPr lang="zh-CN" altLang="en-US" dirty="0"/>
             <a:t>专业知识</a:t>
           </a:r>
-          <a:endParaRPr lang="zh-CN" altLang="en-US" dirty="0"/>
         </a:p>
       </dgm:t>
     </dgm:pt>
@@ -3755,19 +3749,12 @@
         </dgm:presLayoutVars>
       </dgm:prSet>
       <dgm:spPr/>
-      <dgm:t>
-        <a:bodyPr/>
-        <a:lstStyle/>
-        <a:p>
-          <a:endParaRPr lang="zh-CN" altLang="en-US"/>
-        </a:p>
-      </dgm:t>
     </dgm:pt>
   </dgm:ptLst>
   <dgm:cxnLst>
     <dgm:cxn modelId="{8352AF3E-7188-4441-A725-E55EA4E8B453}" srcId="{8463AE4B-301A-4B11-8073-759E861403EC}" destId="{A8B11334-CE98-49AE-92CA-0470F77749ED}" srcOrd="0" destOrd="0" parTransId="{9E077970-B8E2-42A7-B525-E935045AD7B0}" sibTransId="{673C2A27-6992-4509-8077-E37086BDA9DA}"/>
+    <dgm:cxn modelId="{9FFE2FB7-A250-4EF4-8092-CAFD251ECEA5}" type="presOf" srcId="{A8B11334-CE98-49AE-92CA-0470F77749ED}" destId="{106565CE-4ADF-4DCD-822A-A9477A91A5C8}" srcOrd="0" destOrd="0" presId="urn:microsoft.com/office/officeart/2005/8/layout/default"/>
     <dgm:cxn modelId="{20A300EA-5C90-44B3-B485-D5D7D4E17DAE}" type="presOf" srcId="{8463AE4B-301A-4B11-8073-759E861403EC}" destId="{9123461B-A328-4ED8-A971-4D54354AADFF}" srcOrd="0" destOrd="0" presId="urn:microsoft.com/office/officeart/2005/8/layout/default"/>
-    <dgm:cxn modelId="{9FFE2FB7-A250-4EF4-8092-CAFD251ECEA5}" type="presOf" srcId="{A8B11334-CE98-49AE-92CA-0470F77749ED}" destId="{106565CE-4ADF-4DCD-822A-A9477A91A5C8}" srcOrd="0" destOrd="0" presId="urn:microsoft.com/office/officeart/2005/8/layout/default"/>
     <dgm:cxn modelId="{C4594DFB-3C0F-40D8-8FDC-F80C3770890A}" type="presParOf" srcId="{9123461B-A328-4ED8-A971-4D54354AADFF}" destId="{106565CE-4ADF-4DCD-822A-A9477A91A5C8}" srcOrd="0" destOrd="0" presId="urn:microsoft.com/office/officeart/2005/8/layout/default"/>
   </dgm:cxnLst>
   <dgm:bg/>
@@ -3802,10 +3789,9 @@
         <a:lstStyle/>
         <a:p>
           <a:r>
-            <a:rPr lang="zh-CN" altLang="en-US" dirty="0" smtClean="0"/>
+            <a:rPr lang="zh-CN" altLang="en-US" dirty="0"/>
             <a:t>数据处理</a:t>
           </a:r>
-          <a:endParaRPr lang="zh-CN" altLang="en-US" dirty="0"/>
         </a:p>
       </dgm:t>
     </dgm:pt>
@@ -3839,10 +3825,9 @@
         <a:lstStyle/>
         <a:p>
           <a:r>
-            <a:rPr lang="zh-CN" altLang="en-US" dirty="0" smtClean="0"/>
+            <a:rPr lang="zh-CN" altLang="en-US" dirty="0"/>
             <a:t>数据采集</a:t>
           </a:r>
-          <a:endParaRPr lang="zh-CN" altLang="en-US" dirty="0"/>
         </a:p>
       </dgm:t>
     </dgm:pt>
@@ -3876,10 +3861,9 @@
         <a:lstStyle/>
         <a:p>
           <a:r>
-            <a:rPr lang="zh-CN" altLang="en-US" dirty="0" smtClean="0"/>
+            <a:rPr lang="zh-CN" altLang="en-US" dirty="0"/>
             <a:t>数据标注</a:t>
           </a:r>
-          <a:endParaRPr lang="zh-CN" altLang="en-US" dirty="0"/>
         </a:p>
       </dgm:t>
     </dgm:pt>
@@ -3913,10 +3897,9 @@
         <a:lstStyle/>
         <a:p>
           <a:r>
-            <a:rPr lang="zh-CN" altLang="en-US" dirty="0" smtClean="0"/>
+            <a:rPr lang="zh-CN" altLang="en-US" dirty="0"/>
             <a:t>模型构建</a:t>
           </a:r>
-          <a:endParaRPr lang="zh-CN" altLang="en-US" dirty="0"/>
         </a:p>
       </dgm:t>
     </dgm:pt>
@@ -3950,10 +3933,9 @@
         <a:lstStyle/>
         <a:p>
           <a:r>
-            <a:rPr lang="zh-CN" altLang="en-US" dirty="0" smtClean="0"/>
+            <a:rPr lang="zh-CN" altLang="en-US" dirty="0"/>
             <a:t>预训练模型</a:t>
           </a:r>
-          <a:endParaRPr lang="zh-CN" altLang="en-US" dirty="0"/>
         </a:p>
       </dgm:t>
     </dgm:pt>
@@ -3987,10 +3969,9 @@
         <a:lstStyle/>
         <a:p>
           <a:r>
-            <a:rPr lang="zh-CN" altLang="en-US" dirty="0" smtClean="0"/>
+            <a:rPr lang="zh-CN" altLang="en-US" dirty="0"/>
             <a:t>模型部署与应用</a:t>
           </a:r>
-          <a:endParaRPr lang="zh-CN" altLang="en-US" dirty="0"/>
         </a:p>
       </dgm:t>
     </dgm:pt>
@@ -4024,10 +4005,9 @@
         <a:lstStyle/>
         <a:p>
           <a:r>
-            <a:rPr lang="zh-CN" altLang="en-US" dirty="0" smtClean="0"/>
+            <a:rPr lang="zh-CN" altLang="en-US" dirty="0"/>
             <a:t>公有云部署</a:t>
           </a:r>
-          <a:endParaRPr lang="zh-CN" altLang="en-US" dirty="0"/>
         </a:p>
       </dgm:t>
     </dgm:pt>
@@ -4061,10 +4041,9 @@
         <a:lstStyle/>
         <a:p>
           <a:r>
-            <a:rPr lang="zh-CN" altLang="en-US" dirty="0" smtClean="0"/>
+            <a:rPr lang="zh-CN" altLang="en-US" dirty="0"/>
             <a:t>本地服务器部署</a:t>
           </a:r>
-          <a:endParaRPr lang="zh-CN" altLang="en-US" dirty="0"/>
         </a:p>
       </dgm:t>
     </dgm:pt>
@@ -4098,10 +4077,9 @@
         <a:lstStyle/>
         <a:p>
           <a:r>
-            <a:rPr lang="zh-CN" altLang="en-US" dirty="0" smtClean="0"/>
+            <a:rPr lang="zh-CN" altLang="en-US" dirty="0"/>
             <a:t>数据清洗</a:t>
           </a:r>
-          <a:endParaRPr lang="zh-CN" altLang="en-US" dirty="0"/>
         </a:p>
       </dgm:t>
     </dgm:pt>
@@ -4135,10 +4113,9 @@
         <a:lstStyle/>
         <a:p>
           <a:r>
-            <a:rPr lang="zh-CN" altLang="en-US" dirty="0" smtClean="0"/>
+            <a:rPr lang="zh-CN" altLang="en-US" dirty="0"/>
             <a:t>数据扩充</a:t>
           </a:r>
-          <a:endParaRPr lang="zh-CN" altLang="en-US" dirty="0"/>
         </a:p>
       </dgm:t>
     </dgm:pt>
@@ -4172,10 +4149,9 @@
         <a:lstStyle/>
         <a:p>
           <a:r>
-            <a:rPr lang="zh-CN" altLang="en-US" dirty="0" smtClean="0"/>
+            <a:rPr lang="zh-CN" altLang="en-US" dirty="0"/>
             <a:t>模型训练</a:t>
           </a:r>
-          <a:endParaRPr lang="zh-CN" altLang="en-US" dirty="0"/>
         </a:p>
       </dgm:t>
     </dgm:pt>
@@ -4209,10 +4185,9 @@
         <a:lstStyle/>
         <a:p>
           <a:r>
-            <a:rPr lang="zh-CN" altLang="en-US" dirty="0" smtClean="0"/>
+            <a:rPr lang="zh-CN" altLang="en-US" dirty="0"/>
             <a:t>模型评估</a:t>
           </a:r>
-          <a:endParaRPr lang="zh-CN" altLang="en-US" dirty="0"/>
         </a:p>
       </dgm:t>
     </dgm:pt>
@@ -4246,10 +4221,9 @@
         <a:lstStyle/>
         <a:p>
           <a:r>
-            <a:rPr lang="zh-CN" altLang="en-US" dirty="0" smtClean="0"/>
+            <a:rPr lang="zh-CN" altLang="en-US" dirty="0"/>
             <a:t>本地设备端部署</a:t>
           </a:r>
-          <a:endParaRPr lang="zh-CN" altLang="en-US" dirty="0"/>
         </a:p>
       </dgm:t>
     </dgm:pt>
@@ -4283,10 +4257,9 @@
         <a:lstStyle/>
         <a:p>
           <a:r>
-            <a:rPr lang="zh-CN" altLang="en-US" dirty="0" smtClean="0"/>
+            <a:rPr lang="zh-CN" altLang="en-US" dirty="0"/>
             <a:t>软硬一体部署</a:t>
           </a:r>
-          <a:endParaRPr lang="zh-CN" altLang="en-US" dirty="0"/>
         </a:p>
       </dgm:t>
     </dgm:pt>
@@ -4320,10 +4293,9 @@
         <a:lstStyle/>
         <a:p>
           <a:r>
-            <a:rPr lang="zh-CN" altLang="en-US" dirty="0" smtClean="0"/>
+            <a:rPr lang="zh-CN" altLang="en-US" dirty="0"/>
             <a:t>训练规模</a:t>
           </a:r>
-          <a:endParaRPr lang="zh-CN" altLang="en-US" dirty="0"/>
         </a:p>
       </dgm:t>
     </dgm:pt>
@@ -4349,6 +4321,28 @@
         </a:p>
       </dgm:t>
     </dgm:pt>
+    <dgm:pt modelId="{E332B0EF-AAA3-4655-AEFE-A4140AF874F3}">
+      <dgm:prSet phldrT="[文本]"/>
+      <dgm:spPr/>
+      <dgm:t>
+        <a:bodyPr/>
+        <a:lstStyle/>
+        <a:p>
+          <a:r>
+            <a:rPr lang="zh-CN" altLang="en-US" dirty="0"/>
+            <a:t>模型调整</a:t>
+          </a:r>
+        </a:p>
+      </dgm:t>
+    </dgm:pt>
+    <dgm:pt modelId="{517C2DB8-6F85-4171-9BD1-F7C957C561E6}" type="parTrans" cxnId="{B888B347-0B09-468A-B2A3-3E717FC42686}">
+      <dgm:prSet/>
+      <dgm:spPr/>
+    </dgm:pt>
+    <dgm:pt modelId="{9A8667DB-4134-4832-BDEA-5D240E0F4B8A}" type="sibTrans" cxnId="{B888B347-0B09-468A-B2A3-3E717FC42686}">
+      <dgm:prSet/>
+      <dgm:spPr/>
+    </dgm:pt>
     <dgm:pt modelId="{37989AF0-27F4-410D-9EDE-2438221C2F64}" type="pres">
       <dgm:prSet presAssocID="{5898D3DB-E630-4855-9E35-3A4775D7D96F}" presName="Name0" presStyleCnt="0">
         <dgm:presLayoutVars>
@@ -4365,13 +4359,6 @@
         </dgm:presLayoutVars>
       </dgm:prSet>
       <dgm:spPr/>
-      <dgm:t>
-        <a:bodyPr/>
-        <a:lstStyle/>
-        <a:p>
-          <a:endParaRPr lang="zh-CN" altLang="en-US"/>
-        </a:p>
-      </dgm:t>
     </dgm:pt>
     <dgm:pt modelId="{AEC0A17B-06D6-46BE-A880-F7C76D9ADD35}" type="pres">
       <dgm:prSet presAssocID="{EF6B8765-5DBC-4EE9-85BA-143BA005199E}" presName="sibTrans" presStyleCnt="0"/>
@@ -4384,13 +4371,6 @@
         </dgm:presLayoutVars>
       </dgm:prSet>
       <dgm:spPr/>
-      <dgm:t>
-        <a:bodyPr/>
-        <a:lstStyle/>
-        <a:p>
-          <a:endParaRPr lang="zh-CN" altLang="en-US"/>
-        </a:p>
-      </dgm:t>
     </dgm:pt>
     <dgm:pt modelId="{D8C520A0-384B-4E0E-B00B-422A8917D917}" type="pres">
       <dgm:prSet presAssocID="{F4BF3B1E-29E8-46F6-823A-67C2BD3D458C}" presName="sibTrans" presStyleCnt="0"/>
@@ -4406,37 +4386,39 @@
     </dgm:pt>
   </dgm:ptLst>
   <dgm:cxnLst>
+    <dgm:cxn modelId="{C42F1507-C5C1-41E5-98B6-25B9B20073BE}" srcId="{A8C2FDD5-CD90-45AE-9735-FBCA9F94BAFC}" destId="{1BACF7AD-70FA-4540-BE69-865768FA4CAA}" srcOrd="1" destOrd="0" parTransId="{3B4EAA7A-6D6C-4605-A3CC-D98C33C00A1E}" sibTransId="{EB41C2F7-27B7-4545-AE28-23B535C4F20C}"/>
+    <dgm:cxn modelId="{49A6500F-3ABF-48F7-8A0D-B7329D1CC52E}" srcId="{B8611895-7D40-41BE-9D56-E7FD883B8206}" destId="{39F93E51-9FAA-4C63-AE45-6E38C352C889}" srcOrd="1" destOrd="0" parTransId="{F76A9A0E-4A59-4D8E-B6DB-AF79265EA083}" sibTransId="{474507DB-9908-427C-8AAE-F9E3A25F5034}"/>
+    <dgm:cxn modelId="{A29BE811-8C45-4117-A2C5-65445937EED1}" srcId="{5898D3DB-E630-4855-9E35-3A4775D7D96F}" destId="{D3D6EABF-B2B8-4F25-BF24-35F594C0DC40}" srcOrd="1" destOrd="0" parTransId="{95311B1C-0CC2-4826-8C93-0BD0C5062D61}" sibTransId="{F4BF3B1E-29E8-46F6-823A-67C2BD3D458C}"/>
+    <dgm:cxn modelId="{47FB0718-4992-41A4-9EAB-E43A6398EDF0}" srcId="{B8611895-7D40-41BE-9D56-E7FD883B8206}" destId="{B7B1B8D2-8D58-4FEB-9D6C-AC464292C9F1}" srcOrd="3" destOrd="0" parTransId="{F9BE6F01-697E-4DB2-8DCB-A58B9EC4BFCD}" sibTransId="{C57000A5-0A78-4365-B56C-AC8B29605E2B}"/>
+    <dgm:cxn modelId="{52F1A623-136E-45F5-9A53-C8753B402EF8}" srcId="{A8C2FDD5-CD90-45AE-9735-FBCA9F94BAFC}" destId="{89542F3A-346C-4E15-A386-B8298E77508E}" srcOrd="2" destOrd="0" parTransId="{7F75A993-C72F-43AA-878E-0CCE112CD605}" sibTransId="{B82667B2-9B79-4329-9D21-87FD69213723}"/>
+    <dgm:cxn modelId="{071F862E-E59D-4C2F-BFB8-7734088F82E9}" type="presOf" srcId="{5898D3DB-E630-4855-9E35-3A4775D7D96F}" destId="{37989AF0-27F4-410D-9EDE-2438221C2F64}" srcOrd="0" destOrd="0" presId="urn:microsoft.com/office/officeart/2005/8/layout/hList6"/>
     <dgm:cxn modelId="{34597B30-361E-43CE-82B2-586120BF4236}" type="presOf" srcId="{D3D6EABF-B2B8-4F25-BF24-35F594C0DC40}" destId="{E0354452-3587-4B90-AF3F-CD35A136A715}" srcOrd="0" destOrd="0" presId="urn:microsoft.com/office/officeart/2005/8/layout/hList6"/>
+    <dgm:cxn modelId="{B7372D33-98A4-44FC-A7E1-ABC0A0E64B6D}" type="presOf" srcId="{B7B1B8D2-8D58-4FEB-9D6C-AC464292C9F1}" destId="{09738E6B-F072-4423-84C3-42A22AA64F1A}" srcOrd="0" destOrd="4" presId="urn:microsoft.com/office/officeart/2005/8/layout/hList6"/>
+    <dgm:cxn modelId="{300FDB3A-4F94-40F3-8E09-7287D029270F}" type="presOf" srcId="{5CF6E75D-D850-44C1-A9B1-427FF2AE33E6}" destId="{E0354452-3587-4B90-AF3F-CD35A136A715}" srcOrd="0" destOrd="3" presId="urn:microsoft.com/office/officeart/2005/8/layout/hList6"/>
+    <dgm:cxn modelId="{25CA7B3B-2105-4398-A1F6-B28E994AD59D}" type="presOf" srcId="{E332B0EF-AAA3-4655-AEFE-A4140AF874F3}" destId="{E0354452-3587-4B90-AF3F-CD35A136A715}" srcOrd="0" destOrd="5" presId="urn:microsoft.com/office/officeart/2005/8/layout/hList6"/>
+    <dgm:cxn modelId="{1D554B5C-FE81-4DBD-B051-0F4190176060}" srcId="{5898D3DB-E630-4855-9E35-3A4775D7D96F}" destId="{B8611895-7D40-41BE-9D56-E7FD883B8206}" srcOrd="0" destOrd="0" parTransId="{6DD40F9F-D32B-4D4F-8DC9-03E4BD23EEDC}" sibTransId="{EF6B8765-5DBC-4EE9-85BA-143BA005199E}"/>
+    <dgm:cxn modelId="{920A8460-884D-4F41-BDCC-5177BC6065D2}" srcId="{B8611895-7D40-41BE-9D56-E7FD883B8206}" destId="{5D6F153E-C76C-4D55-BB50-572CF6D1F7E3}" srcOrd="2" destOrd="0" parTransId="{8C97E1D1-BEEC-42EC-87C2-164D2B3C3CCF}" sibTransId="{C6C5920B-C59E-42E1-BE66-C837CA2E30F9}"/>
+    <dgm:cxn modelId="{B888B347-0B09-468A-B2A3-3E717FC42686}" srcId="{D3D6EABF-B2B8-4F25-BF24-35F594C0DC40}" destId="{E332B0EF-AAA3-4655-AEFE-A4140AF874F3}" srcOrd="4" destOrd="0" parTransId="{517C2DB8-6F85-4171-9BD1-F7C957C561E6}" sibTransId="{9A8667DB-4134-4832-BDEA-5D240E0F4B8A}"/>
+    <dgm:cxn modelId="{56C4176D-68CA-4F6C-B94F-E3766A4BD5D7}" type="presOf" srcId="{39F93E51-9FAA-4C63-AE45-6E38C352C889}" destId="{09738E6B-F072-4423-84C3-42A22AA64F1A}" srcOrd="0" destOrd="2" presId="urn:microsoft.com/office/officeart/2005/8/layout/hList6"/>
+    <dgm:cxn modelId="{C42B7270-9F86-4F16-B226-735112229CDC}" type="presOf" srcId="{BD93A659-E621-4FDB-9B09-5EE83E6D6E7B}" destId="{E0354452-3587-4B90-AF3F-CD35A136A715}" srcOrd="0" destOrd="4" presId="urn:microsoft.com/office/officeart/2005/8/layout/hList6"/>
+    <dgm:cxn modelId="{6A1A7152-876D-4D20-BE1F-6E1BF4B62643}" type="presOf" srcId="{A8C2FDD5-CD90-45AE-9735-FBCA9F94BAFC}" destId="{D983E229-A6FB-4696-AB10-E0005EC78778}" srcOrd="0" destOrd="0" presId="urn:microsoft.com/office/officeart/2005/8/layout/hList6"/>
+    <dgm:cxn modelId="{1D865B7F-919D-47AF-884B-9BF99BE27664}" srcId="{D3D6EABF-B2B8-4F25-BF24-35F594C0DC40}" destId="{1A44AC8F-FFB1-4574-950A-5BC966B7F4C1}" srcOrd="1" destOrd="0" parTransId="{6F05BBF7-CC25-4703-800A-AB0705C1E050}" sibTransId="{CD3623BD-CD08-4215-94F8-45A81EBD7EF7}"/>
+    <dgm:cxn modelId="{AAEAC886-12BC-41D0-83F7-3973F2FF27ED}" srcId="{5898D3DB-E630-4855-9E35-3A4775D7D96F}" destId="{A8C2FDD5-CD90-45AE-9735-FBCA9F94BAFC}" srcOrd="2" destOrd="0" parTransId="{EA5BE495-47A8-4E19-833C-42C31A70EC3A}" sibTransId="{76E0AEDB-8E83-41D9-9451-E0F665950D7F}"/>
+    <dgm:cxn modelId="{07A41593-41AC-43BB-891A-D29A14AF358D}" type="presOf" srcId="{1BACF7AD-70FA-4540-BE69-865768FA4CAA}" destId="{D983E229-A6FB-4696-AB10-E0005EC78778}" srcOrd="0" destOrd="2" presId="urn:microsoft.com/office/officeart/2005/8/layout/hList6"/>
+    <dgm:cxn modelId="{E849C796-98A6-4D6B-8D6D-357508B87979}" srcId="{D3D6EABF-B2B8-4F25-BF24-35F594C0DC40}" destId="{3B7196BC-E9E6-4899-982D-F4B15E65BE19}" srcOrd="0" destOrd="0" parTransId="{FAAB4ED8-9CB3-43FD-9928-BC18BAEB5D2F}" sibTransId="{6DD687A5-9188-4612-AD1C-73EC2CE1FC38}"/>
+    <dgm:cxn modelId="{CAE6E296-2535-4F80-B0AE-21BD08A0E82F}" type="presOf" srcId="{89542F3A-346C-4E15-A386-B8298E77508E}" destId="{D983E229-A6FB-4696-AB10-E0005EC78778}" srcOrd="0" destOrd="3" presId="urn:microsoft.com/office/officeart/2005/8/layout/hList6"/>
     <dgm:cxn modelId="{080A439E-BBD0-46FD-A290-C5492F736D64}" type="presOf" srcId="{5D6F153E-C76C-4D55-BB50-572CF6D1F7E3}" destId="{09738E6B-F072-4423-84C3-42A22AA64F1A}" srcOrd="0" destOrd="3" presId="urn:microsoft.com/office/officeart/2005/8/layout/hList6"/>
+    <dgm:cxn modelId="{A53A9FA0-99A2-4CAA-B977-76B0BAAD0C02}" srcId="{D3D6EABF-B2B8-4F25-BF24-35F594C0DC40}" destId="{BD93A659-E621-4FDB-9B09-5EE83E6D6E7B}" srcOrd="3" destOrd="0" parTransId="{EC6CB2BC-4621-4147-9089-6FD0F69A2E4B}" sibTransId="{CED986DC-2DEC-4917-85B3-2A6CDEF04982}"/>
+    <dgm:cxn modelId="{22F7D9AD-1F7C-4FF4-A1AB-53A57B36EA85}" type="presOf" srcId="{3B7196BC-E9E6-4899-982D-F4B15E65BE19}" destId="{E0354452-3587-4B90-AF3F-CD35A136A715}" srcOrd="0" destOrd="1" presId="urn:microsoft.com/office/officeart/2005/8/layout/hList6"/>
+    <dgm:cxn modelId="{AD8DB0B1-AC56-4F17-B551-210D7D9A8771}" type="presOf" srcId="{B8611895-7D40-41BE-9D56-E7FD883B8206}" destId="{09738E6B-F072-4423-84C3-42A22AA64F1A}" srcOrd="0" destOrd="0" presId="urn:microsoft.com/office/officeart/2005/8/layout/hList6"/>
+    <dgm:cxn modelId="{BB5BE2C3-A2B6-46C4-82DB-2E3834DA13AD}" srcId="{A8C2FDD5-CD90-45AE-9735-FBCA9F94BAFC}" destId="{5F545C9F-A017-40B2-8126-CF0097608C9E}" srcOrd="3" destOrd="0" parTransId="{B0560D21-66C8-4AC6-8F4F-D7BFDB701596}" sibTransId="{FE11AAC9-5D63-46D2-B6F1-A1F57925EC5D}"/>
+    <dgm:cxn modelId="{33FAA1C7-21CA-49CD-B47C-BF7F3D8AA842}" type="presOf" srcId="{9456A488-140E-4285-8FCA-4D644B84BD37}" destId="{09738E6B-F072-4423-84C3-42A22AA64F1A}" srcOrd="0" destOrd="1" presId="urn:microsoft.com/office/officeart/2005/8/layout/hList6"/>
     <dgm:cxn modelId="{BDDD01C8-D254-4FE0-B8D3-AC48538DA89F}" type="presOf" srcId="{08C9A74F-EFC1-4F82-A9C7-E20069C0CBB6}" destId="{D983E229-A6FB-4696-AB10-E0005EC78778}" srcOrd="0" destOrd="1" presId="urn:microsoft.com/office/officeart/2005/8/layout/hList6"/>
-    <dgm:cxn modelId="{A53A9FA0-99A2-4CAA-B977-76B0BAAD0C02}" srcId="{D3D6EABF-B2B8-4F25-BF24-35F594C0DC40}" destId="{BD93A659-E621-4FDB-9B09-5EE83E6D6E7B}" srcOrd="3" destOrd="0" parTransId="{EC6CB2BC-4621-4147-9089-6FD0F69A2E4B}" sibTransId="{CED986DC-2DEC-4917-85B3-2A6CDEF04982}"/>
     <dgm:cxn modelId="{C90B48CC-727B-4A74-B508-31C2234DAB59}" type="presOf" srcId="{5F545C9F-A017-40B2-8126-CF0097608C9E}" destId="{D983E229-A6FB-4696-AB10-E0005EC78778}" srcOrd="0" destOrd="4" presId="urn:microsoft.com/office/officeart/2005/8/layout/hList6"/>
-    <dgm:cxn modelId="{C42F1507-C5C1-41E5-98B6-25B9B20073BE}" srcId="{A8C2FDD5-CD90-45AE-9735-FBCA9F94BAFC}" destId="{1BACF7AD-70FA-4540-BE69-865768FA4CAA}" srcOrd="1" destOrd="0" parTransId="{3B4EAA7A-6D6C-4605-A3CC-D98C33C00A1E}" sibTransId="{EB41C2F7-27B7-4545-AE28-23B535C4F20C}"/>
-    <dgm:cxn modelId="{1D554B5C-FE81-4DBD-B051-0F4190176060}" srcId="{5898D3DB-E630-4855-9E35-3A4775D7D96F}" destId="{B8611895-7D40-41BE-9D56-E7FD883B8206}" srcOrd="0" destOrd="0" parTransId="{6DD40F9F-D32B-4D4F-8DC9-03E4BD23EEDC}" sibTransId="{EF6B8765-5DBC-4EE9-85BA-143BA005199E}"/>
-    <dgm:cxn modelId="{B7372D33-98A4-44FC-A7E1-ABC0A0E64B6D}" type="presOf" srcId="{B7B1B8D2-8D58-4FEB-9D6C-AC464292C9F1}" destId="{09738E6B-F072-4423-84C3-42A22AA64F1A}" srcOrd="0" destOrd="4" presId="urn:microsoft.com/office/officeart/2005/8/layout/hList6"/>
-    <dgm:cxn modelId="{52F1A623-136E-45F5-9A53-C8753B402EF8}" srcId="{A8C2FDD5-CD90-45AE-9735-FBCA9F94BAFC}" destId="{89542F3A-346C-4E15-A386-B8298E77508E}" srcOrd="2" destOrd="0" parTransId="{7F75A993-C72F-43AA-878E-0CCE112CD605}" sibTransId="{B82667B2-9B79-4329-9D21-87FD69213723}"/>
+    <dgm:cxn modelId="{246BDBD1-ABC1-45FD-BB23-FDA0E36BDFF7}" srcId="{D3D6EABF-B2B8-4F25-BF24-35F594C0DC40}" destId="{5CF6E75D-D850-44C1-A9B1-427FF2AE33E6}" srcOrd="2" destOrd="0" parTransId="{3F24A332-9C85-4451-B847-F61D769FB5BE}" sibTransId="{4FF34AFA-EB4D-4C50-A09B-B8E4C80DA651}"/>
+    <dgm:cxn modelId="{2BC6E1D8-1219-42BE-B332-FFE06E01E4E8}" type="presOf" srcId="{1A44AC8F-FFB1-4574-950A-5BC966B7F4C1}" destId="{E0354452-3587-4B90-AF3F-CD35A136A715}" srcOrd="0" destOrd="2" presId="urn:microsoft.com/office/officeart/2005/8/layout/hList6"/>
     <dgm:cxn modelId="{E9B7ABF1-8AFE-49A8-AD00-C372B2DFF868}" srcId="{A8C2FDD5-CD90-45AE-9735-FBCA9F94BAFC}" destId="{08C9A74F-EFC1-4F82-A9C7-E20069C0CBB6}" srcOrd="0" destOrd="0" parTransId="{91AE6CFC-1992-48BF-8FF0-F1D756D39CD7}" sibTransId="{72881562-AB0F-4329-B99B-BE8D4305D68D}"/>
-    <dgm:cxn modelId="{6A1A7152-876D-4D20-BE1F-6E1BF4B62643}" type="presOf" srcId="{A8C2FDD5-CD90-45AE-9735-FBCA9F94BAFC}" destId="{D983E229-A6FB-4696-AB10-E0005EC78778}" srcOrd="0" destOrd="0" presId="urn:microsoft.com/office/officeart/2005/8/layout/hList6"/>
-    <dgm:cxn modelId="{47FB0718-4992-41A4-9EAB-E43A6398EDF0}" srcId="{B8611895-7D40-41BE-9D56-E7FD883B8206}" destId="{B7B1B8D2-8D58-4FEB-9D6C-AC464292C9F1}" srcOrd="3" destOrd="0" parTransId="{F9BE6F01-697E-4DB2-8DCB-A58B9EC4BFCD}" sibTransId="{C57000A5-0A78-4365-B56C-AC8B29605E2B}"/>
-    <dgm:cxn modelId="{07A41593-41AC-43BB-891A-D29A14AF358D}" type="presOf" srcId="{1BACF7AD-70FA-4540-BE69-865768FA4CAA}" destId="{D983E229-A6FB-4696-AB10-E0005EC78778}" srcOrd="0" destOrd="2" presId="urn:microsoft.com/office/officeart/2005/8/layout/hList6"/>
-    <dgm:cxn modelId="{071F862E-E59D-4C2F-BFB8-7734088F82E9}" type="presOf" srcId="{5898D3DB-E630-4855-9E35-3A4775D7D96F}" destId="{37989AF0-27F4-410D-9EDE-2438221C2F64}" srcOrd="0" destOrd="0" presId="urn:microsoft.com/office/officeart/2005/8/layout/hList6"/>
-    <dgm:cxn modelId="{49A6500F-3ABF-48F7-8A0D-B7329D1CC52E}" srcId="{B8611895-7D40-41BE-9D56-E7FD883B8206}" destId="{39F93E51-9FAA-4C63-AE45-6E38C352C889}" srcOrd="1" destOrd="0" parTransId="{F76A9A0E-4A59-4D8E-B6DB-AF79265EA083}" sibTransId="{474507DB-9908-427C-8AAE-F9E3A25F5034}"/>
-    <dgm:cxn modelId="{22F7D9AD-1F7C-4FF4-A1AB-53A57B36EA85}" type="presOf" srcId="{3B7196BC-E9E6-4899-982D-F4B15E65BE19}" destId="{E0354452-3587-4B90-AF3F-CD35A136A715}" srcOrd="0" destOrd="1" presId="urn:microsoft.com/office/officeart/2005/8/layout/hList6"/>
-    <dgm:cxn modelId="{300FDB3A-4F94-40F3-8E09-7287D029270F}" type="presOf" srcId="{5CF6E75D-D850-44C1-A9B1-427FF2AE33E6}" destId="{E0354452-3587-4B90-AF3F-CD35A136A715}" srcOrd="0" destOrd="3" presId="urn:microsoft.com/office/officeart/2005/8/layout/hList6"/>
-    <dgm:cxn modelId="{56C4176D-68CA-4F6C-B94F-E3766A4BD5D7}" type="presOf" srcId="{39F93E51-9FAA-4C63-AE45-6E38C352C889}" destId="{09738E6B-F072-4423-84C3-42A22AA64F1A}" srcOrd="0" destOrd="2" presId="urn:microsoft.com/office/officeart/2005/8/layout/hList6"/>
-    <dgm:cxn modelId="{BB5BE2C3-A2B6-46C4-82DB-2E3834DA13AD}" srcId="{A8C2FDD5-CD90-45AE-9735-FBCA9F94BAFC}" destId="{5F545C9F-A017-40B2-8126-CF0097608C9E}" srcOrd="3" destOrd="0" parTransId="{B0560D21-66C8-4AC6-8F4F-D7BFDB701596}" sibTransId="{FE11AAC9-5D63-46D2-B6F1-A1F57925EC5D}"/>
-    <dgm:cxn modelId="{CAE6E296-2535-4F80-B0AE-21BD08A0E82F}" type="presOf" srcId="{89542F3A-346C-4E15-A386-B8298E77508E}" destId="{D983E229-A6FB-4696-AB10-E0005EC78778}" srcOrd="0" destOrd="3" presId="urn:microsoft.com/office/officeart/2005/8/layout/hList6"/>
-    <dgm:cxn modelId="{1D865B7F-919D-47AF-884B-9BF99BE27664}" srcId="{D3D6EABF-B2B8-4F25-BF24-35F594C0DC40}" destId="{1A44AC8F-FFB1-4574-950A-5BC966B7F4C1}" srcOrd="1" destOrd="0" parTransId="{6F05BBF7-CC25-4703-800A-AB0705C1E050}" sibTransId="{CD3623BD-CD08-4215-94F8-45A81EBD7EF7}"/>
     <dgm:cxn modelId="{E182EDF2-3515-49D9-985F-B04193698D26}" srcId="{B8611895-7D40-41BE-9D56-E7FD883B8206}" destId="{9456A488-140E-4285-8FCA-4D644B84BD37}" srcOrd="0" destOrd="0" parTransId="{1C5A4CC0-59D8-43BE-AC06-1CB25D82A603}" sibTransId="{844252D4-5731-46A5-B417-B48AB319399F}"/>
-    <dgm:cxn modelId="{C42B7270-9F86-4F16-B226-735112229CDC}" type="presOf" srcId="{BD93A659-E621-4FDB-9B09-5EE83E6D6E7B}" destId="{E0354452-3587-4B90-AF3F-CD35A136A715}" srcOrd="0" destOrd="4" presId="urn:microsoft.com/office/officeart/2005/8/layout/hList6"/>
-    <dgm:cxn modelId="{AD8DB0B1-AC56-4F17-B551-210D7D9A8771}" type="presOf" srcId="{B8611895-7D40-41BE-9D56-E7FD883B8206}" destId="{09738E6B-F072-4423-84C3-42A22AA64F1A}" srcOrd="0" destOrd="0" presId="urn:microsoft.com/office/officeart/2005/8/layout/hList6"/>
-    <dgm:cxn modelId="{920A8460-884D-4F41-BDCC-5177BC6065D2}" srcId="{B8611895-7D40-41BE-9D56-E7FD883B8206}" destId="{5D6F153E-C76C-4D55-BB50-572CF6D1F7E3}" srcOrd="2" destOrd="0" parTransId="{8C97E1D1-BEEC-42EC-87C2-164D2B3C3CCF}" sibTransId="{C6C5920B-C59E-42E1-BE66-C837CA2E30F9}"/>
-    <dgm:cxn modelId="{E849C796-98A6-4D6B-8D6D-357508B87979}" srcId="{D3D6EABF-B2B8-4F25-BF24-35F594C0DC40}" destId="{3B7196BC-E9E6-4899-982D-F4B15E65BE19}" srcOrd="0" destOrd="0" parTransId="{FAAB4ED8-9CB3-43FD-9928-BC18BAEB5D2F}" sibTransId="{6DD687A5-9188-4612-AD1C-73EC2CE1FC38}"/>
-    <dgm:cxn modelId="{A29BE811-8C45-4117-A2C5-65445937EED1}" srcId="{5898D3DB-E630-4855-9E35-3A4775D7D96F}" destId="{D3D6EABF-B2B8-4F25-BF24-35F594C0DC40}" srcOrd="1" destOrd="0" parTransId="{95311B1C-0CC2-4826-8C93-0BD0C5062D61}" sibTransId="{F4BF3B1E-29E8-46F6-823A-67C2BD3D458C}"/>
-    <dgm:cxn modelId="{33FAA1C7-21CA-49CD-B47C-BF7F3D8AA842}" type="presOf" srcId="{9456A488-140E-4285-8FCA-4D644B84BD37}" destId="{09738E6B-F072-4423-84C3-42A22AA64F1A}" srcOrd="0" destOrd="1" presId="urn:microsoft.com/office/officeart/2005/8/layout/hList6"/>
-    <dgm:cxn modelId="{246BDBD1-ABC1-45FD-BB23-FDA0E36BDFF7}" srcId="{D3D6EABF-B2B8-4F25-BF24-35F594C0DC40}" destId="{5CF6E75D-D850-44C1-A9B1-427FF2AE33E6}" srcOrd="2" destOrd="0" parTransId="{3F24A332-9C85-4451-B847-F61D769FB5BE}" sibTransId="{4FF34AFA-EB4D-4C50-A09B-B8E4C80DA651}"/>
-    <dgm:cxn modelId="{AAEAC886-12BC-41D0-83F7-3973F2FF27ED}" srcId="{5898D3DB-E630-4855-9E35-3A4775D7D96F}" destId="{A8C2FDD5-CD90-45AE-9735-FBCA9F94BAFC}" srcOrd="2" destOrd="0" parTransId="{EA5BE495-47A8-4E19-833C-42C31A70EC3A}" sibTransId="{76E0AEDB-8E83-41D9-9451-E0F665950D7F}"/>
-    <dgm:cxn modelId="{2BC6E1D8-1219-42BE-B332-FFE06E01E4E8}" type="presOf" srcId="{1A44AC8F-FFB1-4574-950A-5BC966B7F4C1}" destId="{E0354452-3587-4B90-AF3F-CD35A136A715}" srcOrd="0" destOrd="2" presId="urn:microsoft.com/office/officeart/2005/8/layout/hList6"/>
     <dgm:cxn modelId="{E8BE51D6-DE36-43E1-A9C1-6ADA2B89C0D0}" type="presParOf" srcId="{37989AF0-27F4-410D-9EDE-2438221C2F64}" destId="{09738E6B-F072-4423-84C3-42A22AA64F1A}" srcOrd="0" destOrd="0" presId="urn:microsoft.com/office/officeart/2005/8/layout/hList6"/>
     <dgm:cxn modelId="{49C97191-82C3-4065-99D5-B4378D758302}" type="presParOf" srcId="{37989AF0-27F4-410D-9EDE-2438221C2F64}" destId="{AEC0A17B-06D6-46BE-A880-F7C76D9ADD35}" srcOrd="1" destOrd="0" presId="urn:microsoft.com/office/officeart/2005/8/layout/hList6"/>
     <dgm:cxn modelId="{387089D5-5CA7-462E-8D1F-0DF7E35E09AD}" type="presParOf" srcId="{37989AF0-27F4-410D-9EDE-2438221C2F64}" destId="{E0354452-3587-4B90-AF3F-CD35A136A715}" srcOrd="2" destOrd="0" presId="urn:microsoft.com/office/officeart/2005/8/layout/hList6"/>
@@ -4447,7 +4429,7 @@
   <dgm:whole/>
   <dgm:extLst>
     <a:ext uri="http://schemas.microsoft.com/office/drawing/2008/diagram">
-      <dsp:dataModelExt xmlns:dsp="http://schemas.microsoft.com/office/drawing/2008/diagram" relId="rId6" minVer="http://schemas.openxmlformats.org/drawingml/2006/diagram"/>
+      <dsp:dataModelExt xmlns:dsp="http://schemas.microsoft.com/office/drawing/2008/diagram" relId="rId7" minVer="http://schemas.openxmlformats.org/drawingml/2006/diagram"/>
     </a:ext>
     <a:ext uri="{C62137D5-CB1D-491B-B009-E17868A290BF}">
       <dgm14:recolorImg xmlns:dgm14="http://schemas.microsoft.com/office/drawing/2010/diagram" val="1"/>
@@ -4484,16 +4466,12 @@
         <a:lstStyle/>
         <a:p>
           <a:r>
-            <a:rPr lang="zh-CN" altLang="en-US" dirty="0" smtClean="0">
+            <a:rPr lang="zh-CN" altLang="en-US" dirty="0">
               <a:latin typeface="黑体" panose="02010609060101010101" pitchFamily="49" charset="-122"/>
               <a:ea typeface="黑体" panose="02010609060101010101" pitchFamily="49" charset="-122"/>
             </a:rPr>
             <a:t>符合</a:t>
           </a:r>
-          <a:endParaRPr lang="zh-CN" altLang="en-US" dirty="0">
-            <a:latin typeface="黑体" panose="02010609060101010101" pitchFamily="49" charset="-122"/>
-            <a:ea typeface="黑体" panose="02010609060101010101" pitchFamily="49" charset="-122"/>
-          </a:endParaRPr>
         </a:p>
       </dgm:t>
     </dgm:pt>
@@ -4533,16 +4511,12 @@
         <a:lstStyle/>
         <a:p>
           <a:r>
-            <a:rPr lang="zh-CN" altLang="en-US" dirty="0" smtClean="0">
+            <a:rPr lang="zh-CN" altLang="en-US" dirty="0">
               <a:latin typeface="黑体" panose="02010609060101010101" pitchFamily="49" charset="-122"/>
               <a:ea typeface="黑体" panose="02010609060101010101" pitchFamily="49" charset="-122"/>
             </a:rPr>
             <a:t>低成本</a:t>
           </a:r>
-          <a:endParaRPr lang="zh-CN" altLang="en-US" dirty="0">
-            <a:latin typeface="黑体" panose="02010609060101010101" pitchFamily="49" charset="-122"/>
-            <a:ea typeface="黑体" panose="02010609060101010101" pitchFamily="49" charset="-122"/>
-          </a:endParaRPr>
         </a:p>
       </dgm:t>
     </dgm:pt>
@@ -4582,16 +4556,12 @@
         <a:lstStyle/>
         <a:p>
           <a:r>
-            <a:rPr lang="zh-CN" altLang="en-US" dirty="0" smtClean="0">
+            <a:rPr lang="zh-CN" altLang="en-US" dirty="0">
               <a:latin typeface="黑体" panose="02010609060101010101" pitchFamily="49" charset="-122"/>
               <a:ea typeface="黑体" panose="02010609060101010101" pitchFamily="49" charset="-122"/>
             </a:rPr>
             <a:t>零门槛</a:t>
           </a:r>
-          <a:endParaRPr lang="zh-CN" altLang="en-US" dirty="0">
-            <a:latin typeface="黑体" panose="02010609060101010101" pitchFamily="49" charset="-122"/>
-            <a:ea typeface="黑体" panose="02010609060101010101" pitchFamily="49" charset="-122"/>
-          </a:endParaRPr>
         </a:p>
       </dgm:t>
     </dgm:pt>
@@ -4631,16 +4601,12 @@
         <a:lstStyle/>
         <a:p>
           <a:r>
-            <a:rPr lang="zh-CN" altLang="en-US" dirty="0" smtClean="0">
+            <a:rPr lang="zh-CN" altLang="en-US" dirty="0">
               <a:latin typeface="黑体" panose="02010609060101010101" pitchFamily="49" charset="-122"/>
               <a:ea typeface="黑体" panose="02010609060101010101" pitchFamily="49" charset="-122"/>
             </a:rPr>
             <a:t>高精度</a:t>
           </a:r>
-          <a:endParaRPr lang="zh-CN" altLang="en-US" dirty="0">
-            <a:latin typeface="黑体" panose="02010609060101010101" pitchFamily="49" charset="-122"/>
-            <a:ea typeface="黑体" panose="02010609060101010101" pitchFamily="49" charset="-122"/>
-          </a:endParaRPr>
         </a:p>
       </dgm:t>
     </dgm:pt>
@@ -4680,16 +4646,12 @@
         <a:lstStyle/>
         <a:p>
           <a:r>
-            <a:rPr lang="zh-CN" altLang="en-US" dirty="0" smtClean="0">
+            <a:rPr lang="zh-CN" altLang="en-US" dirty="0">
               <a:latin typeface="黑体" panose="02010609060101010101" pitchFamily="49" charset="-122"/>
               <a:ea typeface="黑体" panose="02010609060101010101" pitchFamily="49" charset="-122"/>
             </a:rPr>
             <a:t>广适配</a:t>
           </a:r>
-          <a:endParaRPr lang="zh-CN" altLang="en-US" dirty="0">
-            <a:latin typeface="黑体" panose="02010609060101010101" pitchFamily="49" charset="-122"/>
-            <a:ea typeface="黑体" panose="02010609060101010101" pitchFamily="49" charset="-122"/>
-          </a:endParaRPr>
         </a:p>
       </dgm:t>
     </dgm:pt>
@@ -4731,25 +4693,18 @@
         </dgm:presLayoutVars>
       </dgm:prSet>
       <dgm:spPr/>
-      <dgm:t>
-        <a:bodyPr/>
-        <a:lstStyle/>
-        <a:p>
-          <a:endParaRPr lang="zh-CN" altLang="en-US"/>
-        </a:p>
-      </dgm:t>
     </dgm:pt>
   </dgm:ptLst>
   <dgm:cxnLst>
+    <dgm:cxn modelId="{075C9908-1BBD-4754-B236-567C85442EAD}" srcId="{6D2EA664-DF77-4722-B05F-1563DF8EFB14}" destId="{3A3756C7-2E20-4D93-AD71-5EC58A17C17C}" srcOrd="3" destOrd="0" parTransId="{5C985D59-AA6E-4948-9825-A0BCF33B9616}" sibTransId="{9079D9F2-A5BD-45A2-A046-84A09EC84879}"/>
+    <dgm:cxn modelId="{30B20512-C88A-4472-9FC5-0B541B6139CB}" srcId="{66364AAA-1216-49B7-8EB4-C0A0A0777806}" destId="{6D2EA664-DF77-4722-B05F-1563DF8EFB14}" srcOrd="0" destOrd="0" parTransId="{A8E964D4-A212-435D-9AC0-4E498100A76A}" sibTransId="{CE398BAB-7A47-4C4B-9965-41FBADDABD6A}"/>
+    <dgm:cxn modelId="{DC200C26-4C86-4419-A18B-CFB3714C04DA}" type="presOf" srcId="{8313F1C8-76FF-4AF5-AF3E-5B6D2083A67C}" destId="{5E5F6B09-7067-435A-8FD7-FD5CB0AA3945}" srcOrd="0" destOrd="2" presId="urn:microsoft.com/office/officeart/2005/8/layout/hList6"/>
+    <dgm:cxn modelId="{F1A0035E-7F61-46C3-9393-A666BDEBA898}" type="presOf" srcId="{6D2EA664-DF77-4722-B05F-1563DF8EFB14}" destId="{5E5F6B09-7067-435A-8FD7-FD5CB0AA3945}" srcOrd="0" destOrd="0" presId="urn:microsoft.com/office/officeart/2005/8/layout/hList6"/>
+    <dgm:cxn modelId="{BF002B78-CF15-4D1B-B3F8-D923FC9FC37A}" type="presOf" srcId="{DDD25281-B24F-4807-B2B1-DA9459077CBC}" destId="{5E5F6B09-7067-435A-8FD7-FD5CB0AA3945}" srcOrd="0" destOrd="1" presId="urn:microsoft.com/office/officeart/2005/8/layout/hList6"/>
+    <dgm:cxn modelId="{685C3C7B-B76A-4F1E-9C19-EF218C9E8433}" srcId="{6D2EA664-DF77-4722-B05F-1563DF8EFB14}" destId="{DDD25281-B24F-4807-B2B1-DA9459077CBC}" srcOrd="0" destOrd="0" parTransId="{147EB891-46EE-40F1-A39B-14ED76CF86F8}" sibTransId="{08C84EE9-C0E2-4F4E-B2A9-E0D1AE81EE2B}"/>
+    <dgm:cxn modelId="{1870B49C-C766-4EB0-B574-7B76C7CCA436}" type="presOf" srcId="{66364AAA-1216-49B7-8EB4-C0A0A0777806}" destId="{6BD8B052-4109-4A52-9D71-F3F347480AE1}" srcOrd="0" destOrd="0" presId="urn:microsoft.com/office/officeart/2005/8/layout/hList6"/>
     <dgm:cxn modelId="{3FBD1CAB-E06B-487E-A04C-0C53E23A43D8}" srcId="{6D2EA664-DF77-4722-B05F-1563DF8EFB14}" destId="{8313F1C8-76FF-4AF5-AF3E-5B6D2083A67C}" srcOrd="1" destOrd="0" parTransId="{C45A3EAF-561D-4F73-81C0-C4426D183095}" sibTransId="{91F506B8-0637-4A4A-AFAA-811F8CE42D7E}"/>
     <dgm:cxn modelId="{3B6304B5-46F6-4401-A58E-9BD9C1BFEDA2}" type="presOf" srcId="{3A3756C7-2E20-4D93-AD71-5EC58A17C17C}" destId="{5E5F6B09-7067-435A-8FD7-FD5CB0AA3945}" srcOrd="0" destOrd="4" presId="urn:microsoft.com/office/officeart/2005/8/layout/hList6"/>
-    <dgm:cxn modelId="{685C3C7B-B76A-4F1E-9C19-EF218C9E8433}" srcId="{6D2EA664-DF77-4722-B05F-1563DF8EFB14}" destId="{DDD25281-B24F-4807-B2B1-DA9459077CBC}" srcOrd="0" destOrd="0" parTransId="{147EB891-46EE-40F1-A39B-14ED76CF86F8}" sibTransId="{08C84EE9-C0E2-4F4E-B2A9-E0D1AE81EE2B}"/>
-    <dgm:cxn modelId="{075C9908-1BBD-4754-B236-567C85442EAD}" srcId="{6D2EA664-DF77-4722-B05F-1563DF8EFB14}" destId="{3A3756C7-2E20-4D93-AD71-5EC58A17C17C}" srcOrd="3" destOrd="0" parTransId="{5C985D59-AA6E-4948-9825-A0BCF33B9616}" sibTransId="{9079D9F2-A5BD-45A2-A046-84A09EC84879}"/>
-    <dgm:cxn modelId="{1870B49C-C766-4EB0-B574-7B76C7CCA436}" type="presOf" srcId="{66364AAA-1216-49B7-8EB4-C0A0A0777806}" destId="{6BD8B052-4109-4A52-9D71-F3F347480AE1}" srcOrd="0" destOrd="0" presId="urn:microsoft.com/office/officeart/2005/8/layout/hList6"/>
-    <dgm:cxn modelId="{DC200C26-4C86-4419-A18B-CFB3714C04DA}" type="presOf" srcId="{8313F1C8-76FF-4AF5-AF3E-5B6D2083A67C}" destId="{5E5F6B09-7067-435A-8FD7-FD5CB0AA3945}" srcOrd="0" destOrd="2" presId="urn:microsoft.com/office/officeart/2005/8/layout/hList6"/>
-    <dgm:cxn modelId="{30B20512-C88A-4472-9FC5-0B541B6139CB}" srcId="{66364AAA-1216-49B7-8EB4-C0A0A0777806}" destId="{6D2EA664-DF77-4722-B05F-1563DF8EFB14}" srcOrd="0" destOrd="0" parTransId="{A8E964D4-A212-435D-9AC0-4E498100A76A}" sibTransId="{CE398BAB-7A47-4C4B-9965-41FBADDABD6A}"/>
-    <dgm:cxn modelId="{BF002B78-CF15-4D1B-B3F8-D923FC9FC37A}" type="presOf" srcId="{DDD25281-B24F-4807-B2B1-DA9459077CBC}" destId="{5E5F6B09-7067-435A-8FD7-FD5CB0AA3945}" srcOrd="0" destOrd="1" presId="urn:microsoft.com/office/officeart/2005/8/layout/hList6"/>
-    <dgm:cxn modelId="{F1A0035E-7F61-46C3-9393-A666BDEBA898}" type="presOf" srcId="{6D2EA664-DF77-4722-B05F-1563DF8EFB14}" destId="{5E5F6B09-7067-435A-8FD7-FD5CB0AA3945}" srcOrd="0" destOrd="0" presId="urn:microsoft.com/office/officeart/2005/8/layout/hList6"/>
     <dgm:cxn modelId="{1DE2ADCC-95E5-49D6-9A8F-DC6CB6953046}" srcId="{6D2EA664-DF77-4722-B05F-1563DF8EFB14}" destId="{8CCF9AE3-1CDF-496B-B64C-BC6D76F617EF}" srcOrd="2" destOrd="0" parTransId="{58275616-5162-4B79-ABE0-B97DF109458D}" sibTransId="{91D93951-66F4-4FB7-BFB7-880F7F225673}"/>
     <dgm:cxn modelId="{4B95CDCD-1B15-4664-BA99-E6D52F7645DD}" type="presOf" srcId="{8CCF9AE3-1CDF-496B-B64C-BC6D76F617EF}" destId="{5E5F6B09-7067-435A-8FD7-FD5CB0AA3945}" srcOrd="0" destOrd="3" presId="urn:microsoft.com/office/officeart/2005/8/layout/hList6"/>
     <dgm:cxn modelId="{49C0E8C4-0DCA-4E5D-9001-1B49173E88F9}" type="presParOf" srcId="{6BD8B052-4109-4A52-9D71-F3F347480AE1}" destId="{5E5F6B09-7067-435A-8FD7-FD5CB0AA3945}" srcOrd="0" destOrd="0" presId="urn:microsoft.com/office/officeart/2005/8/layout/hList6"/>
@@ -4758,7 +4713,7 @@
   <dgm:whole/>
   <dgm:extLst>
     <a:ext uri="http://schemas.microsoft.com/office/drawing/2008/diagram">
-      <dsp:dataModelExt xmlns:dsp="http://schemas.microsoft.com/office/drawing/2008/diagram" relId="rId11" minVer="http://schemas.openxmlformats.org/drawingml/2006/diagram"/>
+      <dsp:dataModelExt xmlns:dsp="http://schemas.microsoft.com/office/drawing/2008/diagram" relId="rId12" minVer="http://schemas.openxmlformats.org/drawingml/2006/diagram"/>
     </a:ext>
     <a:ext uri="{C62137D5-CB1D-491B-B009-E17868A290BF}">
       <dgm14:recolorImg xmlns:dgm14="http://schemas.microsoft.com/office/drawing/2010/diagram" val="1"/>
@@ -4775,7 +4730,7 @@
       <dsp:cNvGrpSpPr/>
     </dsp:nvGrpSpPr>
     <dsp:grpSpPr/>
-    <dsp:sp modelId="{5D72E577-37DD-4C64-9DC4-7049C231E350}">
+    <dsp:sp modelId="{8CA8CA49-B0F4-4CE9-91B8-DEF78D282CC6}">
       <dsp:nvSpPr>
         <dsp:cNvPr id="0" name=""/>
         <dsp:cNvSpPr/>
@@ -4837,7 +4792,7 @@
         <a:fontRef idx="minor"/>
       </dsp:style>
     </dsp:sp>
-    <dsp:sp modelId="{4E17A27C-FEFF-4FE3-837E-95F7BA8F67A3}">
+    <dsp:sp modelId="{5D72E577-37DD-4C64-9DC4-7049C231E350}">
       <dsp:nvSpPr>
         <dsp:cNvPr id="0" name=""/>
         <dsp:cNvSpPr/>
@@ -5034,7 +4989,7 @@
         </a:bodyPr>
         <a:lstStyle/>
         <a:p>
-          <a:pPr lvl="0" algn="ctr" defTabSz="1511300">
+          <a:pPr marL="0" lvl="0" indent="0" algn="ctr" defTabSz="1511300">
             <a:lnSpc>
               <a:spcPct val="90000"/>
             </a:lnSpc>
@@ -5044,12 +4999,12 @@
             <a:spcAft>
               <a:spcPct val="35000"/>
             </a:spcAft>
+            <a:buNone/>
           </a:pPr>
           <a:r>
-            <a:rPr lang="zh-CN" altLang="en-US" sz="3400" kern="1200" dirty="0" smtClean="0"/>
+            <a:rPr lang="zh-CN" altLang="en-US" sz="3400" kern="1200" dirty="0"/>
             <a:t>日本流会社</a:t>
           </a:r>
-          <a:endParaRPr lang="zh-CN" altLang="en-US" sz="3400" kern="1200" dirty="0"/>
         </a:p>
       </dsp:txBody>
       <dsp:txXfrm>
@@ -5136,7 +5091,7 @@
         </a:bodyPr>
         <a:lstStyle/>
         <a:p>
-          <a:pPr lvl="0" algn="ctr" defTabSz="1511300">
+          <a:pPr marL="0" lvl="0" indent="0" algn="ctr" defTabSz="1511300">
             <a:lnSpc>
               <a:spcPct val="90000"/>
             </a:lnSpc>
@@ -5146,12 +5101,12 @@
             <a:spcAft>
               <a:spcPct val="35000"/>
             </a:spcAft>
+            <a:buNone/>
           </a:pPr>
           <a:r>
-            <a:rPr lang="zh-CN" altLang="en-US" sz="3400" kern="1200" dirty="0" smtClean="0"/>
+            <a:rPr lang="zh-CN" altLang="en-US" sz="3400" kern="1200" dirty="0"/>
             <a:t>商务礼仪</a:t>
           </a:r>
-          <a:endParaRPr lang="zh-CN" altLang="en-US" sz="3400" kern="1200" dirty="0"/>
         </a:p>
       </dsp:txBody>
       <dsp:txXfrm>
@@ -5159,7 +5114,7 @@
         <a:ext cx="1782216" cy="891108"/>
       </dsp:txXfrm>
     </dsp:sp>
-    <dsp:sp modelId="{7AECDD62-7B05-427F-ABD6-861C0EE9339B}">
+    <dsp:sp modelId="{0D2F9E68-FC6D-4122-8441-A9EF3623ABBF}">
       <dsp:nvSpPr>
         <dsp:cNvPr id="0" name=""/>
         <dsp:cNvSpPr/>
@@ -5238,7 +5193,7 @@
         </a:bodyPr>
         <a:lstStyle/>
         <a:p>
-          <a:pPr lvl="0" algn="ctr" defTabSz="1511300">
+          <a:pPr marL="0" lvl="0" indent="0" algn="ctr" defTabSz="1511300">
             <a:lnSpc>
               <a:spcPct val="90000"/>
             </a:lnSpc>
@@ -5248,12 +5203,12 @@
             <a:spcAft>
               <a:spcPct val="35000"/>
             </a:spcAft>
+            <a:buNone/>
           </a:pPr>
           <a:r>
-            <a:rPr lang="zh-CN" altLang="en-US" sz="3400" kern="1200" dirty="0" smtClean="0"/>
-            <a:t>沟通效率</a:t>
+            <a:rPr lang="zh-CN" altLang="en-US" sz="3400" kern="1200" dirty="0"/>
+            <a:t>服务意识</a:t>
           </a:r>
-          <a:endParaRPr lang="zh-CN" altLang="en-US" sz="3400" kern="1200" dirty="0"/>
         </a:p>
       </dsp:txBody>
       <dsp:txXfrm>
@@ -5261,7 +5216,7 @@
         <a:ext cx="1782216" cy="891108"/>
       </dsp:txXfrm>
     </dsp:sp>
-    <dsp:sp modelId="{0D2F9E68-FC6D-4122-8441-A9EF3623ABBF}">
+    <dsp:sp modelId="{A4E32495-C243-48F4-8D25-F7DF33226B38}">
       <dsp:nvSpPr>
         <dsp:cNvPr id="0" name=""/>
         <dsp:cNvSpPr/>
@@ -5340,7 +5295,7 @@
         </a:bodyPr>
         <a:lstStyle/>
         <a:p>
-          <a:pPr lvl="0" algn="ctr" defTabSz="1511300">
+          <a:pPr marL="0" lvl="0" indent="0" algn="ctr" defTabSz="1511300">
             <a:lnSpc>
               <a:spcPct val="90000"/>
             </a:lnSpc>
@@ -5350,10 +5305,11 @@
             <a:spcAft>
               <a:spcPct val="35000"/>
             </a:spcAft>
+            <a:buNone/>
           </a:pPr>
           <a:r>
-            <a:rPr lang="zh-CN" altLang="en-US" sz="3400" kern="1200" dirty="0" smtClean="0"/>
-            <a:t>服务意识</a:t>
+            <a:rPr lang="zh-CN" altLang="en-US" sz="3400" kern="1200"/>
+            <a:t>沟通效率</a:t>
           </a:r>
           <a:endParaRPr lang="zh-CN" altLang="en-US" sz="3400" kern="1200" dirty="0"/>
         </a:p>
@@ -5445,7 +5401,7 @@
         </a:bodyPr>
         <a:lstStyle/>
         <a:p>
-          <a:pPr lvl="0" algn="ctr" defTabSz="1422400">
+          <a:pPr marL="0" lvl="0" indent="0" algn="ctr" defTabSz="1422400">
             <a:lnSpc>
               <a:spcPct val="90000"/>
             </a:lnSpc>
@@ -5455,12 +5411,12 @@
             <a:spcAft>
               <a:spcPct val="35000"/>
             </a:spcAft>
+            <a:buNone/>
           </a:pPr>
           <a:r>
-            <a:rPr lang="zh-CN" altLang="en-US" sz="3200" kern="1200" dirty="0" smtClean="0"/>
+            <a:rPr lang="zh-CN" altLang="en-US" sz="3200" kern="1200" dirty="0"/>
             <a:t>专业知识</a:t>
           </a:r>
-          <a:endParaRPr lang="zh-CN" altLang="en-US" sz="3200" kern="1200" dirty="0"/>
         </a:p>
       </dsp:txBody>
       <dsp:txXfrm>
@@ -5557,12 +5513,12 @@
         </a:fontRef>
       </dsp:style>
       <dsp:txBody>
-        <a:bodyPr spcFirstLastPara="0" vert="horz" wrap="square" lIns="146050" tIns="0" rIns="147092" bIns="0" numCol="1" spcCol="1270" anchor="t" anchorCtr="0">
+        <a:bodyPr spcFirstLastPara="0" vert="horz" wrap="square" lIns="127000" tIns="0" rIns="128488" bIns="0" numCol="1" spcCol="1270" anchor="t" anchorCtr="0">
           <a:noAutofit/>
         </a:bodyPr>
         <a:lstStyle/>
         <a:p>
-          <a:pPr lvl="0" algn="l" defTabSz="1022350">
+          <a:pPr marL="0" lvl="0" indent="0" algn="l" defTabSz="889000">
             <a:lnSpc>
               <a:spcPct val="90000"/>
             </a:lnSpc>
@@ -5572,15 +5528,15 @@
             <a:spcAft>
               <a:spcPct val="35000"/>
             </a:spcAft>
+            <a:buNone/>
           </a:pPr>
           <a:r>
-            <a:rPr lang="zh-CN" altLang="en-US" sz="2300" kern="1200" dirty="0" smtClean="0"/>
+            <a:rPr lang="zh-CN" altLang="en-US" sz="2000" kern="1200" dirty="0"/>
             <a:t>数据处理</a:t>
           </a:r>
-          <a:endParaRPr lang="zh-CN" altLang="en-US" sz="2300" kern="1200" dirty="0"/>
         </a:p>
         <a:p>
-          <a:pPr marL="171450" lvl="1" indent="-171450" algn="l" defTabSz="800100">
+          <a:pPr marL="171450" lvl="1" indent="-171450" algn="l" defTabSz="711200">
             <a:lnSpc>
               <a:spcPct val="90000"/>
             </a:lnSpc>
@@ -5590,16 +5546,15 @@
             <a:spcAft>
               <a:spcPct val="15000"/>
             </a:spcAft>
-            <a:buChar char="••"/>
+            <a:buChar char="•"/>
           </a:pPr>
           <a:r>
-            <a:rPr lang="zh-CN" altLang="en-US" sz="1800" kern="1200" dirty="0" smtClean="0"/>
+            <a:rPr lang="zh-CN" altLang="en-US" sz="1600" kern="1200" dirty="0"/>
             <a:t>数据采集</a:t>
           </a:r>
-          <a:endParaRPr lang="zh-CN" altLang="en-US" sz="1800" kern="1200" dirty="0"/>
         </a:p>
         <a:p>
-          <a:pPr marL="171450" lvl="1" indent="-171450" algn="l" defTabSz="800100">
+          <a:pPr marL="171450" lvl="1" indent="-171450" algn="l" defTabSz="711200">
             <a:lnSpc>
               <a:spcPct val="90000"/>
             </a:lnSpc>
@@ -5609,16 +5564,15 @@
             <a:spcAft>
               <a:spcPct val="15000"/>
             </a:spcAft>
-            <a:buChar char="••"/>
+            <a:buChar char="•"/>
           </a:pPr>
           <a:r>
-            <a:rPr lang="zh-CN" altLang="en-US" sz="1800" kern="1200" dirty="0" smtClean="0"/>
+            <a:rPr lang="zh-CN" altLang="en-US" sz="1600" kern="1200" dirty="0"/>
             <a:t>数据清洗</a:t>
           </a:r>
-          <a:endParaRPr lang="zh-CN" altLang="en-US" sz="1800" kern="1200" dirty="0"/>
         </a:p>
         <a:p>
-          <a:pPr marL="171450" lvl="1" indent="-171450" algn="l" defTabSz="800100">
+          <a:pPr marL="171450" lvl="1" indent="-171450" algn="l" defTabSz="711200">
             <a:lnSpc>
               <a:spcPct val="90000"/>
             </a:lnSpc>
@@ -5628,16 +5582,15 @@
             <a:spcAft>
               <a:spcPct val="15000"/>
             </a:spcAft>
-            <a:buChar char="••"/>
+            <a:buChar char="•"/>
           </a:pPr>
           <a:r>
-            <a:rPr lang="zh-CN" altLang="en-US" sz="1800" kern="1200" dirty="0" smtClean="0"/>
+            <a:rPr lang="zh-CN" altLang="en-US" sz="1600" kern="1200" dirty="0"/>
             <a:t>数据扩充</a:t>
           </a:r>
-          <a:endParaRPr lang="zh-CN" altLang="en-US" sz="1800" kern="1200" dirty="0"/>
         </a:p>
         <a:p>
-          <a:pPr marL="171450" lvl="1" indent="-171450" algn="l" defTabSz="800100">
+          <a:pPr marL="171450" lvl="1" indent="-171450" algn="l" defTabSz="711200">
             <a:lnSpc>
               <a:spcPct val="90000"/>
             </a:lnSpc>
@@ -5647,13 +5600,12 @@
             <a:spcAft>
               <a:spcPct val="15000"/>
             </a:spcAft>
-            <a:buChar char="••"/>
+            <a:buChar char="•"/>
           </a:pPr>
           <a:r>
-            <a:rPr lang="zh-CN" altLang="en-US" sz="1800" kern="1200" dirty="0" smtClean="0"/>
+            <a:rPr lang="zh-CN" altLang="en-US" sz="1600" kern="1200" dirty="0"/>
             <a:t>数据标注</a:t>
           </a:r>
-          <a:endParaRPr lang="zh-CN" altLang="en-US" sz="1800" kern="1200" dirty="0"/>
         </a:p>
       </dsp:txBody>
       <dsp:txXfrm rot="5400000">
@@ -5738,12 +5690,12 @@
         </a:fontRef>
       </dsp:style>
       <dsp:txBody>
-        <a:bodyPr spcFirstLastPara="0" vert="horz" wrap="square" lIns="146050" tIns="0" rIns="147092" bIns="0" numCol="1" spcCol="1270" anchor="t" anchorCtr="0">
+        <a:bodyPr spcFirstLastPara="0" vert="horz" wrap="square" lIns="127000" tIns="0" rIns="128488" bIns="0" numCol="1" spcCol="1270" anchor="t" anchorCtr="0">
           <a:noAutofit/>
         </a:bodyPr>
         <a:lstStyle/>
         <a:p>
-          <a:pPr lvl="0" algn="l" defTabSz="1022350">
+          <a:pPr marL="0" lvl="0" indent="0" algn="l" defTabSz="889000">
             <a:lnSpc>
               <a:spcPct val="90000"/>
             </a:lnSpc>
@@ -5753,15 +5705,15 @@
             <a:spcAft>
               <a:spcPct val="35000"/>
             </a:spcAft>
+            <a:buNone/>
           </a:pPr>
           <a:r>
-            <a:rPr lang="zh-CN" altLang="en-US" sz="2300" kern="1200" dirty="0" smtClean="0"/>
+            <a:rPr lang="zh-CN" altLang="en-US" sz="2000" kern="1200" dirty="0"/>
             <a:t>模型构建</a:t>
           </a:r>
-          <a:endParaRPr lang="zh-CN" altLang="en-US" sz="2300" kern="1200" dirty="0"/>
         </a:p>
         <a:p>
-          <a:pPr marL="171450" lvl="1" indent="-171450" algn="l" defTabSz="800100">
+          <a:pPr marL="171450" lvl="1" indent="-171450" algn="l" defTabSz="711200">
             <a:lnSpc>
               <a:spcPct val="90000"/>
             </a:lnSpc>
@@ -5771,16 +5723,15 @@
             <a:spcAft>
               <a:spcPct val="15000"/>
             </a:spcAft>
-            <a:buChar char="••"/>
+            <a:buChar char="•"/>
           </a:pPr>
           <a:r>
-            <a:rPr lang="zh-CN" altLang="en-US" sz="1800" kern="1200" dirty="0" smtClean="0"/>
+            <a:rPr lang="zh-CN" altLang="en-US" sz="1600" kern="1200" dirty="0"/>
             <a:t>预训练模型</a:t>
           </a:r>
-          <a:endParaRPr lang="zh-CN" altLang="en-US" sz="1800" kern="1200" dirty="0"/>
         </a:p>
         <a:p>
-          <a:pPr marL="171450" lvl="1" indent="-171450" algn="l" defTabSz="800100">
+          <a:pPr marL="171450" lvl="1" indent="-171450" algn="l" defTabSz="711200">
             <a:lnSpc>
               <a:spcPct val="90000"/>
             </a:lnSpc>
@@ -5790,16 +5741,15 @@
             <a:spcAft>
               <a:spcPct val="15000"/>
             </a:spcAft>
-            <a:buChar char="••"/>
+            <a:buChar char="•"/>
           </a:pPr>
           <a:r>
-            <a:rPr lang="zh-CN" altLang="en-US" sz="1800" kern="1200" dirty="0" smtClean="0"/>
+            <a:rPr lang="zh-CN" altLang="en-US" sz="1600" kern="1200" dirty="0"/>
             <a:t>训练规模</a:t>
           </a:r>
-          <a:endParaRPr lang="zh-CN" altLang="en-US" sz="1800" kern="1200" dirty="0"/>
         </a:p>
         <a:p>
-          <a:pPr marL="171450" lvl="1" indent="-171450" algn="l" defTabSz="800100">
+          <a:pPr marL="171450" lvl="1" indent="-171450" algn="l" defTabSz="711200">
             <a:lnSpc>
               <a:spcPct val="90000"/>
             </a:lnSpc>
@@ -5809,16 +5759,15 @@
             <a:spcAft>
               <a:spcPct val="15000"/>
             </a:spcAft>
-            <a:buChar char="••"/>
+            <a:buChar char="•"/>
           </a:pPr>
           <a:r>
-            <a:rPr lang="zh-CN" altLang="en-US" sz="1800" kern="1200" dirty="0" smtClean="0"/>
+            <a:rPr lang="zh-CN" altLang="en-US" sz="1600" kern="1200" dirty="0"/>
             <a:t>模型训练</a:t>
           </a:r>
-          <a:endParaRPr lang="zh-CN" altLang="en-US" sz="1800" kern="1200" dirty="0"/>
         </a:p>
         <a:p>
-          <a:pPr marL="171450" lvl="1" indent="-171450" algn="l" defTabSz="800100">
+          <a:pPr marL="171450" lvl="1" indent="-171450" algn="l" defTabSz="711200">
             <a:lnSpc>
               <a:spcPct val="90000"/>
             </a:lnSpc>
@@ -5828,13 +5777,30 @@
             <a:spcAft>
               <a:spcPct val="15000"/>
             </a:spcAft>
-            <a:buChar char="••"/>
+            <a:buChar char="•"/>
           </a:pPr>
           <a:r>
-            <a:rPr lang="zh-CN" altLang="en-US" sz="1800" kern="1200" dirty="0" smtClean="0"/>
+            <a:rPr lang="zh-CN" altLang="en-US" sz="1600" kern="1200" dirty="0"/>
             <a:t>模型评估</a:t>
           </a:r>
-          <a:endParaRPr lang="zh-CN" altLang="en-US" sz="1800" kern="1200" dirty="0"/>
+        </a:p>
+        <a:p>
+          <a:pPr marL="171450" lvl="1" indent="-171450" algn="l" defTabSz="711200">
+            <a:lnSpc>
+              <a:spcPct val="90000"/>
+            </a:lnSpc>
+            <a:spcBef>
+              <a:spcPct val="0"/>
+            </a:spcBef>
+            <a:spcAft>
+              <a:spcPct val="15000"/>
+            </a:spcAft>
+            <a:buChar char="•"/>
+          </a:pPr>
+          <a:r>
+            <a:rPr lang="zh-CN" altLang="en-US" sz="1600" kern="1200" dirty="0"/>
+            <a:t>模型调整</a:t>
+          </a:r>
         </a:p>
       </dsp:txBody>
       <dsp:txXfrm rot="5400000">
@@ -5919,12 +5885,12 @@
         </a:fontRef>
       </dsp:style>
       <dsp:txBody>
-        <a:bodyPr spcFirstLastPara="0" vert="horz" wrap="square" lIns="146050" tIns="0" rIns="147092" bIns="0" numCol="1" spcCol="1270" anchor="t" anchorCtr="0">
+        <a:bodyPr spcFirstLastPara="0" vert="horz" wrap="square" lIns="127000" tIns="0" rIns="128488" bIns="0" numCol="1" spcCol="1270" anchor="t" anchorCtr="0">
           <a:noAutofit/>
         </a:bodyPr>
         <a:lstStyle/>
         <a:p>
-          <a:pPr lvl="0" algn="l" defTabSz="1022350">
+          <a:pPr marL="0" lvl="0" indent="0" algn="l" defTabSz="889000">
             <a:lnSpc>
               <a:spcPct val="90000"/>
             </a:lnSpc>
@@ -5934,15 +5900,15 @@
             <a:spcAft>
               <a:spcPct val="35000"/>
             </a:spcAft>
+            <a:buNone/>
           </a:pPr>
           <a:r>
-            <a:rPr lang="zh-CN" altLang="en-US" sz="2300" kern="1200" dirty="0" smtClean="0"/>
+            <a:rPr lang="zh-CN" altLang="en-US" sz="2000" kern="1200" dirty="0"/>
             <a:t>模型部署与应用</a:t>
           </a:r>
-          <a:endParaRPr lang="zh-CN" altLang="en-US" sz="2300" kern="1200" dirty="0"/>
         </a:p>
         <a:p>
-          <a:pPr marL="171450" lvl="1" indent="-171450" algn="l" defTabSz="800100">
+          <a:pPr marL="171450" lvl="1" indent="-171450" algn="l" defTabSz="711200">
             <a:lnSpc>
               <a:spcPct val="90000"/>
             </a:lnSpc>
@@ -5952,16 +5918,15 @@
             <a:spcAft>
               <a:spcPct val="15000"/>
             </a:spcAft>
-            <a:buChar char="••"/>
+            <a:buChar char="•"/>
           </a:pPr>
           <a:r>
-            <a:rPr lang="zh-CN" altLang="en-US" sz="1800" kern="1200" dirty="0" smtClean="0"/>
+            <a:rPr lang="zh-CN" altLang="en-US" sz="1600" kern="1200" dirty="0"/>
             <a:t>公有云部署</a:t>
           </a:r>
-          <a:endParaRPr lang="zh-CN" altLang="en-US" sz="1800" kern="1200" dirty="0"/>
         </a:p>
         <a:p>
-          <a:pPr marL="171450" lvl="1" indent="-171450" algn="l" defTabSz="800100">
+          <a:pPr marL="171450" lvl="1" indent="-171450" algn="l" defTabSz="711200">
             <a:lnSpc>
               <a:spcPct val="90000"/>
             </a:lnSpc>
@@ -5971,16 +5936,15 @@
             <a:spcAft>
               <a:spcPct val="15000"/>
             </a:spcAft>
-            <a:buChar char="••"/>
+            <a:buChar char="•"/>
           </a:pPr>
           <a:r>
-            <a:rPr lang="zh-CN" altLang="en-US" sz="1800" kern="1200" dirty="0" smtClean="0"/>
+            <a:rPr lang="zh-CN" altLang="en-US" sz="1600" kern="1200" dirty="0"/>
             <a:t>本地服务器部署</a:t>
           </a:r>
-          <a:endParaRPr lang="zh-CN" altLang="en-US" sz="1800" kern="1200" dirty="0"/>
         </a:p>
         <a:p>
-          <a:pPr marL="171450" lvl="1" indent="-171450" algn="l" defTabSz="800100">
+          <a:pPr marL="171450" lvl="1" indent="-171450" algn="l" defTabSz="711200">
             <a:lnSpc>
               <a:spcPct val="90000"/>
             </a:lnSpc>
@@ -5990,16 +5954,15 @@
             <a:spcAft>
               <a:spcPct val="15000"/>
             </a:spcAft>
-            <a:buChar char="••"/>
+            <a:buChar char="•"/>
           </a:pPr>
           <a:r>
-            <a:rPr lang="zh-CN" altLang="en-US" sz="1800" kern="1200" dirty="0" smtClean="0"/>
+            <a:rPr lang="zh-CN" altLang="en-US" sz="1600" kern="1200" dirty="0"/>
             <a:t>本地设备端部署</a:t>
           </a:r>
-          <a:endParaRPr lang="zh-CN" altLang="en-US" sz="1800" kern="1200" dirty="0"/>
         </a:p>
         <a:p>
-          <a:pPr marL="171450" lvl="1" indent="-171450" algn="l" defTabSz="800100">
+          <a:pPr marL="171450" lvl="1" indent="-171450" algn="l" defTabSz="711200">
             <a:lnSpc>
               <a:spcPct val="90000"/>
             </a:lnSpc>
@@ -6009,13 +5972,12 @@
             <a:spcAft>
               <a:spcPct val="15000"/>
             </a:spcAft>
-            <a:buChar char="••"/>
+            <a:buChar char="•"/>
           </a:pPr>
           <a:r>
-            <a:rPr lang="zh-CN" altLang="en-US" sz="1800" kern="1200" dirty="0" smtClean="0"/>
+            <a:rPr lang="zh-CN" altLang="en-US" sz="1600" kern="1200" dirty="0"/>
             <a:t>软硬一体部署</a:t>
           </a:r>
-          <a:endParaRPr lang="zh-CN" altLang="en-US" sz="1800" kern="1200" dirty="0"/>
         </a:p>
       </dsp:txBody>
       <dsp:txXfrm rot="5400000">
@@ -6084,7 +6046,7 @@
         </a:bodyPr>
         <a:lstStyle/>
         <a:p>
-          <a:pPr lvl="0" algn="l" defTabSz="1466850">
+          <a:pPr marL="0" lvl="0" indent="0" algn="l" defTabSz="1466850">
             <a:lnSpc>
               <a:spcPct val="90000"/>
             </a:lnSpc>
@@ -6094,18 +6056,15 @@
             <a:spcAft>
               <a:spcPct val="35000"/>
             </a:spcAft>
+            <a:buNone/>
           </a:pPr>
           <a:r>
-            <a:rPr lang="zh-CN" altLang="en-US" sz="3300" kern="1200" dirty="0" smtClean="0">
+            <a:rPr lang="zh-CN" altLang="en-US" sz="3300" kern="1200" dirty="0">
               <a:latin typeface="黑体" panose="02010609060101010101" pitchFamily="49" charset="-122"/>
               <a:ea typeface="黑体" panose="02010609060101010101" pitchFamily="49" charset="-122"/>
             </a:rPr>
             <a:t>符合</a:t>
           </a:r>
-          <a:endParaRPr lang="zh-CN" altLang="en-US" sz="3300" kern="1200" dirty="0">
-            <a:latin typeface="黑体" panose="02010609060101010101" pitchFamily="49" charset="-122"/>
-            <a:ea typeface="黑体" panose="02010609060101010101" pitchFamily="49" charset="-122"/>
-          </a:endParaRPr>
         </a:p>
         <a:p>
           <a:pPr marL="228600" lvl="1" indent="-228600" algn="l" defTabSz="1155700">
@@ -6118,19 +6077,15 @@
             <a:spcAft>
               <a:spcPct val="15000"/>
             </a:spcAft>
-            <a:buChar char="••"/>
+            <a:buChar char="•"/>
           </a:pPr>
           <a:r>
-            <a:rPr lang="zh-CN" altLang="en-US" sz="2600" kern="1200" dirty="0" smtClean="0">
+            <a:rPr lang="zh-CN" altLang="en-US" sz="2600" kern="1200" dirty="0">
               <a:latin typeface="黑体" panose="02010609060101010101" pitchFamily="49" charset="-122"/>
               <a:ea typeface="黑体" panose="02010609060101010101" pitchFamily="49" charset="-122"/>
             </a:rPr>
             <a:t>零门槛</a:t>
           </a:r>
-          <a:endParaRPr lang="zh-CN" altLang="en-US" sz="2600" kern="1200" dirty="0">
-            <a:latin typeface="黑体" panose="02010609060101010101" pitchFamily="49" charset="-122"/>
-            <a:ea typeface="黑体" panose="02010609060101010101" pitchFamily="49" charset="-122"/>
-          </a:endParaRPr>
         </a:p>
         <a:p>
           <a:pPr marL="228600" lvl="1" indent="-228600" algn="l" defTabSz="1155700">
@@ -6143,19 +6098,15 @@
             <a:spcAft>
               <a:spcPct val="15000"/>
             </a:spcAft>
-            <a:buChar char="••"/>
+            <a:buChar char="•"/>
           </a:pPr>
           <a:r>
-            <a:rPr lang="zh-CN" altLang="en-US" sz="2600" kern="1200" dirty="0" smtClean="0">
+            <a:rPr lang="zh-CN" altLang="en-US" sz="2600" kern="1200" dirty="0">
               <a:latin typeface="黑体" panose="02010609060101010101" pitchFamily="49" charset="-122"/>
               <a:ea typeface="黑体" panose="02010609060101010101" pitchFamily="49" charset="-122"/>
             </a:rPr>
             <a:t>低成本</a:t>
           </a:r>
-          <a:endParaRPr lang="zh-CN" altLang="en-US" sz="2600" kern="1200" dirty="0">
-            <a:latin typeface="黑体" panose="02010609060101010101" pitchFamily="49" charset="-122"/>
-            <a:ea typeface="黑体" panose="02010609060101010101" pitchFamily="49" charset="-122"/>
-          </a:endParaRPr>
         </a:p>
         <a:p>
           <a:pPr marL="228600" lvl="1" indent="-228600" algn="l" defTabSz="1155700">
@@ -6168,19 +6119,15 @@
             <a:spcAft>
               <a:spcPct val="15000"/>
             </a:spcAft>
-            <a:buChar char="••"/>
+            <a:buChar char="•"/>
           </a:pPr>
           <a:r>
-            <a:rPr lang="zh-CN" altLang="en-US" sz="2600" kern="1200" dirty="0" smtClean="0">
+            <a:rPr lang="zh-CN" altLang="en-US" sz="2600" kern="1200" dirty="0">
               <a:latin typeface="黑体" panose="02010609060101010101" pitchFamily="49" charset="-122"/>
               <a:ea typeface="黑体" panose="02010609060101010101" pitchFamily="49" charset="-122"/>
             </a:rPr>
             <a:t>高精度</a:t>
           </a:r>
-          <a:endParaRPr lang="zh-CN" altLang="en-US" sz="2600" kern="1200" dirty="0">
-            <a:latin typeface="黑体" panose="02010609060101010101" pitchFamily="49" charset="-122"/>
-            <a:ea typeface="黑体" panose="02010609060101010101" pitchFamily="49" charset="-122"/>
-          </a:endParaRPr>
         </a:p>
         <a:p>
           <a:pPr marL="228600" lvl="1" indent="-228600" algn="l" defTabSz="1155700">
@@ -6193,19 +6140,15 @@
             <a:spcAft>
               <a:spcPct val="15000"/>
             </a:spcAft>
-            <a:buChar char="••"/>
+            <a:buChar char="•"/>
           </a:pPr>
           <a:r>
-            <a:rPr lang="zh-CN" altLang="en-US" sz="2600" kern="1200" dirty="0" smtClean="0">
+            <a:rPr lang="zh-CN" altLang="en-US" sz="2600" kern="1200" dirty="0">
               <a:latin typeface="黑体" panose="02010609060101010101" pitchFamily="49" charset="-122"/>
               <a:ea typeface="黑体" panose="02010609060101010101" pitchFamily="49" charset="-122"/>
             </a:rPr>
             <a:t>广适配</a:t>
           </a:r>
-          <a:endParaRPr lang="zh-CN" altLang="en-US" sz="2600" kern="1200" dirty="0">
-            <a:latin typeface="黑体" panose="02010609060101010101" pitchFamily="49" charset="-122"/>
-            <a:ea typeface="黑体" panose="02010609060101010101" pitchFamily="49" charset="-122"/>
-          </a:endParaRPr>
         </a:p>
       </dsp:txBody>
       <dsp:txXfrm rot="5400000">
@@ -12072,7 +12015,7 @@
           <a:p>
             <a:fld id="{3CE17606-8E8D-4927-BBEB-581D5D8DC3CC}" type="datetimeFigureOut">
               <a:rPr lang="zh-CN" altLang="en-US" smtClean="0"/>
-              <a:t>2021/7/1</a:t>
+              <a:t>2021/7/4</a:t>
             </a:fld>
             <a:endParaRPr lang="zh-CN" altLang="en-US"/>
           </a:p>
@@ -12422,67 +12365,67 @@
           <a:p>
             <a:pPr lvl="0"/>
             <a:r>
-              <a:rPr lang="ja-JP" altLang="en-US" noProof="0" smtClean="0"/>
+              <a:rPr lang="ja-JP" altLang="en-US" noProof="0"/>
               <a:t>マスタ テキストの書式設定</a:t>
             </a:r>
           </a:p>
           <a:p>
             <a:pPr lvl="1"/>
             <a:r>
-              <a:rPr lang="ja-JP" altLang="en-US" noProof="0" smtClean="0"/>
+              <a:rPr lang="ja-JP" altLang="en-US" noProof="0"/>
               <a:t>第 </a:t>
             </a:r>
             <a:r>
-              <a:rPr lang="en-US" altLang="ja-JP" noProof="0" smtClean="0"/>
+              <a:rPr lang="en-US" altLang="ja-JP" noProof="0"/>
               <a:t>2 </a:t>
             </a:r>
             <a:r>
-              <a:rPr lang="ja-JP" altLang="en-US" noProof="0" smtClean="0"/>
+              <a:rPr lang="ja-JP" altLang="en-US" noProof="0"/>
               <a:t>レベル</a:t>
             </a:r>
           </a:p>
           <a:p>
             <a:pPr lvl="2"/>
             <a:r>
-              <a:rPr lang="ja-JP" altLang="en-US" noProof="0" smtClean="0"/>
+              <a:rPr lang="ja-JP" altLang="en-US" noProof="0"/>
               <a:t>第 </a:t>
             </a:r>
             <a:r>
-              <a:rPr lang="en-US" altLang="ja-JP" noProof="0" smtClean="0"/>
+              <a:rPr lang="en-US" altLang="ja-JP" noProof="0"/>
               <a:t>3 </a:t>
             </a:r>
             <a:r>
-              <a:rPr lang="ja-JP" altLang="en-US" noProof="0" smtClean="0"/>
+              <a:rPr lang="ja-JP" altLang="en-US" noProof="0"/>
               <a:t>レベル</a:t>
             </a:r>
           </a:p>
           <a:p>
             <a:pPr lvl="3"/>
             <a:r>
-              <a:rPr lang="ja-JP" altLang="en-US" noProof="0" smtClean="0"/>
+              <a:rPr lang="ja-JP" altLang="en-US" noProof="0"/>
               <a:t>第 </a:t>
             </a:r>
             <a:r>
-              <a:rPr lang="en-US" altLang="ja-JP" noProof="0" smtClean="0"/>
+              <a:rPr lang="en-US" altLang="ja-JP" noProof="0"/>
               <a:t>4 </a:t>
             </a:r>
             <a:r>
-              <a:rPr lang="ja-JP" altLang="en-US" noProof="0" smtClean="0"/>
+              <a:rPr lang="ja-JP" altLang="en-US" noProof="0"/>
               <a:t>レベル</a:t>
             </a:r>
           </a:p>
           <a:p>
             <a:pPr lvl="4"/>
             <a:r>
-              <a:rPr lang="ja-JP" altLang="en-US" noProof="0" smtClean="0"/>
+              <a:rPr lang="ja-JP" altLang="en-US" noProof="0"/>
               <a:t>第 </a:t>
             </a:r>
             <a:r>
-              <a:rPr lang="en-US" altLang="ja-JP" noProof="0" smtClean="0"/>
+              <a:rPr lang="en-US" altLang="ja-JP" noProof="0"/>
               <a:t>5 </a:t>
             </a:r>
             <a:r>
-              <a:rPr lang="ja-JP" altLang="en-US" noProof="0" smtClean="0"/>
+              <a:rPr lang="ja-JP" altLang="en-US" noProof="0"/>
               <a:t>レベル</a:t>
             </a:r>
           </a:p>
@@ -12952,7 +12895,7 @@
           <a:lstStyle/>
           <a:p>
             <a:pPr rtl="0"/>
-            <a:endParaRPr lang="ja-JP" altLang="ja-JP" dirty="0" smtClean="0"/>
+            <a:endParaRPr lang="ja-JP" altLang="ja-JP" dirty="0"/>
           </a:p>
         </p:txBody>
       </p:sp>
@@ -12960,6 +12903,238 @@
     <p:extLst>
       <p:ext uri="{BB962C8B-B14F-4D97-AF65-F5344CB8AC3E}">
         <p14:creationId xmlns:p14="http://schemas.microsoft.com/office/powerpoint/2010/main" val="2176928501"/>
+      </p:ext>
+    </p:extLst>
+  </p:cSld>
+  <p:clrMapOvr>
+    <a:masterClrMapping/>
+  </p:clrMapOvr>
+</p:notes>
+</file>
+
+<file path=ppt/notesSlides/notesSlide2.xml><?xml version="1.0" encoding="utf-8"?>
+<p:notes xmlns:a="http://schemas.openxmlformats.org/drawingml/2006/main" xmlns:r="http://schemas.openxmlformats.org/officeDocument/2006/relationships" xmlns:p="http://schemas.openxmlformats.org/presentationml/2006/main">
+  <p:cSld>
+    <p:spTree>
+      <p:nvGrpSpPr>
+        <p:cNvPr id="1" name=""/>
+        <p:cNvGrpSpPr/>
+        <p:nvPr/>
+      </p:nvGrpSpPr>
+      <p:grpSpPr>
+        <a:xfrm>
+          <a:off x="0" y="0"/>
+          <a:ext cx="0" cy="0"/>
+          <a:chOff x="0" y="0"/>
+          <a:chExt cx="0" cy="0"/>
+        </a:xfrm>
+      </p:grpSpPr>
+      <p:sp>
+        <p:nvSpPr>
+          <p:cNvPr id="2" name="幻灯片图像占位符 1"/>
+          <p:cNvSpPr>
+            <a:spLocks noGrp="1" noRot="1" noChangeAspect="1"/>
+          </p:cNvSpPr>
+          <p:nvPr>
+            <p:ph type="sldImg"/>
+          </p:nvPr>
+        </p:nvSpPr>
+        <p:spPr/>
+      </p:sp>
+      <p:sp>
+        <p:nvSpPr>
+          <p:cNvPr id="3" name="备注占位符 2"/>
+          <p:cNvSpPr>
+            <a:spLocks noGrp="1"/>
+          </p:cNvSpPr>
+          <p:nvPr>
+            <p:ph type="body" idx="1"/>
+          </p:nvPr>
+        </p:nvSpPr>
+        <p:spPr/>
+        <p:txBody>
+          <a:bodyPr/>
+          <a:lstStyle/>
+          <a:p>
+            <a:endParaRPr lang="zh-CN" altLang="en-US" dirty="0"/>
+          </a:p>
+        </p:txBody>
+      </p:sp>
+      <p:sp>
+        <p:nvSpPr>
+          <p:cNvPr id="4" name="灯片编号占位符 3"/>
+          <p:cNvSpPr>
+            <a:spLocks noGrp="1"/>
+          </p:cNvSpPr>
+          <p:nvPr>
+            <p:ph type="sldNum" sz="quarter" idx="5"/>
+          </p:nvPr>
+        </p:nvSpPr>
+        <p:spPr/>
+        <p:txBody>
+          <a:bodyPr/>
+          <a:lstStyle/>
+          <a:p>
+            <a:pPr>
+              <a:defRPr/>
+            </a:pPr>
+            <a:fld id="{D5C8C4A8-6E74-4660-8A40-521670EB1203}" type="slidenum">
+              <a:rPr lang="en-US" altLang="ja-JP" smtClean="0"/>
+              <a:t>5</a:t>
+            </a:fld>
+            <a:endParaRPr lang="en-US" altLang="ja-JP"/>
+          </a:p>
+        </p:txBody>
+      </p:sp>
+    </p:spTree>
+    <p:extLst>
+      <p:ext uri="{BB962C8B-B14F-4D97-AF65-F5344CB8AC3E}">
+        <p14:creationId xmlns:p14="http://schemas.microsoft.com/office/powerpoint/2010/main" val="2364663445"/>
+      </p:ext>
+    </p:extLst>
+  </p:cSld>
+  <p:clrMapOvr>
+    <a:masterClrMapping/>
+  </p:clrMapOvr>
+</p:notes>
+</file>
+
+<file path=ppt/notesSlides/notesSlide3.xml><?xml version="1.0" encoding="utf-8"?>
+<p:notes xmlns:a="http://schemas.openxmlformats.org/drawingml/2006/main" xmlns:r="http://schemas.openxmlformats.org/officeDocument/2006/relationships" xmlns:p="http://schemas.openxmlformats.org/presentationml/2006/main">
+  <p:cSld>
+    <p:spTree>
+      <p:nvGrpSpPr>
+        <p:cNvPr id="1" name=""/>
+        <p:cNvGrpSpPr/>
+        <p:nvPr/>
+      </p:nvGrpSpPr>
+      <p:grpSpPr>
+        <a:xfrm>
+          <a:off x="0" y="0"/>
+          <a:ext cx="0" cy="0"/>
+          <a:chOff x="0" y="0"/>
+          <a:chExt cx="0" cy="0"/>
+        </a:xfrm>
+      </p:grpSpPr>
+      <p:sp>
+        <p:nvSpPr>
+          <p:cNvPr id="2" name="幻灯片图像占位符 1"/>
+          <p:cNvSpPr>
+            <a:spLocks noGrp="1" noRot="1" noChangeAspect="1"/>
+          </p:cNvSpPr>
+          <p:nvPr>
+            <p:ph type="sldImg"/>
+          </p:nvPr>
+        </p:nvSpPr>
+        <p:spPr>
+          <a:xfrm>
+            <a:off x="79375" y="739775"/>
+            <a:ext cx="6577013" cy="3700463"/>
+          </a:xfrm>
+        </p:spPr>
+      </p:sp>
+      <p:sp>
+        <p:nvSpPr>
+          <p:cNvPr id="3" name="备注占位符 2"/>
+          <p:cNvSpPr>
+            <a:spLocks noGrp="1"/>
+          </p:cNvSpPr>
+          <p:nvPr>
+            <p:ph type="body" idx="1"/>
+          </p:nvPr>
+        </p:nvSpPr>
+        <p:spPr/>
+        <p:txBody>
+          <a:bodyPr/>
+          <a:lstStyle/>
+          <a:p>
+            <a:r>
+              <a:rPr lang="en-US" altLang="zh-CN" dirty="0"/>
+              <a:t>NMS</a:t>
+            </a:r>
+            <a:r>
+              <a:rPr lang="zh-CN" altLang="en-US" dirty="0"/>
+              <a:t>非极大值抑制</a:t>
+            </a:r>
+            <a:r>
+              <a:rPr lang="en-US" altLang="zh-CN" dirty="0"/>
+              <a:t>: </a:t>
+            </a:r>
+            <a:r>
+              <a:rPr lang="zh-CN" altLang="en-US" dirty="0"/>
+              <a:t>判断预测的边界框是好预测还是坏预测</a:t>
+            </a:r>
+            <a:endParaRPr lang="en-US" altLang="zh-CN" dirty="0"/>
+          </a:p>
+          <a:p>
+            <a:r>
+              <a:rPr lang="en-US" altLang="zh-CN" dirty="0"/>
+              <a:t>Anchor boxes:</a:t>
+            </a:r>
+            <a:r>
+              <a:rPr lang="zh-CN" altLang="en-US" b="0" i="0" dirty="0">
+                <a:solidFill>
+                  <a:srgbClr val="24292E"/>
+                </a:solidFill>
+                <a:effectLst/>
+                <a:latin typeface="-apple-system"/>
+              </a:rPr>
+              <a:t>对于每个网格，可以根据</a:t>
+            </a:r>
+            <a:r>
+              <a:rPr lang="en-US" altLang="zh-CN" b="0" i="0" dirty="0">
+                <a:solidFill>
+                  <a:srgbClr val="24292E"/>
+                </a:solidFill>
+                <a:effectLst/>
+                <a:latin typeface="-apple-system"/>
+              </a:rPr>
+              <a:t>Anchor Boxes</a:t>
+            </a:r>
+            <a:r>
+              <a:rPr lang="zh-CN" altLang="en-US" b="0" i="0" dirty="0">
+                <a:solidFill>
+                  <a:srgbClr val="24292E"/>
+                </a:solidFill>
+                <a:effectLst/>
+                <a:latin typeface="-apple-system"/>
+              </a:rPr>
+              <a:t>的数量检测两个或更多个对象。</a:t>
+            </a:r>
+            <a:endParaRPr lang="zh-CN" altLang="en-US" dirty="0"/>
+          </a:p>
+        </p:txBody>
+      </p:sp>
+      <p:sp>
+        <p:nvSpPr>
+          <p:cNvPr id="4" name="灯片编号占位符 3"/>
+          <p:cNvSpPr>
+            <a:spLocks noGrp="1"/>
+          </p:cNvSpPr>
+          <p:nvPr>
+            <p:ph type="sldNum" sz="quarter" idx="5"/>
+          </p:nvPr>
+        </p:nvSpPr>
+        <p:spPr/>
+        <p:txBody>
+          <a:bodyPr/>
+          <a:lstStyle/>
+          <a:p>
+            <a:pPr>
+              <a:defRPr/>
+            </a:pPr>
+            <a:fld id="{D5C8C4A8-6E74-4660-8A40-521670EB1203}" type="slidenum">
+              <a:rPr lang="en-US" altLang="ja-JP" smtClean="0"/>
+              <a:t>9</a:t>
+            </a:fld>
+            <a:endParaRPr lang="en-US" altLang="ja-JP"/>
+          </a:p>
+        </p:txBody>
+      </p:sp>
+    </p:spTree>
+    <p:extLst>
+      <p:ext uri="{BB962C8B-B14F-4D97-AF65-F5344CB8AC3E}">
+        <p14:creationId xmlns:p14="http://schemas.microsoft.com/office/powerpoint/2010/main" val="3337299972"/>
       </p:ext>
     </p:extLst>
   </p:cSld>
@@ -13446,7 +13621,7 @@
           <a:p>
             <a:pPr lvl="0"/>
             <a:r>
-              <a:rPr lang="ja-JP" altLang="en-US" noProof="0" dirty="0" smtClean="0"/>
+              <a:rPr lang="ja-JP" altLang="en-US" noProof="0" dirty="0"/>
               <a:t>マスタ タイトルの書式設定</a:t>
             </a:r>
           </a:p>
@@ -13515,7 +13690,7 @@
           <a:p>
             <a:pPr lvl="0"/>
             <a:r>
-              <a:rPr lang="ja-JP" altLang="en-US" noProof="0" smtClean="0"/>
+              <a:rPr lang="ja-JP" altLang="en-US" noProof="0"/>
               <a:t>マスタ サブタイトルの書式設定</a:t>
             </a:r>
           </a:p>
@@ -13634,13 +13809,6 @@
   <p:clrMapOvr>
     <a:masterClrMapping/>
   </p:clrMapOvr>
-  <p:timing>
-    <p:tnLst>
-      <p:par>
-        <p:cTn id="1" dur="indefinite" restart="never" nodeType="tmRoot"/>
-      </p:par>
-    </p:tnLst>
-  </p:timing>
 </p:sldLayout>
 </file>
 
@@ -13693,10 +13861,9 @@
           </a:lstStyle>
           <a:p>
             <a:r>
-              <a:rPr lang="ja-JP" altLang="en-US" dirty="0" smtClean="0"/>
+              <a:rPr lang="ja-JP" altLang="en-US" dirty="0"/>
               <a:t>マスター タイトルの書式設定</a:t>
             </a:r>
-            <a:endParaRPr lang="ja-JP" altLang="en-US" dirty="0"/>
           </a:p>
         </p:txBody>
       </p:sp>
@@ -13725,70 +13892,69 @@
           <a:p>
             <a:pPr lvl="0"/>
             <a:r>
-              <a:rPr lang="ja-JP" altLang="en-US" dirty="0" smtClean="0"/>
+              <a:rPr lang="ja-JP" altLang="en-US" dirty="0"/>
               <a:t>マスター テキストの書式設定</a:t>
             </a:r>
           </a:p>
           <a:p>
             <a:pPr lvl="1"/>
             <a:r>
-              <a:rPr lang="ja-JP" altLang="en-US" dirty="0" smtClean="0"/>
+              <a:rPr lang="ja-JP" altLang="en-US" dirty="0"/>
               <a:t>第 </a:t>
             </a:r>
             <a:r>
-              <a:rPr lang="en-US" altLang="ja-JP" dirty="0" smtClean="0"/>
+              <a:rPr lang="en-US" altLang="ja-JP" dirty="0"/>
               <a:t>2 </a:t>
             </a:r>
             <a:r>
-              <a:rPr lang="ja-JP" altLang="en-US" dirty="0" smtClean="0"/>
+              <a:rPr lang="ja-JP" altLang="en-US" dirty="0"/>
               <a:t>レベル</a:t>
             </a:r>
           </a:p>
           <a:p>
             <a:pPr lvl="2"/>
             <a:r>
-              <a:rPr lang="ja-JP" altLang="en-US" dirty="0" smtClean="0"/>
+              <a:rPr lang="ja-JP" altLang="en-US" dirty="0"/>
               <a:t>第 </a:t>
             </a:r>
             <a:r>
-              <a:rPr lang="en-US" altLang="ja-JP" dirty="0" smtClean="0"/>
+              <a:rPr lang="en-US" altLang="ja-JP" dirty="0"/>
               <a:t>3 </a:t>
             </a:r>
             <a:r>
-              <a:rPr lang="ja-JP" altLang="en-US" dirty="0" smtClean="0"/>
+              <a:rPr lang="ja-JP" altLang="en-US" dirty="0"/>
               <a:t>レベル</a:t>
             </a:r>
           </a:p>
           <a:p>
             <a:pPr lvl="3"/>
             <a:r>
-              <a:rPr lang="ja-JP" altLang="en-US" dirty="0" smtClean="0"/>
+              <a:rPr lang="ja-JP" altLang="en-US" dirty="0"/>
               <a:t>第 </a:t>
             </a:r>
             <a:r>
-              <a:rPr lang="en-US" altLang="ja-JP" dirty="0" smtClean="0"/>
+              <a:rPr lang="en-US" altLang="ja-JP" dirty="0"/>
               <a:t>4 </a:t>
             </a:r>
             <a:r>
-              <a:rPr lang="ja-JP" altLang="en-US" dirty="0" smtClean="0"/>
+              <a:rPr lang="ja-JP" altLang="en-US" dirty="0"/>
               <a:t>レベル</a:t>
             </a:r>
           </a:p>
           <a:p>
             <a:pPr lvl="4"/>
             <a:r>
-              <a:rPr lang="ja-JP" altLang="en-US" dirty="0" smtClean="0"/>
+              <a:rPr lang="ja-JP" altLang="en-US" dirty="0"/>
               <a:t>第 </a:t>
             </a:r>
             <a:r>
-              <a:rPr lang="en-US" altLang="ja-JP" dirty="0" smtClean="0"/>
+              <a:rPr lang="en-US" altLang="ja-JP" dirty="0"/>
               <a:t>5 </a:t>
             </a:r>
             <a:r>
-              <a:rPr lang="ja-JP" altLang="en-US" dirty="0" smtClean="0"/>
+              <a:rPr lang="ja-JP" altLang="en-US" dirty="0"/>
               <a:t>レベル</a:t>
             </a:r>
-            <a:endParaRPr lang="ja-JP" altLang="en-US" dirty="0"/>
           </a:p>
         </p:txBody>
       </p:sp>
@@ -13827,13 +13993,6 @@
   <p:clrMapOvr>
     <a:masterClrMapping/>
   </p:clrMapOvr>
-  <p:timing>
-    <p:tnLst>
-      <p:par>
-        <p:cTn id="1" dur="indefinite" restart="never" nodeType="tmRoot"/>
-      </p:par>
-    </p:tnLst>
-  </p:timing>
 </p:sldLayout>
 </file>
 
@@ -13889,13 +14048,6 @@
   <p:clrMapOvr>
     <a:masterClrMapping/>
   </p:clrMapOvr>
-  <p:timing>
-    <p:tnLst>
-      <p:par>
-        <p:cTn id="1" dur="indefinite" restart="never" nodeType="tmRoot"/>
-      </p:par>
-    </p:tnLst>
-  </p:timing>
 </p:sldLayout>
 </file>
 
@@ -14342,13 +14494,6 @@
     <p:sldLayoutId id="2147483654" r:id="rId2"/>
     <p:sldLayoutId id="2147483655" r:id="rId3"/>
   </p:sldLayoutIdLst>
-  <p:timing>
-    <p:tnLst>
-      <p:par>
-        <p:cTn id="1" dur="indefinite" restart="never" nodeType="tmRoot"/>
-      </p:par>
-    </p:tnLst>
-  </p:timing>
   <p:hf hdr="0" ftr="0" dt="0"/>
   <p:txStyles>
     <p:titleStyle>
@@ -14978,13 +15123,6 @@
     </p:extLst>
   </p:cSld>
   <p:clrMap bg1="lt1" tx1="dk1" bg2="lt2" tx2="dk2" accent1="accent1" accent2="accent2" accent3="accent3" accent4="accent4" accent5="accent5" accent6="accent6" hlink="hlink" folHlink="folHlink"/>
-  <p:timing>
-    <p:tnLst>
-      <p:par>
-        <p:cTn id="1" dur="indefinite" restart="never" nodeType="tmRoot"/>
-      </p:par>
-    </p:tnLst>
-  </p:timing>
   <p:hf hdr="0" ftr="0" dt="0"/>
   <p:txStyles>
     <p:titleStyle>
@@ -15425,13 +15563,13 @@
               <a:buNone/>
             </a:pPr>
             <a:r>
-              <a:rPr lang="zh-CN" altLang="en-US" sz="1500" dirty="0" smtClean="0">
+              <a:rPr lang="zh-CN" altLang="en-US" sz="1500" dirty="0">
                 <a:latin typeface="Helvetica" panose="020B0504020202030204" pitchFamily="34" charset="0"/>
                 <a:ea typeface="黑体" panose="02010609060101010101" pitchFamily="49" charset="-122"/>
               </a:rPr>
               <a:t>实习生：黄力派</a:t>
             </a:r>
-            <a:endParaRPr lang="en-US" altLang="ja-JP" sz="1500" dirty="0" smtClean="0">
+            <a:endParaRPr lang="en-US" altLang="ja-JP" sz="1500" dirty="0">
               <a:solidFill>
                 <a:schemeClr val="tx1"/>
               </a:solidFill>
@@ -15444,7 +15582,7 @@
               <a:buNone/>
             </a:pPr>
             <a:r>
-              <a:rPr lang="zh-CN" altLang="en-US" sz="1500" dirty="0" smtClean="0">
+              <a:rPr lang="zh-CN" altLang="en-US" sz="1500" dirty="0">
                 <a:solidFill>
                   <a:schemeClr val="tx1"/>
                 </a:solidFill>
@@ -15454,7 +15592,7 @@
               </a:rPr>
               <a:t>指导：林杰</a:t>
             </a:r>
-            <a:endParaRPr lang="en-US" altLang="zh-CN" sz="1500" dirty="0" smtClean="0">
+            <a:endParaRPr lang="en-US" altLang="zh-CN" sz="1500" dirty="0">
               <a:solidFill>
                 <a:schemeClr val="tx1"/>
               </a:solidFill>
@@ -15487,7 +15625,7 @@
           <a:p>
             <a:pPr algn="ctr"/>
             <a:r>
-              <a:rPr lang="zh-CN" altLang="en-US" sz="3600" b="1" dirty="0" smtClean="0">
+              <a:rPr lang="zh-CN" altLang="en-US" sz="3600" b="1" dirty="0">
                 <a:solidFill>
                   <a:schemeClr val="tx1"/>
                 </a:solidFill>
@@ -15495,17 +15633,8 @@
               </a:rPr>
               <a:t>实习报告</a:t>
             </a:r>
-            <a:r>
-              <a:rPr lang="en-US" altLang="zh-CN" sz="3000" b="1" dirty="0" smtClean="0">
-                <a:solidFill>
-                  <a:schemeClr val="tx1"/>
-                </a:solidFill>
-                <a:cs typeface="Meiryo" panose="020B0604030504040204" pitchFamily="34" charset="-128"/>
-              </a:rPr>
-              <a:t/>
-            </a:r>
             <a:br>
-              <a:rPr lang="en-US" altLang="zh-CN" sz="3000" b="1" dirty="0" smtClean="0">
+              <a:rPr lang="en-US" altLang="zh-CN" sz="3000" b="1" dirty="0">
                 <a:solidFill>
                   <a:schemeClr val="tx1"/>
                 </a:solidFill>
@@ -15513,7 +15642,7 @@
               </a:rPr>
             </a:br>
             <a:r>
-              <a:rPr lang="en-US" altLang="zh-CN" sz="2000" dirty="0" smtClean="0">
+              <a:rPr lang="en-US" altLang="zh-CN" sz="2000" dirty="0">
                 <a:solidFill>
                   <a:schemeClr val="tx1"/>
                 </a:solidFill>
@@ -15521,17 +15650,8 @@
               </a:rPr>
               <a:t>(IC2 2021 05.10 – 07.05)</a:t>
             </a:r>
-            <a:r>
-              <a:rPr lang="en-US" altLang="zh-CN" sz="2400" dirty="0" smtClean="0">
-                <a:solidFill>
-                  <a:schemeClr val="tx1"/>
-                </a:solidFill>
-                <a:cs typeface="Meiryo" panose="020B0604030504040204" pitchFamily="34" charset="-128"/>
-              </a:rPr>
-              <a:t/>
-            </a:r>
             <a:br>
-              <a:rPr lang="en-US" altLang="zh-CN" sz="2400" dirty="0" smtClean="0">
+              <a:rPr lang="en-US" altLang="zh-CN" sz="2400" dirty="0">
                 <a:solidFill>
                   <a:schemeClr val="tx1"/>
                 </a:solidFill>
@@ -15555,21 +15675,6 @@
   <p:clrMapOvr>
     <a:masterClrMapping/>
   </p:clrMapOvr>
-  <mc:AlternateContent xmlns:mc="http://schemas.openxmlformats.org/markup-compatibility/2006" xmlns:p14="http://schemas.microsoft.com/office/powerpoint/2010/main">
-    <mc:Choice Requires="p14">
-      <p:transition spd="slow" p14:dur="2000"/>
-    </mc:Choice>
-    <mc:Fallback xmlns="">
-      <p:transition spd="slow"/>
-    </mc:Fallback>
-  </mc:AlternateContent>
-  <p:timing>
-    <p:tnLst>
-      <p:par>
-        <p:cTn id="1" dur="indefinite" restart="never" nodeType="tmRoot"/>
-      </p:par>
-    </p:tnLst>
-  </p:timing>
 </p:sld>
 </file>
 
@@ -15606,254 +15711,17 @@
           <a:lstStyle/>
           <a:p>
             <a:r>
-              <a:rPr lang="zh-CN" altLang="en-US" b="1" dirty="0" smtClean="0"/>
+              <a:rPr lang="zh-CN" altLang="en-US" b="1" dirty="0"/>
               <a:t>学习实践 </a:t>
             </a:r>
             <a:r>
-              <a:rPr lang="en-US" altLang="zh-CN" b="1" dirty="0" smtClean="0"/>
+              <a:rPr lang="en-US" altLang="zh-CN" b="1" dirty="0"/>
               <a:t>– </a:t>
             </a:r>
             <a:r>
-              <a:rPr lang="zh-CN" altLang="en-US" b="1" dirty="0" smtClean="0"/>
+              <a:rPr lang="zh-CN" altLang="en-US" b="1" dirty="0"/>
               <a:t>目标检测</a:t>
             </a:r>
-            <a:endParaRPr lang="zh-CN" altLang="en-US" b="1" dirty="0"/>
-          </a:p>
-        </p:txBody>
-      </p:sp>
-      <p:sp>
-        <p:nvSpPr>
-          <p:cNvPr id="3" name="内容占位符 2"/>
-          <p:cNvSpPr>
-            <a:spLocks noGrp="1"/>
-          </p:cNvSpPr>
-          <p:nvPr>
-            <p:ph idx="1"/>
-          </p:nvPr>
-        </p:nvSpPr>
-        <p:spPr>
-          <a:xfrm>
-            <a:off x="251520" y="699542"/>
-            <a:ext cx="7886700" cy="3264074"/>
-          </a:xfrm>
-        </p:spPr>
-        <p:txBody>
-          <a:bodyPr/>
-          <a:lstStyle/>
-          <a:p>
-            <a:r>
-              <a:rPr lang="zh-CN" altLang="en-US" dirty="0" smtClean="0"/>
-              <a:t>模型</a:t>
-            </a:r>
-            <a:r>
-              <a:rPr lang="en-US" altLang="zh-CN" dirty="0" smtClean="0"/>
-              <a:t>YoloV5</a:t>
-            </a:r>
-            <a:endParaRPr lang="zh-CN" altLang="en-US" dirty="0"/>
-          </a:p>
-        </p:txBody>
-      </p:sp>
-      <p:sp>
-        <p:nvSpPr>
-          <p:cNvPr id="4" name="灯片编号占位符 3"/>
-          <p:cNvSpPr>
-            <a:spLocks noGrp="1"/>
-          </p:cNvSpPr>
-          <p:nvPr>
-            <p:ph type="sldNum" sz="quarter" idx="10"/>
-          </p:nvPr>
-        </p:nvSpPr>
-        <p:spPr/>
-        <p:txBody>
-          <a:bodyPr/>
-          <a:lstStyle/>
-          <a:p>
-            <a:pPr>
-              <a:defRPr/>
-            </a:pPr>
-            <a:fld id="{D73D5A0A-93B7-40E2-92BB-DEE0CCFB9337}" type="slidenum">
-              <a:rPr lang="en-US" altLang="ja-JP" smtClean="0"/>
-              <a:t>10</a:t>
-            </a:fld>
-            <a:endParaRPr lang="en-US" altLang="ja-JP"/>
-          </a:p>
-        </p:txBody>
-      </p:sp>
-      <p:pic>
-        <p:nvPicPr>
-          <p:cNvPr id="3078" name="Picture 6" descr="https://user-images.githubusercontent.com/26833433/114313216-f0a5e100-9af5-11eb-8445-c682b60da2e3.png"/>
-          <p:cNvPicPr>
-            <a:picLocks noChangeAspect="1" noChangeArrowheads="1"/>
-          </p:cNvPicPr>
-          <p:nvPr/>
-        </p:nvPicPr>
-        <p:blipFill>
-          <a:blip r:embed="rId2" cstate="print">
-            <a:extLst>
-              <a:ext uri="{28A0092B-C50C-407E-A947-70E740481C1C}">
-                <a14:useLocalDpi xmlns:a14="http://schemas.microsoft.com/office/drawing/2010/main" val="0"/>
-              </a:ext>
-            </a:extLst>
-          </a:blip>
-          <a:srcRect/>
-          <a:stretch>
-            <a:fillRect/>
-          </a:stretch>
-        </p:blipFill>
-        <p:spPr bwMode="auto">
-          <a:xfrm>
-            <a:off x="179512" y="1203598"/>
-            <a:ext cx="7315215" cy="3657607"/>
-          </a:xfrm>
-          <a:prstGeom prst="rect">
-            <a:avLst/>
-          </a:prstGeom>
-          <a:noFill/>
-          <a:extLst>
-            <a:ext uri="{909E8E84-426E-40DD-AFC4-6F175D3DCCD1}">
-              <a14:hiddenFill xmlns:a14="http://schemas.microsoft.com/office/drawing/2010/main">
-                <a:solidFill>
-                  <a:srgbClr val="FFFFFF"/>
-                </a:solidFill>
-              </a14:hiddenFill>
-            </a:ext>
-          </a:extLst>
-        </p:spPr>
-      </p:pic>
-      <p:sp>
-        <p:nvSpPr>
-          <p:cNvPr id="6" name="文本框 5"/>
-          <p:cNvSpPr txBox="1"/>
-          <p:nvPr/>
-        </p:nvSpPr>
-        <p:spPr>
-          <a:xfrm>
-            <a:off x="7566735" y="2323597"/>
-            <a:ext cx="1487833" cy="1169551"/>
-          </a:xfrm>
-          <a:prstGeom prst="rect">
-            <a:avLst/>
-          </a:prstGeom>
-          <a:noFill/>
-        </p:spPr>
-        <p:txBody>
-          <a:bodyPr wrap="square" rtlCol="0">
-            <a:spAutoFit/>
-          </a:bodyPr>
-          <a:lstStyle/>
-          <a:p>
-            <a:r>
-              <a:rPr lang="en-US" altLang="zh-CN" dirty="0" smtClean="0"/>
-              <a:t>Yolov5s</a:t>
-            </a:r>
-          </a:p>
-          <a:p>
-            <a:r>
-              <a:rPr lang="zh-CN" altLang="en-US" dirty="0" smtClean="0">
-                <a:latin typeface="黑体" panose="02010609060101010101" pitchFamily="49" charset="-122"/>
-                <a:ea typeface="黑体" panose="02010609060101010101" pitchFamily="49" charset="-122"/>
-              </a:rPr>
-              <a:t>优点：网络浅，模型小，速度快</a:t>
-            </a:r>
-            <a:endParaRPr lang="en-US" altLang="zh-CN" dirty="0" smtClean="0">
-              <a:latin typeface="黑体" panose="02010609060101010101" pitchFamily="49" charset="-122"/>
-              <a:ea typeface="黑体" panose="02010609060101010101" pitchFamily="49" charset="-122"/>
-            </a:endParaRPr>
-          </a:p>
-          <a:p>
-            <a:r>
-              <a:rPr lang="zh-CN" altLang="en-US" dirty="0" smtClean="0">
-                <a:latin typeface="黑体" panose="02010609060101010101" pitchFamily="49" charset="-122"/>
-                <a:ea typeface="黑体" panose="02010609060101010101" pitchFamily="49" charset="-122"/>
-              </a:rPr>
-              <a:t>缺点：</a:t>
-            </a:r>
-            <a:r>
-              <a:rPr lang="en-US" altLang="zh-CN" dirty="0" smtClean="0">
-                <a:latin typeface="黑体" panose="02010609060101010101" pitchFamily="49" charset="-122"/>
-                <a:ea typeface="黑体" panose="02010609060101010101" pitchFamily="49" charset="-122"/>
-              </a:rPr>
-              <a:t>AP</a:t>
-            </a:r>
-            <a:r>
-              <a:rPr lang="zh-CN" altLang="en-US" dirty="0" smtClean="0">
-                <a:latin typeface="黑体" panose="02010609060101010101" pitchFamily="49" charset="-122"/>
-                <a:ea typeface="黑体" panose="02010609060101010101" pitchFamily="49" charset="-122"/>
-              </a:rPr>
-              <a:t>精度较低</a:t>
-            </a:r>
-            <a:endParaRPr lang="zh-CN" altLang="en-US" dirty="0">
-              <a:latin typeface="黑体" panose="02010609060101010101" pitchFamily="49" charset="-122"/>
-              <a:ea typeface="黑体" panose="02010609060101010101" pitchFamily="49" charset="-122"/>
-            </a:endParaRPr>
-          </a:p>
-        </p:txBody>
-      </p:sp>
-    </p:spTree>
-    <p:extLst>
-      <p:ext uri="{BB962C8B-B14F-4D97-AF65-F5344CB8AC3E}">
-        <p14:creationId xmlns:p14="http://schemas.microsoft.com/office/powerpoint/2010/main" val="3791170281"/>
-      </p:ext>
-    </p:extLst>
-  </p:cSld>
-  <p:clrMapOvr>
-    <a:masterClrMapping/>
-  </p:clrMapOvr>
-  <p:timing>
-    <p:tnLst>
-      <p:par>
-        <p:cTn id="1" dur="indefinite" restart="never" nodeType="tmRoot"/>
-      </p:par>
-    </p:tnLst>
-  </p:timing>
-</p:sld>
-</file>
-
-<file path=ppt/slides/slide11.xml><?xml version="1.0" encoding="utf-8"?>
-<p:sld xmlns:a="http://schemas.openxmlformats.org/drawingml/2006/main" xmlns:r="http://schemas.openxmlformats.org/officeDocument/2006/relationships" xmlns:p="http://schemas.openxmlformats.org/presentationml/2006/main">
-  <p:cSld>
-    <p:spTree>
-      <p:nvGrpSpPr>
-        <p:cNvPr id="1" name=""/>
-        <p:cNvGrpSpPr/>
-        <p:nvPr/>
-      </p:nvGrpSpPr>
-      <p:grpSpPr>
-        <a:xfrm>
-          <a:off x="0" y="0"/>
-          <a:ext cx="0" cy="0"/>
-          <a:chOff x="0" y="0"/>
-          <a:chExt cx="0" cy="0"/>
-        </a:xfrm>
-      </p:grpSpPr>
-      <p:sp>
-        <p:nvSpPr>
-          <p:cNvPr id="2" name="标题 1"/>
-          <p:cNvSpPr>
-            <a:spLocks noGrp="1"/>
-          </p:cNvSpPr>
-          <p:nvPr>
-            <p:ph type="title"/>
-          </p:nvPr>
-        </p:nvSpPr>
-        <p:spPr/>
-        <p:txBody>
-          <a:bodyPr/>
-          <a:lstStyle/>
-          <a:p>
-            <a:r>
-              <a:rPr lang="zh-CN" altLang="en-US" b="1" dirty="0" smtClean="0"/>
-              <a:t>学习实践 </a:t>
-            </a:r>
-            <a:r>
-              <a:rPr lang="en-US" altLang="zh-CN" b="1" dirty="0" smtClean="0"/>
-              <a:t>– </a:t>
-            </a:r>
-            <a:r>
-              <a:rPr lang="zh-CN" altLang="en-US" b="1" dirty="0" smtClean="0"/>
-              <a:t>目标检测</a:t>
-            </a:r>
-            <a:endParaRPr lang="zh-CN" altLang="en-US" b="1" dirty="0"/>
           </a:p>
         </p:txBody>
       </p:sp>
@@ -15878,28 +15746,24 @@
           <a:lstStyle/>
           <a:p>
             <a:r>
-              <a:rPr lang="en-US" altLang="zh-CN" dirty="0" smtClean="0"/>
+              <a:rPr lang="en-US" altLang="zh-CN" dirty="0"/>
               <a:t>VIBOT</a:t>
             </a:r>
           </a:p>
           <a:p>
             <a:r>
               <a:rPr lang="zh-CN" altLang="en-US" dirty="0"/>
-              <a:t>数据</a:t>
+              <a:t>数据集</a:t>
             </a:r>
             <a:r>
-              <a:rPr lang="zh-CN" altLang="en-US" dirty="0" smtClean="0"/>
-              <a:t>集</a:t>
-            </a:r>
-            <a:r>
-              <a:rPr lang="en-US" altLang="zh-CN" dirty="0" smtClean="0"/>
+              <a:rPr lang="en-US" altLang="zh-CN" dirty="0"/>
               <a:t>: 225</a:t>
             </a:r>
             <a:r>
-              <a:rPr lang="zh-CN" altLang="en-US" dirty="0" smtClean="0"/>
+              <a:rPr lang="zh-CN" altLang="en-US" dirty="0"/>
               <a:t>张</a:t>
             </a:r>
-            <a:endParaRPr lang="en-US" altLang="zh-CN" dirty="0" smtClean="0"/>
+            <a:endParaRPr lang="en-US" altLang="zh-CN" dirty="0"/>
           </a:p>
           <a:p>
             <a:pPr marL="0" indent="0">
@@ -15929,7 +15793,7 @@
             </a:pPr>
             <a:fld id="{D73D5A0A-93B7-40E2-92BB-DEE0CCFB9337}" type="slidenum">
               <a:rPr lang="en-US" altLang="ja-JP" smtClean="0"/>
-              <a:t>11</a:t>
+              <a:t>10</a:t>
             </a:fld>
             <a:endParaRPr lang="en-US" altLang="ja-JP"/>
           </a:p>
@@ -16005,13 +15869,187 @@
   <p:clrMapOvr>
     <a:masterClrMapping/>
   </p:clrMapOvr>
-  <p:timing>
-    <p:tnLst>
-      <p:par>
-        <p:cTn id="1" dur="indefinite" restart="never" nodeType="tmRoot"/>
-      </p:par>
-    </p:tnLst>
-  </p:timing>
+</p:sld>
+</file>
+
+<file path=ppt/slides/slide11.xml><?xml version="1.0" encoding="utf-8"?>
+<p:sld xmlns:a="http://schemas.openxmlformats.org/drawingml/2006/main" xmlns:r="http://schemas.openxmlformats.org/officeDocument/2006/relationships" xmlns:p="http://schemas.openxmlformats.org/presentationml/2006/main">
+  <p:cSld>
+    <p:spTree>
+      <p:nvGrpSpPr>
+        <p:cNvPr id="1" name=""/>
+        <p:cNvGrpSpPr/>
+        <p:nvPr/>
+      </p:nvGrpSpPr>
+      <p:grpSpPr>
+        <a:xfrm>
+          <a:off x="0" y="0"/>
+          <a:ext cx="0" cy="0"/>
+          <a:chOff x="0" y="0"/>
+          <a:chExt cx="0" cy="0"/>
+        </a:xfrm>
+      </p:grpSpPr>
+      <p:sp>
+        <p:nvSpPr>
+          <p:cNvPr id="2" name="标题 1"/>
+          <p:cNvSpPr>
+            <a:spLocks noGrp="1"/>
+          </p:cNvSpPr>
+          <p:nvPr>
+            <p:ph type="title"/>
+          </p:nvPr>
+        </p:nvSpPr>
+        <p:spPr/>
+        <p:txBody>
+          <a:bodyPr/>
+          <a:lstStyle/>
+          <a:p>
+            <a:r>
+              <a:rPr lang="zh-CN" altLang="en-US" b="1" dirty="0"/>
+              <a:t>学习实践 </a:t>
+            </a:r>
+            <a:r>
+              <a:rPr lang="en-US" altLang="zh-CN" b="1" dirty="0"/>
+              <a:t>– </a:t>
+            </a:r>
+            <a:r>
+              <a:rPr lang="zh-CN" altLang="en-US" b="1" dirty="0"/>
+              <a:t>小目标检测</a:t>
+            </a:r>
+          </a:p>
+        </p:txBody>
+      </p:sp>
+      <p:sp>
+        <p:nvSpPr>
+          <p:cNvPr id="3" name="内容占位符 2"/>
+          <p:cNvSpPr>
+            <a:spLocks noGrp="1"/>
+          </p:cNvSpPr>
+          <p:nvPr>
+            <p:ph idx="1"/>
+          </p:nvPr>
+        </p:nvSpPr>
+        <p:spPr>
+          <a:xfrm>
+            <a:off x="251520" y="843558"/>
+            <a:ext cx="7886700" cy="3264074"/>
+          </a:xfrm>
+        </p:spPr>
+        <p:txBody>
+          <a:bodyPr/>
+          <a:lstStyle/>
+          <a:p>
+            <a:pPr marL="0" indent="0">
+              <a:buNone/>
+            </a:pPr>
+            <a:r>
+              <a:rPr lang="zh-CN" altLang="en-US" dirty="0">
+                <a:latin typeface="黑体" panose="02010609060101010101" pitchFamily="49" charset="-122"/>
+                <a:ea typeface="黑体" panose="02010609060101010101" pitchFamily="49" charset="-122"/>
+              </a:rPr>
+              <a:t>问题</a:t>
+            </a:r>
+            <a:endParaRPr lang="en-US" altLang="zh-CN" dirty="0">
+              <a:latin typeface="黑体" panose="02010609060101010101" pitchFamily="49" charset="-122"/>
+              <a:ea typeface="黑体" panose="02010609060101010101" pitchFamily="49" charset="-122"/>
+            </a:endParaRPr>
+          </a:p>
+          <a:p>
+            <a:r>
+              <a:rPr lang="zh-CN" altLang="en-US" dirty="0">
+                <a:latin typeface="黑体" panose="02010609060101010101" pitchFamily="49" charset="-122"/>
+                <a:ea typeface="黑体" panose="02010609060101010101" pitchFamily="49" charset="-122"/>
+              </a:rPr>
+              <a:t>准确率和召回率非常低</a:t>
+            </a:r>
+            <a:endParaRPr lang="en-US" altLang="zh-CN" dirty="0">
+              <a:latin typeface="黑体" panose="02010609060101010101" pitchFamily="49" charset="-122"/>
+              <a:ea typeface="黑体" panose="02010609060101010101" pitchFamily="49" charset="-122"/>
+            </a:endParaRPr>
+          </a:p>
+          <a:p>
+            <a:r>
+              <a:rPr lang="zh-CN" altLang="en-US" dirty="0">
+                <a:latin typeface="黑体" panose="02010609060101010101" pitchFamily="49" charset="-122"/>
+                <a:ea typeface="黑体" panose="02010609060101010101" pitchFamily="49" charset="-122"/>
+              </a:rPr>
+              <a:t>基本上检测不出来</a:t>
+            </a:r>
+          </a:p>
+        </p:txBody>
+      </p:sp>
+      <p:sp>
+        <p:nvSpPr>
+          <p:cNvPr id="4" name="灯片编号占位符 3"/>
+          <p:cNvSpPr>
+            <a:spLocks noGrp="1"/>
+          </p:cNvSpPr>
+          <p:nvPr>
+            <p:ph type="sldNum" sz="quarter" idx="10"/>
+          </p:nvPr>
+        </p:nvSpPr>
+        <p:spPr/>
+        <p:txBody>
+          <a:bodyPr/>
+          <a:lstStyle/>
+          <a:p>
+            <a:pPr>
+              <a:defRPr/>
+            </a:pPr>
+            <a:fld id="{D73D5A0A-93B7-40E2-92BB-DEE0CCFB9337}" type="slidenum">
+              <a:rPr lang="en-US" altLang="ja-JP" smtClean="0"/>
+              <a:t>11</a:t>
+            </a:fld>
+            <a:endParaRPr lang="en-US" altLang="ja-JP"/>
+          </a:p>
+        </p:txBody>
+      </p:sp>
+      <p:pic>
+        <p:nvPicPr>
+          <p:cNvPr id="5" name="图片 4">
+            <a:extLst>
+              <a:ext uri="{FF2B5EF4-FFF2-40B4-BE49-F238E27FC236}">
+                <a16:creationId xmlns:a16="http://schemas.microsoft.com/office/drawing/2014/main" id="{64569A49-5B45-4215-9413-0EAB0508C11D}"/>
+              </a:ext>
+            </a:extLst>
+          </p:cNvPr>
+          <p:cNvPicPr>
+            <a:picLocks noChangeAspect="1"/>
+          </p:cNvPicPr>
+          <p:nvPr/>
+        </p:nvPicPr>
+        <p:blipFill>
+          <a:blip r:embed="rId2">
+            <a:extLst>
+              <a:ext uri="{28A0092B-C50C-407E-A947-70E740481C1C}">
+                <a14:useLocalDpi xmlns:a14="http://schemas.microsoft.com/office/drawing/2010/main" val="0"/>
+              </a:ext>
+            </a:extLst>
+          </a:blip>
+          <a:stretch>
+            <a:fillRect/>
+          </a:stretch>
+        </p:blipFill>
+        <p:spPr>
+          <a:xfrm>
+            <a:off x="4716016" y="1501103"/>
+            <a:ext cx="3023315" cy="3023315"/>
+          </a:xfrm>
+          <a:prstGeom prst="rect">
+            <a:avLst/>
+          </a:prstGeom>
+        </p:spPr>
+      </p:pic>
+    </p:spTree>
+    <p:extLst>
+      <p:ext uri="{BB962C8B-B14F-4D97-AF65-F5344CB8AC3E}">
+        <p14:creationId xmlns:p14="http://schemas.microsoft.com/office/powerpoint/2010/main" val="886898731"/>
+      </p:ext>
+    </p:extLst>
+  </p:cSld>
+  <p:clrMapOvr>
+    <a:masterClrMapping/>
+  </p:clrMapOvr>
 </p:sld>
 </file>
 
@@ -16048,22 +16086,17 @@
           <a:lstStyle/>
           <a:p>
             <a:r>
-              <a:rPr lang="zh-CN" altLang="en-US" b="1" dirty="0" smtClean="0"/>
+              <a:rPr lang="zh-CN" altLang="en-US" b="1" dirty="0"/>
               <a:t>学习实践 </a:t>
             </a:r>
             <a:r>
-              <a:rPr lang="en-US" altLang="zh-CN" b="1" dirty="0" smtClean="0"/>
+              <a:rPr lang="en-US" altLang="zh-CN" b="1" dirty="0"/>
               <a:t>– </a:t>
             </a:r>
             <a:r>
-              <a:rPr lang="zh-CN" altLang="en-US" b="1" dirty="0" smtClean="0"/>
-              <a:t>小目标</a:t>
+              <a:rPr lang="zh-CN" altLang="en-US" b="1" dirty="0"/>
+              <a:t>目标检测</a:t>
             </a:r>
-            <a:r>
-              <a:rPr lang="zh-CN" altLang="en-US" b="1" dirty="0" smtClean="0"/>
-              <a:t>检测</a:t>
-            </a:r>
-            <a:endParaRPr lang="zh-CN" altLang="en-US" b="1" dirty="0"/>
           </a:p>
         </p:txBody>
       </p:sp>
@@ -16079,7 +16112,7 @@
         </p:nvSpPr>
         <p:spPr>
           <a:xfrm>
-            <a:off x="251520" y="843558"/>
+            <a:off x="251520" y="771550"/>
             <a:ext cx="7886700" cy="3264074"/>
           </a:xfrm>
         </p:spPr>
@@ -16087,7 +16120,128 @@
           <a:bodyPr/>
           <a:lstStyle/>
           <a:p>
-            <a:endParaRPr lang="zh-CN" altLang="en-US" dirty="0"/>
+            <a:pPr marL="0" indent="0">
+              <a:buNone/>
+            </a:pPr>
+            <a:r>
+              <a:rPr lang="zh-CN" altLang="en-US" dirty="0">
+                <a:latin typeface="黑体" panose="02010609060101010101" pitchFamily="49" charset="-122"/>
+                <a:ea typeface="黑体" panose="02010609060101010101" pitchFamily="49" charset="-122"/>
+              </a:rPr>
+              <a:t>数据增广</a:t>
+            </a:r>
+            <a:endParaRPr lang="en-US" altLang="zh-CN" dirty="0">
+              <a:latin typeface="黑体" panose="02010609060101010101" pitchFamily="49" charset="-122"/>
+              <a:ea typeface="黑体" panose="02010609060101010101" pitchFamily="49" charset="-122"/>
+            </a:endParaRPr>
+          </a:p>
+          <a:p>
+            <a:r>
+              <a:rPr lang="zh-CN" altLang="en-US" dirty="0">
+                <a:latin typeface="黑体" panose="02010609060101010101" pitchFamily="49" charset="-122"/>
+                <a:ea typeface="黑体" panose="02010609060101010101" pitchFamily="49" charset="-122"/>
+              </a:rPr>
+              <a:t>旋转</a:t>
+            </a:r>
+            <a:endParaRPr lang="en-US" altLang="zh-CN" dirty="0">
+              <a:latin typeface="黑体" panose="02010609060101010101" pitchFamily="49" charset="-122"/>
+              <a:ea typeface="黑体" panose="02010609060101010101" pitchFamily="49" charset="-122"/>
+            </a:endParaRPr>
+          </a:p>
+          <a:p>
+            <a:r>
+              <a:rPr lang="zh-CN" altLang="en-US" dirty="0">
+                <a:latin typeface="黑体" panose="02010609060101010101" pitchFamily="49" charset="-122"/>
+                <a:ea typeface="黑体" panose="02010609060101010101" pitchFamily="49" charset="-122"/>
+              </a:rPr>
+              <a:t>水平</a:t>
+            </a:r>
+            <a:r>
+              <a:rPr lang="en-US" altLang="zh-CN" dirty="0">
+                <a:latin typeface="黑体" panose="02010609060101010101" pitchFamily="49" charset="-122"/>
+                <a:ea typeface="黑体" panose="02010609060101010101" pitchFamily="49" charset="-122"/>
+              </a:rPr>
+              <a:t>or</a:t>
+            </a:r>
+            <a:r>
+              <a:rPr lang="zh-CN" altLang="en-US" dirty="0">
+                <a:latin typeface="黑体" panose="02010609060101010101" pitchFamily="49" charset="-122"/>
+                <a:ea typeface="黑体" panose="02010609060101010101" pitchFamily="49" charset="-122"/>
+              </a:rPr>
+              <a:t>垂直翻转</a:t>
+            </a:r>
+            <a:endParaRPr lang="en-US" altLang="zh-CN" dirty="0">
+              <a:latin typeface="黑体" panose="02010609060101010101" pitchFamily="49" charset="-122"/>
+              <a:ea typeface="黑体" panose="02010609060101010101" pitchFamily="49" charset="-122"/>
+            </a:endParaRPr>
+          </a:p>
+          <a:p>
+            <a:r>
+              <a:rPr lang="zh-CN" altLang="en-US" dirty="0">
+                <a:latin typeface="黑体" panose="02010609060101010101" pitchFamily="49" charset="-122"/>
+                <a:ea typeface="黑体" panose="02010609060101010101" pitchFamily="49" charset="-122"/>
+              </a:rPr>
+              <a:t>透视</a:t>
+            </a:r>
+            <a:endParaRPr lang="en-US" altLang="zh-CN" dirty="0">
+              <a:latin typeface="黑体" panose="02010609060101010101" pitchFamily="49" charset="-122"/>
+              <a:ea typeface="黑体" panose="02010609060101010101" pitchFamily="49" charset="-122"/>
+            </a:endParaRPr>
+          </a:p>
+          <a:p>
+            <a:r>
+              <a:rPr lang="zh-CN" altLang="en-US" dirty="0">
+                <a:latin typeface="黑体" panose="02010609060101010101" pitchFamily="49" charset="-122"/>
+                <a:ea typeface="黑体" panose="02010609060101010101" pitchFamily="49" charset="-122"/>
+              </a:rPr>
+              <a:t>裁剪</a:t>
+            </a:r>
+            <a:endParaRPr lang="en-US" altLang="zh-CN" dirty="0">
+              <a:latin typeface="黑体" panose="02010609060101010101" pitchFamily="49" charset="-122"/>
+              <a:ea typeface="黑体" panose="02010609060101010101" pitchFamily="49" charset="-122"/>
+            </a:endParaRPr>
+          </a:p>
+          <a:p>
+            <a:r>
+              <a:rPr lang="zh-CN" altLang="en-US" dirty="0">
+                <a:latin typeface="黑体" panose="02010609060101010101" pitchFamily="49" charset="-122"/>
+                <a:ea typeface="黑体" panose="02010609060101010101" pitchFamily="49" charset="-122"/>
+              </a:rPr>
+              <a:t>加噪声</a:t>
+            </a:r>
+            <a:endParaRPr lang="en-US" altLang="zh-CN" dirty="0">
+              <a:latin typeface="黑体" panose="02010609060101010101" pitchFamily="49" charset="-122"/>
+              <a:ea typeface="黑体" panose="02010609060101010101" pitchFamily="49" charset="-122"/>
+            </a:endParaRPr>
+          </a:p>
+          <a:p>
+            <a:r>
+              <a:rPr lang="zh-CN" altLang="en-US" dirty="0">
+                <a:latin typeface="黑体" panose="02010609060101010101" pitchFamily="49" charset="-122"/>
+                <a:ea typeface="黑体" panose="02010609060101010101" pitchFamily="49" charset="-122"/>
+              </a:rPr>
+              <a:t>（模糊处理）</a:t>
+            </a:r>
+            <a:endParaRPr lang="en-US" altLang="zh-CN" dirty="0">
+              <a:latin typeface="黑体" panose="02010609060101010101" pitchFamily="49" charset="-122"/>
+              <a:ea typeface="黑体" panose="02010609060101010101" pitchFamily="49" charset="-122"/>
+            </a:endParaRPr>
+          </a:p>
+          <a:p>
+            <a:r>
+              <a:rPr lang="zh-CN" altLang="en-US" dirty="0">
+                <a:latin typeface="黑体" panose="02010609060101010101" pitchFamily="49" charset="-122"/>
+                <a:ea typeface="黑体" panose="02010609060101010101" pitchFamily="49" charset="-122"/>
+              </a:rPr>
+              <a:t>（对比度，亮度）</a:t>
+            </a:r>
+            <a:endParaRPr lang="en-US" altLang="zh-CN" dirty="0">
+              <a:latin typeface="黑体" panose="02010609060101010101" pitchFamily="49" charset="-122"/>
+              <a:ea typeface="黑体" panose="02010609060101010101" pitchFamily="49" charset="-122"/>
+            </a:endParaRPr>
+          </a:p>
+          <a:p>
+            <a:endParaRPr lang="en-US" altLang="zh-CN" dirty="0"/>
           </a:p>
         </p:txBody>
       </p:sp>
@@ -16117,296 +16271,6 @@
           </a:p>
         </p:txBody>
       </p:sp>
-    </p:spTree>
-    <p:extLst>
-      <p:ext uri="{BB962C8B-B14F-4D97-AF65-F5344CB8AC3E}">
-        <p14:creationId xmlns:p14="http://schemas.microsoft.com/office/powerpoint/2010/main" val="886898731"/>
-      </p:ext>
-    </p:extLst>
-  </p:cSld>
-  <p:clrMapOvr>
-    <a:masterClrMapping/>
-  </p:clrMapOvr>
-  <p:timing>
-    <p:tnLst>
-      <p:par>
-        <p:cTn id="1" dur="indefinite" restart="never" nodeType="tmRoot"/>
-      </p:par>
-    </p:tnLst>
-  </p:timing>
-</p:sld>
-</file>
-
-<file path=ppt/slides/slide13.xml><?xml version="1.0" encoding="utf-8"?>
-<p:sld xmlns:a="http://schemas.openxmlformats.org/drawingml/2006/main" xmlns:r="http://schemas.openxmlformats.org/officeDocument/2006/relationships" xmlns:p="http://schemas.openxmlformats.org/presentationml/2006/main">
-  <p:cSld>
-    <p:spTree>
-      <p:nvGrpSpPr>
-        <p:cNvPr id="1" name=""/>
-        <p:cNvGrpSpPr/>
-        <p:nvPr/>
-      </p:nvGrpSpPr>
-      <p:grpSpPr>
-        <a:xfrm>
-          <a:off x="0" y="0"/>
-          <a:ext cx="0" cy="0"/>
-          <a:chOff x="0" y="0"/>
-          <a:chExt cx="0" cy="0"/>
-        </a:xfrm>
-      </p:grpSpPr>
-      <p:sp>
-        <p:nvSpPr>
-          <p:cNvPr id="2" name="标题 1"/>
-          <p:cNvSpPr>
-            <a:spLocks noGrp="1"/>
-          </p:cNvSpPr>
-          <p:nvPr>
-            <p:ph type="title"/>
-          </p:nvPr>
-        </p:nvSpPr>
-        <p:spPr/>
-        <p:txBody>
-          <a:bodyPr/>
-          <a:lstStyle/>
-          <a:p>
-            <a:r>
-              <a:rPr lang="zh-CN" altLang="en-US" b="1" dirty="0" smtClean="0"/>
-              <a:t>学习实践 </a:t>
-            </a:r>
-            <a:r>
-              <a:rPr lang="en-US" altLang="zh-CN" b="1" dirty="0" smtClean="0"/>
-              <a:t>– </a:t>
-            </a:r>
-            <a:r>
-              <a:rPr lang="zh-CN" altLang="en-US" b="1" dirty="0" smtClean="0"/>
-              <a:t>目标检测</a:t>
-            </a:r>
-            <a:endParaRPr lang="zh-CN" altLang="en-US" b="1" dirty="0"/>
-          </a:p>
-        </p:txBody>
-      </p:sp>
-      <p:sp>
-        <p:nvSpPr>
-          <p:cNvPr id="3" name="内容占位符 2"/>
-          <p:cNvSpPr>
-            <a:spLocks noGrp="1"/>
-          </p:cNvSpPr>
-          <p:nvPr>
-            <p:ph idx="1"/>
-          </p:nvPr>
-        </p:nvSpPr>
-        <p:spPr>
-          <a:xfrm>
-            <a:off x="251520" y="771550"/>
-            <a:ext cx="7886700" cy="3264074"/>
-          </a:xfrm>
-        </p:spPr>
-        <p:txBody>
-          <a:bodyPr/>
-          <a:lstStyle/>
-          <a:p>
-            <a:pPr marL="0" indent="0">
-              <a:buNone/>
-            </a:pPr>
-            <a:r>
-              <a:rPr lang="zh-CN" altLang="en-US" dirty="0" smtClean="0">
-                <a:latin typeface="黑体" panose="02010609060101010101" pitchFamily="49" charset="-122"/>
-                <a:ea typeface="黑体" panose="02010609060101010101" pitchFamily="49" charset="-122"/>
-              </a:rPr>
-              <a:t>预处理</a:t>
-            </a:r>
-            <a:r>
-              <a:rPr lang="en-US" altLang="zh-CN" dirty="0" smtClean="0">
-                <a:latin typeface="黑体" panose="02010609060101010101" pitchFamily="49" charset="-122"/>
-                <a:ea typeface="黑体" panose="02010609060101010101" pitchFamily="49" charset="-122"/>
-              </a:rPr>
-              <a:t>-</a:t>
-            </a:r>
-            <a:r>
-              <a:rPr lang="zh-CN" altLang="en-US" dirty="0" smtClean="0">
-                <a:latin typeface="黑体" panose="02010609060101010101" pitchFamily="49" charset="-122"/>
-                <a:ea typeface="黑体" panose="02010609060101010101" pitchFamily="49" charset="-122"/>
-              </a:rPr>
-              <a:t>数据</a:t>
-            </a:r>
-            <a:r>
-              <a:rPr lang="zh-CN" altLang="en-US" dirty="0" smtClean="0">
-                <a:latin typeface="黑体" panose="02010609060101010101" pitchFamily="49" charset="-122"/>
-                <a:ea typeface="黑体" panose="02010609060101010101" pitchFamily="49" charset="-122"/>
-              </a:rPr>
-              <a:t>增广</a:t>
-            </a:r>
-            <a:endParaRPr lang="en-US" altLang="zh-CN" dirty="0" smtClean="0">
-              <a:latin typeface="黑体" panose="02010609060101010101" pitchFamily="49" charset="-122"/>
-              <a:ea typeface="黑体" panose="02010609060101010101" pitchFamily="49" charset="-122"/>
-            </a:endParaRPr>
-          </a:p>
-          <a:p>
-            <a:r>
-              <a:rPr lang="zh-CN" altLang="en-US" dirty="0" smtClean="0">
-                <a:latin typeface="黑体" panose="02010609060101010101" pitchFamily="49" charset="-122"/>
-                <a:ea typeface="黑体" panose="02010609060101010101" pitchFamily="49" charset="-122"/>
-              </a:rPr>
-              <a:t>旋转</a:t>
-            </a:r>
-            <a:endParaRPr lang="en-US" altLang="zh-CN" dirty="0" smtClean="0">
-              <a:latin typeface="黑体" panose="02010609060101010101" pitchFamily="49" charset="-122"/>
-              <a:ea typeface="黑体" panose="02010609060101010101" pitchFamily="49" charset="-122"/>
-            </a:endParaRPr>
-          </a:p>
-          <a:p>
-            <a:r>
-              <a:rPr lang="zh-CN" altLang="en-US" dirty="0" smtClean="0">
-                <a:latin typeface="黑体" panose="02010609060101010101" pitchFamily="49" charset="-122"/>
-                <a:ea typeface="黑体" panose="02010609060101010101" pitchFamily="49" charset="-122"/>
-              </a:rPr>
-              <a:t>水平</a:t>
-            </a:r>
-            <a:r>
-              <a:rPr lang="en-US" altLang="zh-CN" dirty="0" smtClean="0">
-                <a:latin typeface="黑体" panose="02010609060101010101" pitchFamily="49" charset="-122"/>
-                <a:ea typeface="黑体" panose="02010609060101010101" pitchFamily="49" charset="-122"/>
-              </a:rPr>
-              <a:t>or</a:t>
-            </a:r>
-            <a:r>
-              <a:rPr lang="zh-CN" altLang="en-US" dirty="0" smtClean="0">
-                <a:latin typeface="黑体" panose="02010609060101010101" pitchFamily="49" charset="-122"/>
-                <a:ea typeface="黑体" panose="02010609060101010101" pitchFamily="49" charset="-122"/>
-              </a:rPr>
-              <a:t>垂直翻转</a:t>
-            </a:r>
-            <a:endParaRPr lang="en-US" altLang="zh-CN" dirty="0" smtClean="0">
-              <a:latin typeface="黑体" panose="02010609060101010101" pitchFamily="49" charset="-122"/>
-              <a:ea typeface="黑体" panose="02010609060101010101" pitchFamily="49" charset="-122"/>
-            </a:endParaRPr>
-          </a:p>
-          <a:p>
-            <a:r>
-              <a:rPr lang="zh-CN" altLang="en-US" dirty="0" smtClean="0">
-                <a:latin typeface="黑体" panose="02010609060101010101" pitchFamily="49" charset="-122"/>
-                <a:ea typeface="黑体" panose="02010609060101010101" pitchFamily="49" charset="-122"/>
-              </a:rPr>
-              <a:t>透视</a:t>
-            </a:r>
-            <a:endParaRPr lang="en-US" altLang="zh-CN" dirty="0" smtClean="0">
-              <a:latin typeface="黑体" panose="02010609060101010101" pitchFamily="49" charset="-122"/>
-              <a:ea typeface="黑体" panose="02010609060101010101" pitchFamily="49" charset="-122"/>
-            </a:endParaRPr>
-          </a:p>
-          <a:p>
-            <a:r>
-              <a:rPr lang="zh-CN" altLang="en-US" dirty="0" smtClean="0">
-                <a:latin typeface="黑体" panose="02010609060101010101" pitchFamily="49" charset="-122"/>
-                <a:ea typeface="黑体" panose="02010609060101010101" pitchFamily="49" charset="-122"/>
-              </a:rPr>
-              <a:t>裁剪</a:t>
-            </a:r>
-            <a:endParaRPr lang="en-US" altLang="zh-CN" dirty="0" smtClean="0">
-              <a:latin typeface="黑体" panose="02010609060101010101" pitchFamily="49" charset="-122"/>
-              <a:ea typeface="黑体" panose="02010609060101010101" pitchFamily="49" charset="-122"/>
-            </a:endParaRPr>
-          </a:p>
-          <a:p>
-            <a:r>
-              <a:rPr lang="zh-CN" altLang="en-US" dirty="0" smtClean="0">
-                <a:latin typeface="黑体" panose="02010609060101010101" pitchFamily="49" charset="-122"/>
-                <a:ea typeface="黑体" panose="02010609060101010101" pitchFamily="49" charset="-122"/>
-              </a:rPr>
-              <a:t>加噪声</a:t>
-            </a:r>
-            <a:endParaRPr lang="en-US" altLang="zh-CN" dirty="0" smtClean="0">
-              <a:latin typeface="黑体" panose="02010609060101010101" pitchFamily="49" charset="-122"/>
-              <a:ea typeface="黑体" panose="02010609060101010101" pitchFamily="49" charset="-122"/>
-            </a:endParaRPr>
-          </a:p>
-          <a:p>
-            <a:r>
-              <a:rPr lang="zh-CN" altLang="en-US" dirty="0" smtClean="0">
-                <a:latin typeface="黑体" panose="02010609060101010101" pitchFamily="49" charset="-122"/>
-                <a:ea typeface="黑体" panose="02010609060101010101" pitchFamily="49" charset="-122"/>
-              </a:rPr>
-              <a:t>（模糊处理）</a:t>
-            </a:r>
-            <a:endParaRPr lang="en-US" altLang="zh-CN" dirty="0" smtClean="0">
-              <a:latin typeface="黑体" panose="02010609060101010101" pitchFamily="49" charset="-122"/>
-              <a:ea typeface="黑体" panose="02010609060101010101" pitchFamily="49" charset="-122"/>
-            </a:endParaRPr>
-          </a:p>
-          <a:p>
-            <a:r>
-              <a:rPr lang="zh-CN" altLang="en-US" dirty="0" smtClean="0">
-                <a:latin typeface="黑体" panose="02010609060101010101" pitchFamily="49" charset="-122"/>
-                <a:ea typeface="黑体" panose="02010609060101010101" pitchFamily="49" charset="-122"/>
-              </a:rPr>
-              <a:t>（对比度，亮度）</a:t>
-            </a:r>
-            <a:endParaRPr lang="en-US" altLang="zh-CN" dirty="0">
-              <a:latin typeface="黑体" panose="02010609060101010101" pitchFamily="49" charset="-122"/>
-              <a:ea typeface="黑体" panose="02010609060101010101" pitchFamily="49" charset="-122"/>
-            </a:endParaRPr>
-          </a:p>
-          <a:p>
-            <a:endParaRPr lang="en-US" altLang="zh-CN" dirty="0" smtClean="0"/>
-          </a:p>
-        </p:txBody>
-      </p:sp>
-      <p:sp>
-        <p:nvSpPr>
-          <p:cNvPr id="4" name="灯片编号占位符 3"/>
-          <p:cNvSpPr>
-            <a:spLocks noGrp="1"/>
-          </p:cNvSpPr>
-          <p:nvPr>
-            <p:ph type="sldNum" sz="quarter" idx="10"/>
-          </p:nvPr>
-        </p:nvSpPr>
-        <p:spPr/>
-        <p:txBody>
-          <a:bodyPr/>
-          <a:lstStyle/>
-          <a:p>
-            <a:pPr>
-              <a:defRPr/>
-            </a:pPr>
-            <a:fld id="{D73D5A0A-93B7-40E2-92BB-DEE0CCFB9337}" type="slidenum">
-              <a:rPr lang="en-US" altLang="ja-JP" smtClean="0"/>
-              <a:t>13</a:t>
-            </a:fld>
-            <a:endParaRPr lang="en-US" altLang="ja-JP"/>
-          </a:p>
-        </p:txBody>
-      </p:sp>
-      <p:pic>
-        <p:nvPicPr>
-          <p:cNvPr id="7" name="图片 6"/>
-          <p:cNvPicPr>
-            <a:picLocks noChangeAspect="1"/>
-          </p:cNvPicPr>
-          <p:nvPr/>
-        </p:nvPicPr>
-        <p:blipFill>
-          <a:blip r:embed="rId2">
-            <a:extLst>
-              <a:ext uri="{28A0092B-C50C-407E-A947-70E740481C1C}">
-                <a14:useLocalDpi xmlns:a14="http://schemas.microsoft.com/office/drawing/2010/main" val="0"/>
-              </a:ext>
-            </a:extLst>
-          </a:blip>
-          <a:stretch>
-            <a:fillRect/>
-          </a:stretch>
-        </p:blipFill>
-        <p:spPr>
-          <a:xfrm>
-            <a:off x="5868144" y="1296646"/>
-            <a:ext cx="2736304" cy="2736304"/>
-          </a:xfrm>
-          <a:prstGeom prst="rect">
-            <a:avLst/>
-          </a:prstGeom>
-        </p:spPr>
-      </p:pic>
       <p:sp>
         <p:nvSpPr>
           <p:cNvPr id="8" name="矩形 7"/>
@@ -16444,7 +16308,7 @@
           <p:nvPr/>
         </p:nvPicPr>
         <p:blipFill>
-          <a:blip r:embed="rId3">
+          <a:blip r:embed="rId2">
             <a:extLst>
               <a:ext uri="{28A0092B-C50C-407E-A947-70E740481C1C}">
                 <a14:useLocalDpi xmlns:a14="http://schemas.microsoft.com/office/drawing/2010/main" val="0"/>
@@ -16457,8 +16321,8 @@
         </p:blipFill>
         <p:spPr>
           <a:xfrm>
-            <a:off x="3163808" y="1329468"/>
-            <a:ext cx="2701280" cy="2701280"/>
+            <a:off x="4067944" y="1395769"/>
+            <a:ext cx="3052118" cy="3052118"/>
           </a:xfrm>
           <a:prstGeom prst="rect">
             <a:avLst/>
@@ -16475,17 +16339,10 @@
   <p:clrMapOvr>
     <a:masterClrMapping/>
   </p:clrMapOvr>
-  <p:timing>
-    <p:tnLst>
-      <p:par>
-        <p:cTn id="1" dur="indefinite" restart="never" nodeType="tmRoot"/>
-      </p:par>
-    </p:tnLst>
-  </p:timing>
 </p:sld>
 </file>
 
-<file path=ppt/slides/slide14.xml><?xml version="1.0" encoding="utf-8"?>
+<file path=ppt/slides/slide13.xml><?xml version="1.0" encoding="utf-8"?>
 <p:sld xmlns:a="http://schemas.openxmlformats.org/drawingml/2006/main" xmlns:r="http://schemas.openxmlformats.org/officeDocument/2006/relationships" xmlns:p="http://schemas.openxmlformats.org/presentationml/2006/main">
   <p:cSld>
     <p:spTree>
@@ -16518,18 +16375,17 @@
           <a:lstStyle/>
           <a:p>
             <a:r>
-              <a:rPr lang="zh-CN" altLang="en-US" b="1" dirty="0" smtClean="0"/>
+              <a:rPr lang="zh-CN" altLang="en-US" b="1" dirty="0"/>
               <a:t>学习实践 </a:t>
             </a:r>
             <a:r>
-              <a:rPr lang="en-US" altLang="zh-CN" b="1" dirty="0" smtClean="0"/>
+              <a:rPr lang="en-US" altLang="zh-CN" b="1" dirty="0"/>
               <a:t>– </a:t>
             </a:r>
             <a:r>
-              <a:rPr lang="zh-CN" altLang="en-US" b="1" dirty="0" smtClean="0"/>
+              <a:rPr lang="zh-CN" altLang="en-US" b="1" dirty="0"/>
               <a:t>小目标检测</a:t>
             </a:r>
-            <a:endParaRPr lang="zh-CN" altLang="en-US" b="1" dirty="0"/>
           </a:p>
         </p:txBody>
       </p:sp>
@@ -16554,37 +16410,32 @@
           <a:lstStyle/>
           <a:p>
             <a:r>
-              <a:rPr lang="zh-CN" altLang="en-US" dirty="0" smtClean="0"/>
+              <a:rPr lang="zh-CN" altLang="en-US" dirty="0"/>
               <a:t>四色三角形碎片</a:t>
             </a:r>
-            <a:endParaRPr lang="en-US" altLang="zh-CN" dirty="0" smtClean="0"/>
+            <a:endParaRPr lang="en-US" altLang="zh-CN" dirty="0"/>
           </a:p>
           <a:p>
             <a:r>
               <a:rPr lang="zh-CN" altLang="en-US" dirty="0"/>
-              <a:t>数据</a:t>
+              <a:t>数据集</a:t>
             </a:r>
             <a:r>
-              <a:rPr lang="zh-CN" altLang="en-US" dirty="0" smtClean="0"/>
-              <a:t>集</a:t>
-            </a:r>
-            <a:r>
-              <a:rPr lang="en-US" altLang="zh-CN" dirty="0" smtClean="0"/>
+              <a:rPr lang="en-US" altLang="zh-CN" dirty="0"/>
               <a:t>19</a:t>
             </a:r>
             <a:r>
-              <a:rPr lang="zh-CN" altLang="en-US" dirty="0" smtClean="0"/>
+              <a:rPr lang="zh-CN" altLang="en-US" dirty="0"/>
               <a:t>（增广</a:t>
             </a:r>
             <a:r>
-              <a:rPr lang="en-US" altLang="zh-CN" dirty="0" smtClean="0"/>
+              <a:rPr lang="en-US" altLang="zh-CN" dirty="0"/>
               <a:t>238</a:t>
             </a:r>
             <a:r>
-              <a:rPr lang="zh-CN" altLang="en-US" dirty="0" smtClean="0"/>
+              <a:rPr lang="zh-CN" altLang="en-US" dirty="0"/>
               <a:t>）张</a:t>
             </a:r>
-            <a:endParaRPr lang="zh-CN" altLang="en-US" dirty="0"/>
           </a:p>
         </p:txBody>
       </p:sp>
@@ -16608,7 +16459,7 @@
             </a:pPr>
             <a:fld id="{D73D5A0A-93B7-40E2-92BB-DEE0CCFB9337}" type="slidenum">
               <a:rPr lang="en-US" altLang="ja-JP" smtClean="0"/>
-              <a:t>14</a:t>
+              <a:t>13</a:t>
             </a:fld>
             <a:endParaRPr lang="en-US" altLang="ja-JP"/>
           </a:p>
@@ -16684,13 +16535,124 @@
   <p:clrMapOvr>
     <a:masterClrMapping/>
   </p:clrMapOvr>
-  <p:timing>
-    <p:tnLst>
-      <p:par>
-        <p:cTn id="1" dur="indefinite" restart="never" nodeType="tmRoot"/>
-      </p:par>
-    </p:tnLst>
-  </p:timing>
+</p:sld>
+</file>
+
+<file path=ppt/slides/slide14.xml><?xml version="1.0" encoding="utf-8"?>
+<p:sld xmlns:a="http://schemas.openxmlformats.org/drawingml/2006/main" xmlns:r="http://schemas.openxmlformats.org/officeDocument/2006/relationships" xmlns:p="http://schemas.openxmlformats.org/presentationml/2006/main">
+  <p:cSld>
+    <p:spTree>
+      <p:nvGrpSpPr>
+        <p:cNvPr id="1" name=""/>
+        <p:cNvGrpSpPr/>
+        <p:nvPr/>
+      </p:nvGrpSpPr>
+      <p:grpSpPr>
+        <a:xfrm>
+          <a:off x="0" y="0"/>
+          <a:ext cx="0" cy="0"/>
+          <a:chOff x="0" y="0"/>
+          <a:chExt cx="0" cy="0"/>
+        </a:xfrm>
+      </p:grpSpPr>
+      <p:sp>
+        <p:nvSpPr>
+          <p:cNvPr id="2" name="标题 1"/>
+          <p:cNvSpPr>
+            <a:spLocks noGrp="1"/>
+          </p:cNvSpPr>
+          <p:nvPr>
+            <p:ph type="title"/>
+          </p:nvPr>
+        </p:nvSpPr>
+        <p:spPr/>
+        <p:txBody>
+          <a:bodyPr/>
+          <a:lstStyle/>
+          <a:p>
+            <a:r>
+              <a:rPr lang="zh-CN" altLang="en-US" b="1" dirty="0"/>
+              <a:t>学习实践 </a:t>
+            </a:r>
+            <a:r>
+              <a:rPr lang="en-US" altLang="zh-CN" b="1" dirty="0"/>
+              <a:t>–</a:t>
+            </a:r>
+            <a:r>
+              <a:rPr lang="zh-CN" altLang="en-US" b="1" dirty="0"/>
+              <a:t>小目标检测</a:t>
+            </a:r>
+            <a:r>
+              <a:rPr lang="en-US" altLang="zh-CN" b="1" dirty="0"/>
+              <a:t>-Flask</a:t>
+            </a:r>
+            <a:r>
+              <a:rPr lang="zh-CN" altLang="en-US" b="1" dirty="0"/>
+              <a:t>部署</a:t>
+            </a:r>
+          </a:p>
+        </p:txBody>
+      </p:sp>
+      <p:sp>
+        <p:nvSpPr>
+          <p:cNvPr id="3" name="内容占位符 2"/>
+          <p:cNvSpPr>
+            <a:spLocks noGrp="1"/>
+          </p:cNvSpPr>
+          <p:nvPr>
+            <p:ph idx="1"/>
+          </p:nvPr>
+        </p:nvSpPr>
+        <p:spPr>
+          <a:xfrm>
+            <a:off x="251520" y="771550"/>
+            <a:ext cx="7886700" cy="3264074"/>
+          </a:xfrm>
+        </p:spPr>
+        <p:txBody>
+          <a:bodyPr/>
+          <a:lstStyle/>
+          <a:p>
+            <a:endParaRPr lang="zh-CN" altLang="en-US" dirty="0"/>
+          </a:p>
+        </p:txBody>
+      </p:sp>
+      <p:sp>
+        <p:nvSpPr>
+          <p:cNvPr id="4" name="灯片编号占位符 3"/>
+          <p:cNvSpPr>
+            <a:spLocks noGrp="1"/>
+          </p:cNvSpPr>
+          <p:nvPr>
+            <p:ph type="sldNum" sz="quarter" idx="10"/>
+          </p:nvPr>
+        </p:nvSpPr>
+        <p:spPr/>
+        <p:txBody>
+          <a:bodyPr/>
+          <a:lstStyle/>
+          <a:p>
+            <a:pPr>
+              <a:defRPr/>
+            </a:pPr>
+            <a:fld id="{D73D5A0A-93B7-40E2-92BB-DEE0CCFB9337}" type="slidenum">
+              <a:rPr lang="en-US" altLang="ja-JP" smtClean="0"/>
+              <a:t>14</a:t>
+            </a:fld>
+            <a:endParaRPr lang="en-US" altLang="ja-JP"/>
+          </a:p>
+        </p:txBody>
+      </p:sp>
+    </p:spTree>
+    <p:extLst>
+      <p:ext uri="{BB962C8B-B14F-4D97-AF65-F5344CB8AC3E}">
+        <p14:creationId xmlns:p14="http://schemas.microsoft.com/office/powerpoint/2010/main" val="2103883724"/>
+      </p:ext>
+    </p:extLst>
+  </p:cSld>
+  <p:clrMapOvr>
+    <a:masterClrMapping/>
+  </p:clrMapOvr>
 </p:sld>
 </file>
 
@@ -16727,18 +16689,17 @@
           <a:lstStyle/>
           <a:p>
             <a:r>
-              <a:rPr lang="zh-CN" altLang="en-US" b="1" dirty="0" smtClean="0"/>
+              <a:rPr lang="zh-CN" altLang="en-US" b="1" dirty="0"/>
               <a:t>学习实践 </a:t>
             </a:r>
             <a:r>
-              <a:rPr lang="en-US" altLang="zh-CN" b="1" dirty="0" smtClean="0"/>
+              <a:rPr lang="en-US" altLang="zh-CN" b="1" dirty="0"/>
               <a:t>– </a:t>
             </a:r>
             <a:r>
-              <a:rPr lang="zh-CN" altLang="en-US" b="1" dirty="0" smtClean="0"/>
+              <a:rPr lang="zh-CN" altLang="en-US" b="1" dirty="0"/>
               <a:t>小目标检测</a:t>
             </a:r>
-            <a:endParaRPr lang="zh-CN" altLang="en-US" b="1" dirty="0"/>
           </a:p>
         </p:txBody>
       </p:sp>
@@ -16767,22 +16728,23 @@
                 <a:latin typeface="黑体" panose="02010609060101010101" pitchFamily="49" charset="-122"/>
                 <a:ea typeface="黑体" panose="02010609060101010101" pitchFamily="49" charset="-122"/>
               </a:rPr>
-              <a:t>批量</a:t>
+              <a:t>批量处理（</a:t>
             </a:r>
             <a:r>
-              <a:rPr lang="zh-CN" altLang="en-US" dirty="0" smtClean="0">
+              <a:rPr lang="en-US" altLang="zh-CN" dirty="0">
                 <a:latin typeface="黑体" panose="02010609060101010101" pitchFamily="49" charset="-122"/>
                 <a:ea typeface="黑体" panose="02010609060101010101" pitchFamily="49" charset="-122"/>
               </a:rPr>
-              <a:t>处理</a:t>
+              <a:t>inference</a:t>
             </a:r>
-            <a:endParaRPr lang="en-US" altLang="zh-CN" dirty="0" smtClean="0">
-              <a:latin typeface="黑体" panose="02010609060101010101" pitchFamily="49" charset="-122"/>
-              <a:ea typeface="黑体" panose="02010609060101010101" pitchFamily="49" charset="-122"/>
-            </a:endParaRPr>
-          </a:p>
-          <a:p>
-            <a:endParaRPr lang="en-US" altLang="zh-CN" dirty="0" smtClean="0">
+            <a:r>
+              <a:rPr lang="zh-CN" altLang="en-US" dirty="0">
+                <a:latin typeface="黑体" panose="02010609060101010101" pitchFamily="49" charset="-122"/>
+                <a:ea typeface="黑体" panose="02010609060101010101" pitchFamily="49" charset="-122"/>
+              </a:rPr>
+              <a:t>）</a:t>
+            </a:r>
+            <a:endParaRPr lang="en-US" altLang="zh-CN" dirty="0">
               <a:latin typeface="黑体" panose="02010609060101010101" pitchFamily="49" charset="-122"/>
               <a:ea typeface="黑体" panose="02010609060101010101" pitchFamily="49" charset="-122"/>
             </a:endParaRPr>
@@ -16796,31 +16758,24 @@
                 <a:latin typeface="黑体" panose="02010609060101010101" pitchFamily="49" charset="-122"/>
                 <a:ea typeface="黑体" panose="02010609060101010101" pitchFamily="49" charset="-122"/>
               </a:rPr>
-              <a:t>单</a:t>
+              <a:t>单张</a:t>
             </a:r>
             <a:r>
-              <a:rPr lang="zh-CN" altLang="en-US" dirty="0" smtClean="0">
-                <a:latin typeface="黑体" panose="02010609060101010101" pitchFamily="49" charset="-122"/>
-                <a:ea typeface="黑体" panose="02010609060101010101" pitchFamily="49" charset="-122"/>
-              </a:rPr>
-              <a:t>张</a:t>
-            </a:r>
-            <a:r>
-              <a:rPr lang="en-US" altLang="zh-CN" dirty="0" smtClean="0">
+              <a:rPr lang="en-US" altLang="zh-CN" dirty="0">
                 <a:latin typeface="黑体" panose="02010609060101010101" pitchFamily="49" charset="-122"/>
                 <a:ea typeface="黑体" panose="02010609060101010101" pitchFamily="49" charset="-122"/>
               </a:rPr>
               <a:t>GPU </a:t>
             </a:r>
             <a:r>
-              <a:rPr lang="zh-CN" altLang="en-US" dirty="0" smtClean="0">
+              <a:rPr lang="zh-CN" altLang="en-US" dirty="0">
                 <a:latin typeface="黑体" panose="02010609060101010101" pitchFamily="49" charset="-122"/>
                 <a:ea typeface="黑体" panose="02010609060101010101" pitchFamily="49" charset="-122"/>
               </a:rPr>
               <a:t>耗时： </a:t>
             </a:r>
             <a:r>
-              <a:rPr lang="en-US" altLang="zh-CN" dirty="0" smtClean="0">
+              <a:rPr lang="en-US" altLang="zh-CN" dirty="0">
                 <a:latin typeface="黑体" panose="02010609060101010101" pitchFamily="49" charset="-122"/>
                 <a:ea typeface="黑体" panose="02010609060101010101" pitchFamily="49" charset="-122"/>
               </a:rPr>
@@ -16832,21 +16787,21 @@
               <a:buNone/>
             </a:pPr>
             <a:r>
-              <a:rPr lang="en-US" altLang="zh-CN" dirty="0" smtClean="0">
+              <a:rPr lang="en-US" altLang="zh-CN" dirty="0">
                 <a:latin typeface="黑体" panose="02010609060101010101" pitchFamily="49" charset="-122"/>
                 <a:ea typeface="黑体" panose="02010609060101010101" pitchFamily="49" charset="-122"/>
               </a:rPr>
               <a:t>CPU</a:t>
             </a:r>
             <a:r>
-              <a:rPr lang="zh-CN" altLang="en-US" dirty="0" smtClean="0">
+              <a:rPr lang="zh-CN" altLang="en-US" dirty="0">
                 <a:latin typeface="黑体" panose="02010609060101010101" pitchFamily="49" charset="-122"/>
                 <a:ea typeface="黑体" panose="02010609060101010101" pitchFamily="49" charset="-122"/>
               </a:rPr>
               <a:t>耗时</a:t>
             </a:r>
             <a:r>
-              <a:rPr lang="en-US" altLang="zh-CN" dirty="0" smtClean="0">
+              <a:rPr lang="en-US" altLang="zh-CN" dirty="0">
                 <a:latin typeface="黑体" panose="02010609060101010101" pitchFamily="49" charset="-122"/>
                 <a:ea typeface="黑体" panose="02010609060101010101" pitchFamily="49" charset="-122"/>
               </a:rPr>
@@ -16857,34 +16812,34 @@
             <a:pPr marL="0" indent="0">
               <a:buNone/>
             </a:pPr>
-            <a:endParaRPr lang="en-US" altLang="zh-CN" dirty="0" smtClean="0">
+            <a:endParaRPr lang="en-US" altLang="zh-CN" dirty="0">
               <a:latin typeface="黑体" panose="02010609060101010101" pitchFamily="49" charset="-122"/>
               <a:ea typeface="黑体" panose="02010609060101010101" pitchFamily="49" charset="-122"/>
             </a:endParaRPr>
           </a:p>
           <a:p>
             <a:r>
-              <a:rPr lang="zh-CN" altLang="en-US" dirty="0" smtClean="0">
+              <a:rPr lang="zh-CN" altLang="en-US" dirty="0">
                 <a:latin typeface="黑体" panose="02010609060101010101" pitchFamily="49" charset="-122"/>
                 <a:ea typeface="黑体" panose="02010609060101010101" pitchFamily="49" charset="-122"/>
               </a:rPr>
               <a:t>单张于</a:t>
             </a:r>
             <a:r>
-              <a:rPr lang="en-US" altLang="zh-CN" dirty="0" smtClean="0">
+              <a:rPr lang="en-US" altLang="zh-CN" dirty="0">
                 <a:latin typeface="黑体" panose="02010609060101010101" pitchFamily="49" charset="-122"/>
                 <a:ea typeface="黑体" panose="02010609060101010101" pitchFamily="49" charset="-122"/>
               </a:rPr>
               <a:t>FLASK</a:t>
             </a:r>
             <a:r>
-              <a:rPr lang="zh-CN" altLang="en-US" dirty="0" smtClean="0">
+              <a:rPr lang="zh-CN" altLang="en-US" dirty="0">
                 <a:latin typeface="黑体" panose="02010609060101010101" pitchFamily="49" charset="-122"/>
                 <a:ea typeface="黑体" panose="02010609060101010101" pitchFamily="49" charset="-122"/>
               </a:rPr>
               <a:t>处理</a:t>
             </a:r>
-            <a:endParaRPr lang="en-US" altLang="zh-CN" dirty="0" smtClean="0">
+            <a:endParaRPr lang="en-US" altLang="zh-CN" dirty="0">
               <a:latin typeface="黑体" panose="02010609060101010101" pitchFamily="49" charset="-122"/>
               <a:ea typeface="黑体" panose="02010609060101010101" pitchFamily="49" charset="-122"/>
             </a:endParaRPr>
@@ -16894,21 +16849,21 @@
               <a:buNone/>
             </a:pPr>
             <a:r>
-              <a:rPr lang="en-US" altLang="zh-CN" dirty="0" smtClean="0">
+              <a:rPr lang="en-US" altLang="zh-CN" dirty="0">
                 <a:latin typeface="黑体" panose="02010609060101010101" pitchFamily="49" charset="-122"/>
                 <a:ea typeface="黑体" panose="02010609060101010101" pitchFamily="49" charset="-122"/>
               </a:rPr>
               <a:t>CPU</a:t>
             </a:r>
             <a:r>
-              <a:rPr lang="zh-CN" altLang="en-US" dirty="0" smtClean="0">
+              <a:rPr lang="zh-CN" altLang="en-US" dirty="0">
                 <a:latin typeface="黑体" panose="02010609060101010101" pitchFamily="49" charset="-122"/>
                 <a:ea typeface="黑体" panose="02010609060101010101" pitchFamily="49" charset="-122"/>
               </a:rPr>
               <a:t>耗时：</a:t>
             </a:r>
             <a:r>
-              <a:rPr lang="en-US" altLang="zh-CN" dirty="0" smtClean="0">
+              <a:rPr lang="en-US" altLang="zh-CN" dirty="0">
                 <a:latin typeface="黑体" panose="02010609060101010101" pitchFamily="49" charset="-122"/>
                 <a:ea typeface="黑体" panose="02010609060101010101" pitchFamily="49" charset="-122"/>
               </a:rPr>
@@ -16957,13 +16912,6 @@
   <p:clrMapOvr>
     <a:masterClrMapping/>
   </p:clrMapOvr>
-  <p:timing>
-    <p:tnLst>
-      <p:par>
-        <p:cTn id="1" dur="indefinite" restart="never" nodeType="tmRoot"/>
-      </p:par>
-    </p:tnLst>
-  </p:timing>
 </p:sld>
 </file>
 
@@ -17000,18 +16948,17 @@
           <a:lstStyle/>
           <a:p>
             <a:r>
-              <a:rPr lang="zh-CN" altLang="en-US" b="1" dirty="0" smtClean="0"/>
+              <a:rPr lang="zh-CN" altLang="en-US" b="1" dirty="0"/>
               <a:t>学习实践 </a:t>
             </a:r>
             <a:r>
-              <a:rPr lang="en-US" altLang="zh-CN" b="1" dirty="0" smtClean="0"/>
+              <a:rPr lang="en-US" altLang="zh-CN" b="1" dirty="0"/>
               <a:t>– </a:t>
             </a:r>
             <a:r>
-              <a:rPr lang="zh-CN" altLang="en-US" b="1" dirty="0" smtClean="0"/>
+              <a:rPr lang="zh-CN" altLang="en-US" b="1" dirty="0"/>
               <a:t>小目标检测</a:t>
             </a:r>
-            <a:endParaRPr lang="zh-CN" altLang="en-US" b="1" dirty="0"/>
           </a:p>
         </p:txBody>
       </p:sp>
@@ -17036,37 +16983,26 @@
           <a:lstStyle/>
           <a:p>
             <a:r>
-              <a:rPr lang="zh-CN" altLang="en-US" dirty="0" smtClean="0">
+              <a:rPr lang="zh-CN" altLang="en-US" dirty="0">
                 <a:latin typeface="黑体" panose="02010609060101010101" pitchFamily="49" charset="-122"/>
                 <a:ea typeface="黑体" panose="02010609060101010101" pitchFamily="49" charset="-122"/>
               </a:rPr>
-              <a:t>模型</a:t>
+              <a:t>模型应用</a:t>
             </a:r>
             <a:r>
-              <a:rPr lang="zh-CN" altLang="en-US" dirty="0" smtClean="0">
-                <a:latin typeface="黑体" panose="02010609060101010101" pitchFamily="49" charset="-122"/>
-                <a:ea typeface="黑体" panose="02010609060101010101" pitchFamily="49" charset="-122"/>
-              </a:rPr>
-              <a:t>应用</a:t>
-            </a:r>
-            <a:r>
-              <a:rPr lang="en-US" altLang="zh-CN" dirty="0" smtClean="0">
+              <a:rPr lang="en-US" altLang="zh-CN" dirty="0">
                 <a:latin typeface="黑体" panose="02010609060101010101" pitchFamily="49" charset="-122"/>
                 <a:ea typeface="黑体" panose="02010609060101010101" pitchFamily="49" charset="-122"/>
               </a:rPr>
               <a:t>1</a:t>
             </a:r>
             <a:r>
-              <a:rPr lang="zh-CN" altLang="en-US" dirty="0" smtClean="0">
+              <a:rPr lang="zh-CN" altLang="en-US" dirty="0">
                 <a:latin typeface="黑体" panose="02010609060101010101" pitchFamily="49" charset="-122"/>
                 <a:ea typeface="黑体" panose="02010609060101010101" pitchFamily="49" charset="-122"/>
               </a:rPr>
               <a:t>：交换机 灯泡检测</a:t>
             </a:r>
-            <a:endParaRPr lang="zh-CN" altLang="en-US" dirty="0">
-              <a:latin typeface="黑体" panose="02010609060101010101" pitchFamily="49" charset="-122"/>
-              <a:ea typeface="黑体" panose="02010609060101010101" pitchFamily="49" charset="-122"/>
-            </a:endParaRPr>
           </a:p>
         </p:txBody>
       </p:sp>
@@ -17166,13 +17102,6 @@
   <p:clrMapOvr>
     <a:masterClrMapping/>
   </p:clrMapOvr>
-  <p:timing>
-    <p:tnLst>
-      <p:par>
-        <p:cTn id="1" dur="indefinite" restart="never" nodeType="tmRoot"/>
-      </p:par>
-    </p:tnLst>
-  </p:timing>
 </p:sld>
 </file>
 
@@ -17209,22 +17138,17 @@
           <a:lstStyle/>
           <a:p>
             <a:r>
-              <a:rPr lang="zh-CN" altLang="en-US" b="1" dirty="0" smtClean="0"/>
+              <a:rPr lang="zh-CN" altLang="en-US" b="1" dirty="0"/>
               <a:t>学习实践 </a:t>
             </a:r>
             <a:r>
-              <a:rPr lang="en-US" altLang="zh-CN" b="1" dirty="0" smtClean="0"/>
+              <a:rPr lang="en-US" altLang="zh-CN" b="1" dirty="0"/>
               <a:t>– </a:t>
             </a:r>
             <a:r>
-              <a:rPr lang="zh-CN" altLang="en-US" b="1" dirty="0" smtClean="0"/>
-              <a:t>小目标</a:t>
+              <a:rPr lang="zh-CN" altLang="en-US" b="1" dirty="0"/>
+              <a:t>小目标检测</a:t>
             </a:r>
-            <a:r>
-              <a:rPr lang="zh-CN" altLang="en-US" b="1" dirty="0" smtClean="0"/>
-              <a:t>检测</a:t>
-            </a:r>
-            <a:endParaRPr lang="zh-CN" altLang="en-US" b="1" dirty="0"/>
           </a:p>
         </p:txBody>
       </p:sp>
@@ -17249,11 +17173,11 @@
           <a:lstStyle/>
           <a:p>
             <a:r>
-              <a:rPr lang="zh-CN" altLang="en-US" dirty="0" smtClean="0"/>
+              <a:rPr lang="zh-CN" altLang="en-US" dirty="0"/>
               <a:t>模型应用</a:t>
             </a:r>
             <a:r>
-              <a:rPr lang="en-US" altLang="zh-CN" dirty="0" smtClean="0"/>
+              <a:rPr lang="en-US" altLang="zh-CN" dirty="0"/>
               <a:t>2</a:t>
             </a:r>
             <a:endParaRPr lang="zh-CN" altLang="en-US" dirty="0"/>
@@ -17380,13 +17304,6 @@
   <p:clrMapOvr>
     <a:masterClrMapping/>
   </p:clrMapOvr>
-  <p:timing>
-    <p:tnLst>
-      <p:par>
-        <p:cTn id="1" dur="indefinite" restart="never" nodeType="tmRoot"/>
-      </p:par>
-    </p:tnLst>
-  </p:timing>
 </p:sld>
 </file>
 
@@ -17422,7 +17339,10 @@
           <a:bodyPr/>
           <a:lstStyle/>
           <a:p>
-            <a:endParaRPr lang="zh-CN" altLang="en-US"/>
+            <a:r>
+              <a:rPr lang="zh-CN" altLang="en-US" b="1" dirty="0"/>
+              <a:t>感想收获</a:t>
+            </a:r>
           </a:p>
         </p:txBody>
       </p:sp>
@@ -17436,12 +17356,82 @@
             <p:ph idx="1"/>
           </p:nvPr>
         </p:nvSpPr>
-        <p:spPr/>
+        <p:spPr>
+          <a:xfrm>
+            <a:off x="251520" y="843558"/>
+            <a:ext cx="7886700" cy="3264074"/>
+          </a:xfrm>
+        </p:spPr>
         <p:txBody>
           <a:bodyPr/>
           <a:lstStyle/>
           <a:p>
-            <a:endParaRPr lang="zh-CN" altLang="en-US"/>
+            <a:pPr>
+              <a:lnSpc>
+                <a:spcPct val="200000"/>
+              </a:lnSpc>
+            </a:pPr>
+            <a:r>
+              <a:rPr lang="zh-CN" altLang="en-US" dirty="0">
+                <a:latin typeface="黑体" panose="02010609060101010101" pitchFamily="49" charset="-122"/>
+                <a:ea typeface="黑体" panose="02010609060101010101" pitchFamily="49" charset="-122"/>
+              </a:rPr>
+              <a:t>感恩之心</a:t>
+            </a:r>
+            <a:endParaRPr lang="en-US" altLang="zh-CN" dirty="0">
+              <a:latin typeface="黑体" panose="02010609060101010101" pitchFamily="49" charset="-122"/>
+              <a:ea typeface="黑体" panose="02010609060101010101" pitchFamily="49" charset="-122"/>
+            </a:endParaRPr>
+          </a:p>
+          <a:p>
+            <a:pPr>
+              <a:lnSpc>
+                <a:spcPct val="200000"/>
+              </a:lnSpc>
+            </a:pPr>
+            <a:r>
+              <a:rPr lang="zh-CN" altLang="en-US" dirty="0">
+                <a:latin typeface="黑体" panose="02010609060101010101" pitchFamily="49" charset="-122"/>
+                <a:ea typeface="黑体" panose="02010609060101010101" pitchFamily="49" charset="-122"/>
+              </a:rPr>
+              <a:t>以实际应用为目的</a:t>
+            </a:r>
+            <a:endParaRPr lang="en-US" altLang="zh-CN" dirty="0">
+              <a:latin typeface="黑体" panose="02010609060101010101" pitchFamily="49" charset="-122"/>
+              <a:ea typeface="黑体" panose="02010609060101010101" pitchFamily="49" charset="-122"/>
+            </a:endParaRPr>
+          </a:p>
+          <a:p>
+            <a:pPr>
+              <a:lnSpc>
+                <a:spcPct val="200000"/>
+              </a:lnSpc>
+            </a:pPr>
+            <a:r>
+              <a:rPr lang="zh-CN" altLang="en-US" dirty="0">
+                <a:latin typeface="黑体" panose="02010609060101010101" pitchFamily="49" charset="-122"/>
+                <a:ea typeface="黑体" panose="02010609060101010101" pitchFamily="49" charset="-122"/>
+              </a:rPr>
+              <a:t>除了深度，应注重广度</a:t>
+            </a:r>
+            <a:endParaRPr lang="en-US" altLang="zh-CN" dirty="0">
+              <a:latin typeface="黑体" panose="02010609060101010101" pitchFamily="49" charset="-122"/>
+              <a:ea typeface="黑体" panose="02010609060101010101" pitchFamily="49" charset="-122"/>
+            </a:endParaRPr>
+          </a:p>
+          <a:p>
+            <a:pPr>
+              <a:lnSpc>
+                <a:spcPct val="200000"/>
+              </a:lnSpc>
+            </a:pPr>
+            <a:r>
+              <a:rPr lang="zh-CN" altLang="en-US" dirty="0">
+                <a:latin typeface="黑体" panose="02010609060101010101" pitchFamily="49" charset="-122"/>
+                <a:ea typeface="黑体" panose="02010609060101010101" pitchFamily="49" charset="-122"/>
+              </a:rPr>
+              <a:t>未来方向</a:t>
+            </a:r>
           </a:p>
         </p:txBody>
       </p:sp>
@@ -17474,7 +17464,7 @@
     </p:spTree>
     <p:extLst>
       <p:ext uri="{BB962C8B-B14F-4D97-AF65-F5344CB8AC3E}">
-        <p14:creationId xmlns:p14="http://schemas.microsoft.com/office/powerpoint/2010/main" val="1855410604"/>
+        <p14:creationId xmlns:p14="http://schemas.microsoft.com/office/powerpoint/2010/main" val="2727646208"/>
       </p:ext>
     </p:extLst>
   </p:cSld>
@@ -17503,88 +17493,432 @@
       </p:grpSpPr>
       <p:sp>
         <p:nvSpPr>
-          <p:cNvPr id="2" name="标题 1"/>
+          <p:cNvPr id="1646594" name="Text Box 2"/>
           <p:cNvSpPr>
-            <a:spLocks noGrp="1"/>
+            <a:spLocks noChangeArrowheads="1"/>
           </p:cNvSpPr>
-          <p:nvPr>
-            <p:ph type="title"/>
-          </p:nvPr>
+          <p:nvPr/>
         </p:nvSpPr>
-        <p:spPr/>
+        <p:spPr bwMode="auto">
+          <a:xfrm>
+            <a:off x="3125853" y="2140745"/>
+            <a:ext cx="3647152" cy="507831"/>
+          </a:xfrm>
+          <a:prstGeom prst="rect">
+            <a:avLst/>
+          </a:prstGeom>
+          <a:noFill/>
+          <a:ln>
+            <a:noFill/>
+          </a:ln>
+          <a:extLst>
+            <a:ext uri="{909E8E84-426E-40DD-AFC4-6F175D3DCCD1}">
+              <a14:hiddenFill xmlns:a14="http://schemas.microsoft.com/office/drawing/2010/main">
+                <a:solidFill>
+                  <a:srgbClr val="FFFFFF"/>
+                </a:solidFill>
+              </a14:hiddenFill>
+            </a:ext>
+            <a:ext uri="{91240B29-F687-4F45-9708-019B960494DF}">
+              <a14:hiddenLine xmlns:a14="http://schemas.microsoft.com/office/drawing/2010/main" w="9525">
+                <a:solidFill>
+                  <a:srgbClr val="000000"/>
+                </a:solidFill>
+                <a:miter lim="800000"/>
+                <a:headEnd/>
+                <a:tailEnd/>
+              </a14:hiddenLine>
+            </a:ext>
+          </a:extLst>
+        </p:spPr>
         <p:txBody>
-          <a:bodyPr/>
-          <a:lstStyle/>
+          <a:bodyPr wrap="none">
+            <a:spAutoFit/>
+          </a:bodyPr>
+          <a:lstStyle>
+            <a:lvl1pPr>
+              <a:defRPr sz="1400">
+                <a:solidFill>
+                  <a:schemeClr val="tx1"/>
+                </a:solidFill>
+                <a:latin typeface="Arial" panose="020B0604020202020204" pitchFamily="34" charset="0"/>
+                <a:ea typeface="MS PGothic" panose="020B0600070205080204" pitchFamily="34" charset="-128"/>
+              </a:defRPr>
+            </a:lvl1pPr>
+            <a:lvl2pPr marL="742950" indent="-285750">
+              <a:defRPr sz="1400">
+                <a:solidFill>
+                  <a:schemeClr val="tx1"/>
+                </a:solidFill>
+                <a:latin typeface="Arial" panose="020B0604020202020204" pitchFamily="34" charset="0"/>
+                <a:ea typeface="MS PGothic" panose="020B0600070205080204" pitchFamily="34" charset="-128"/>
+              </a:defRPr>
+            </a:lvl2pPr>
+            <a:lvl3pPr marL="1143000" indent="-228600">
+              <a:defRPr sz="1400">
+                <a:solidFill>
+                  <a:schemeClr val="tx1"/>
+                </a:solidFill>
+                <a:latin typeface="Arial" panose="020B0604020202020204" pitchFamily="34" charset="0"/>
+                <a:ea typeface="MS PGothic" panose="020B0600070205080204" pitchFamily="34" charset="-128"/>
+              </a:defRPr>
+            </a:lvl3pPr>
+            <a:lvl4pPr marL="1600200" indent="-228600">
+              <a:defRPr sz="1400">
+                <a:solidFill>
+                  <a:schemeClr val="tx1"/>
+                </a:solidFill>
+                <a:latin typeface="Arial" panose="020B0604020202020204" pitchFamily="34" charset="0"/>
+                <a:ea typeface="MS PGothic" panose="020B0600070205080204" pitchFamily="34" charset="-128"/>
+              </a:defRPr>
+            </a:lvl4pPr>
+            <a:lvl5pPr marL="2057400" indent="-228600">
+              <a:defRPr sz="1400">
+                <a:solidFill>
+                  <a:schemeClr val="tx1"/>
+                </a:solidFill>
+                <a:latin typeface="Arial" panose="020B0604020202020204" pitchFamily="34" charset="0"/>
+                <a:ea typeface="MS PGothic" panose="020B0600070205080204" pitchFamily="34" charset="-128"/>
+              </a:defRPr>
+            </a:lvl5pPr>
+            <a:lvl6pPr marL="2514600" indent="-228600" eaLnBrk="0" fontAlgn="base" hangingPunct="0">
+              <a:spcBef>
+                <a:spcPct val="0"/>
+              </a:spcBef>
+              <a:spcAft>
+                <a:spcPct val="0"/>
+              </a:spcAft>
+              <a:buFont typeface="Arial" panose="020B0604020202020204" pitchFamily="34" charset="0"/>
+              <a:defRPr sz="1400">
+                <a:solidFill>
+                  <a:schemeClr val="tx1"/>
+                </a:solidFill>
+                <a:latin typeface="Arial" panose="020B0604020202020204" pitchFamily="34" charset="0"/>
+                <a:ea typeface="MS PGothic" panose="020B0600070205080204" pitchFamily="34" charset="-128"/>
+              </a:defRPr>
+            </a:lvl6pPr>
+            <a:lvl7pPr marL="2971800" indent="-228600" eaLnBrk="0" fontAlgn="base" hangingPunct="0">
+              <a:spcBef>
+                <a:spcPct val="0"/>
+              </a:spcBef>
+              <a:spcAft>
+                <a:spcPct val="0"/>
+              </a:spcAft>
+              <a:buFont typeface="Arial" panose="020B0604020202020204" pitchFamily="34" charset="0"/>
+              <a:defRPr sz="1400">
+                <a:solidFill>
+                  <a:schemeClr val="tx1"/>
+                </a:solidFill>
+                <a:latin typeface="Arial" panose="020B0604020202020204" pitchFamily="34" charset="0"/>
+                <a:ea typeface="MS PGothic" panose="020B0600070205080204" pitchFamily="34" charset="-128"/>
+              </a:defRPr>
+            </a:lvl7pPr>
+            <a:lvl8pPr marL="3429000" indent="-228600" eaLnBrk="0" fontAlgn="base" hangingPunct="0">
+              <a:spcBef>
+                <a:spcPct val="0"/>
+              </a:spcBef>
+              <a:spcAft>
+                <a:spcPct val="0"/>
+              </a:spcAft>
+              <a:buFont typeface="Arial" panose="020B0604020202020204" pitchFamily="34" charset="0"/>
+              <a:defRPr sz="1400">
+                <a:solidFill>
+                  <a:schemeClr val="tx1"/>
+                </a:solidFill>
+                <a:latin typeface="Arial" panose="020B0604020202020204" pitchFamily="34" charset="0"/>
+                <a:ea typeface="MS PGothic" panose="020B0600070205080204" pitchFamily="34" charset="-128"/>
+              </a:defRPr>
+            </a:lvl8pPr>
+            <a:lvl9pPr marL="3886200" indent="-228600" eaLnBrk="0" fontAlgn="base" hangingPunct="0">
+              <a:spcBef>
+                <a:spcPct val="0"/>
+              </a:spcBef>
+              <a:spcAft>
+                <a:spcPct val="0"/>
+              </a:spcAft>
+              <a:buFont typeface="Arial" panose="020B0604020202020204" pitchFamily="34" charset="0"/>
+              <a:defRPr sz="1400">
+                <a:solidFill>
+                  <a:schemeClr val="tx1"/>
+                </a:solidFill>
+                <a:latin typeface="Arial" panose="020B0604020202020204" pitchFamily="34" charset="0"/>
+                <a:ea typeface="MS PGothic" panose="020B0600070205080204" pitchFamily="34" charset="-128"/>
+              </a:defRPr>
+            </a:lvl9pPr>
+          </a:lstStyle>
           <a:p>
-            <a:endParaRPr lang="zh-CN" altLang="en-US"/>
+            <a:pPr algn="ctr"/>
+            <a:r>
+              <a:rPr lang="ja-JP" altLang="en-US" sz="2700" b="1">
+                <a:solidFill>
+                  <a:srgbClr val="000000"/>
+                </a:solidFill>
+                <a:latin typeface="微软雅黑" panose="020B0503020204020204" pitchFamily="34" charset="-122"/>
+                <a:ea typeface="微软雅黑" panose="020B0503020204020204" pitchFamily="34" charset="-122"/>
+                <a:sym typeface="微软雅黑" panose="020B0503020204020204" pitchFamily="34" charset="-122"/>
+              </a:rPr>
+              <a:t>ありがとうございます</a:t>
+            </a:r>
+            <a:endParaRPr lang="zh-CN" altLang="en-US" sz="2700" b="1">
+              <a:solidFill>
+                <a:srgbClr val="000000"/>
+              </a:solidFill>
+              <a:latin typeface="微软雅黑" panose="020B0503020204020204" pitchFamily="34" charset="-122"/>
+              <a:ea typeface="微软雅黑" panose="020B0503020204020204" pitchFamily="34" charset="-122"/>
+              <a:sym typeface="微软雅黑" panose="020B0503020204020204" pitchFamily="34" charset="-122"/>
+            </a:endParaRPr>
           </a:p>
         </p:txBody>
       </p:sp>
       <p:pic>
         <p:nvPicPr>
-          <p:cNvPr id="5" name="内容占位符 4"/>
+          <p:cNvPr id="1646595" name="Picture 3" descr="ILM14_AA03105"/>
           <p:cNvPicPr>
-            <a:picLocks noGrp="1" noChangeAspect="1"/>
+            <a:picLocks noChangeAspect="1" noChangeArrowheads="1"/>
           </p:cNvPicPr>
-          <p:nvPr>
-            <p:ph idx="1"/>
-          </p:nvPr>
+          <p:nvPr/>
         </p:nvPicPr>
         <p:blipFill>
-          <a:blip r:embed="rId2" cstate="print">
+          <a:blip r:embed="rId2">
             <a:extLst>
               <a:ext uri="{28A0092B-C50C-407E-A947-70E740481C1C}">
                 <a14:useLocalDpi xmlns:a14="http://schemas.microsoft.com/office/drawing/2010/main" val="0"/>
               </a:ext>
             </a:extLst>
           </a:blip>
+          <a:srcRect/>
           <a:stretch>
             <a:fillRect/>
           </a:stretch>
         </p:blipFill>
-        <p:spPr>
+        <p:spPr bwMode="auto">
           <a:xfrm>
-            <a:off x="611560" y="1063543"/>
-            <a:ext cx="4351866" cy="3263900"/>
+            <a:off x="1725216" y="1615679"/>
+            <a:ext cx="1170384" cy="1618059"/>
           </a:xfrm>
+          <a:prstGeom prst="rect">
+            <a:avLst/>
+          </a:prstGeom>
+          <a:noFill/>
+          <a:ln>
+            <a:noFill/>
+          </a:ln>
+          <a:extLst>
+            <a:ext uri="{909E8E84-426E-40DD-AFC4-6F175D3DCCD1}">
+              <a14:hiddenFill xmlns:a14="http://schemas.microsoft.com/office/drawing/2010/main">
+                <a:solidFill>
+                  <a:srgbClr val="FFFFFF"/>
+                </a:solidFill>
+              </a14:hiddenFill>
+            </a:ext>
+            <a:ext uri="{91240B29-F687-4F45-9708-019B960494DF}">
+              <a14:hiddenLine xmlns:a14="http://schemas.microsoft.com/office/drawing/2010/main" w="9525">
+                <a:solidFill>
+                  <a:srgbClr val="000000"/>
+                </a:solidFill>
+                <a:miter lim="800000"/>
+                <a:headEnd/>
+                <a:tailEnd/>
+              </a14:hiddenLine>
+            </a:ext>
+          </a:extLst>
         </p:spPr>
       </p:pic>
       <p:sp>
         <p:nvSpPr>
-          <p:cNvPr id="4" name="灯片编号占位符 3"/>
+          <p:cNvPr id="1646596" name="灯片编号占位符 3"/>
           <p:cNvSpPr>
-            <a:spLocks noGrp="1"/>
+            <a:spLocks noGrp="1" noChangeArrowheads="1"/>
           </p:cNvSpPr>
-          <p:nvPr>
-            <p:ph type="sldNum" sz="quarter" idx="10"/>
-          </p:nvPr>
+          <p:nvPr/>
         </p:nvSpPr>
-        <p:spPr/>
+        <p:spPr bwMode="auto">
+          <a:xfrm>
+            <a:off x="6267450" y="4955381"/>
+            <a:ext cx="1600200" cy="201216"/>
+          </a:xfrm>
+          <a:prstGeom prst="rect">
+            <a:avLst/>
+          </a:prstGeom>
+          <a:noFill/>
+          <a:ln>
+            <a:noFill/>
+          </a:ln>
+          <a:extLst>
+            <a:ext uri="{909E8E84-426E-40DD-AFC4-6F175D3DCCD1}">
+              <a14:hiddenFill xmlns:a14="http://schemas.microsoft.com/office/drawing/2010/main">
+                <a:solidFill>
+                  <a:srgbClr val="FFFFFF"/>
+                </a:solidFill>
+              </a14:hiddenFill>
+            </a:ext>
+            <a:ext uri="{91240B29-F687-4F45-9708-019B960494DF}">
+              <a14:hiddenLine xmlns:a14="http://schemas.microsoft.com/office/drawing/2010/main" w="9525">
+                <a:solidFill>
+                  <a:srgbClr val="000000"/>
+                </a:solidFill>
+                <a:miter lim="800000"/>
+                <a:headEnd/>
+                <a:tailEnd/>
+              </a14:hiddenLine>
+            </a:ext>
+          </a:extLst>
+        </p:spPr>
         <p:txBody>
           <a:bodyPr/>
-          <a:lstStyle/>
+          <a:lstStyle>
+            <a:lvl1pPr>
+              <a:defRPr sz="1400">
+                <a:solidFill>
+                  <a:schemeClr val="tx1"/>
+                </a:solidFill>
+                <a:latin typeface="Arial" panose="020B0604020202020204" pitchFamily="34" charset="0"/>
+                <a:ea typeface="MS PGothic" panose="020B0600070205080204" pitchFamily="34" charset="-128"/>
+              </a:defRPr>
+            </a:lvl1pPr>
+            <a:lvl2pPr marL="742950" indent="-285750">
+              <a:defRPr sz="1400">
+                <a:solidFill>
+                  <a:schemeClr val="tx1"/>
+                </a:solidFill>
+                <a:latin typeface="Arial" panose="020B0604020202020204" pitchFamily="34" charset="0"/>
+                <a:ea typeface="MS PGothic" panose="020B0600070205080204" pitchFamily="34" charset="-128"/>
+              </a:defRPr>
+            </a:lvl2pPr>
+            <a:lvl3pPr marL="1143000" indent="-228600">
+              <a:defRPr sz="1400">
+                <a:solidFill>
+                  <a:schemeClr val="tx1"/>
+                </a:solidFill>
+                <a:latin typeface="Arial" panose="020B0604020202020204" pitchFamily="34" charset="0"/>
+                <a:ea typeface="MS PGothic" panose="020B0600070205080204" pitchFamily="34" charset="-128"/>
+              </a:defRPr>
+            </a:lvl3pPr>
+            <a:lvl4pPr marL="1600200" indent="-228600">
+              <a:defRPr sz="1400">
+                <a:solidFill>
+                  <a:schemeClr val="tx1"/>
+                </a:solidFill>
+                <a:latin typeface="Arial" panose="020B0604020202020204" pitchFamily="34" charset="0"/>
+                <a:ea typeface="MS PGothic" panose="020B0600070205080204" pitchFamily="34" charset="-128"/>
+              </a:defRPr>
+            </a:lvl4pPr>
+            <a:lvl5pPr marL="2057400" indent="-228600">
+              <a:defRPr sz="1400">
+                <a:solidFill>
+                  <a:schemeClr val="tx1"/>
+                </a:solidFill>
+                <a:latin typeface="Arial" panose="020B0604020202020204" pitchFamily="34" charset="0"/>
+                <a:ea typeface="MS PGothic" panose="020B0600070205080204" pitchFamily="34" charset="-128"/>
+              </a:defRPr>
+            </a:lvl5pPr>
+            <a:lvl6pPr marL="2514600" indent="-228600" eaLnBrk="0" fontAlgn="base" hangingPunct="0">
+              <a:spcBef>
+                <a:spcPct val="0"/>
+              </a:spcBef>
+              <a:spcAft>
+                <a:spcPct val="0"/>
+              </a:spcAft>
+              <a:buFont typeface="Arial" panose="020B0604020202020204" pitchFamily="34" charset="0"/>
+              <a:defRPr sz="1400">
+                <a:solidFill>
+                  <a:schemeClr val="tx1"/>
+                </a:solidFill>
+                <a:latin typeface="Arial" panose="020B0604020202020204" pitchFamily="34" charset="0"/>
+                <a:ea typeface="MS PGothic" panose="020B0600070205080204" pitchFamily="34" charset="-128"/>
+              </a:defRPr>
+            </a:lvl6pPr>
+            <a:lvl7pPr marL="2971800" indent="-228600" eaLnBrk="0" fontAlgn="base" hangingPunct="0">
+              <a:spcBef>
+                <a:spcPct val="0"/>
+              </a:spcBef>
+              <a:spcAft>
+                <a:spcPct val="0"/>
+              </a:spcAft>
+              <a:buFont typeface="Arial" panose="020B0604020202020204" pitchFamily="34" charset="0"/>
+              <a:defRPr sz="1400">
+                <a:solidFill>
+                  <a:schemeClr val="tx1"/>
+                </a:solidFill>
+                <a:latin typeface="Arial" panose="020B0604020202020204" pitchFamily="34" charset="0"/>
+                <a:ea typeface="MS PGothic" panose="020B0600070205080204" pitchFamily="34" charset="-128"/>
+              </a:defRPr>
+            </a:lvl7pPr>
+            <a:lvl8pPr marL="3429000" indent="-228600" eaLnBrk="0" fontAlgn="base" hangingPunct="0">
+              <a:spcBef>
+                <a:spcPct val="0"/>
+              </a:spcBef>
+              <a:spcAft>
+                <a:spcPct val="0"/>
+              </a:spcAft>
+              <a:buFont typeface="Arial" panose="020B0604020202020204" pitchFamily="34" charset="0"/>
+              <a:defRPr sz="1400">
+                <a:solidFill>
+                  <a:schemeClr val="tx1"/>
+                </a:solidFill>
+                <a:latin typeface="Arial" panose="020B0604020202020204" pitchFamily="34" charset="0"/>
+                <a:ea typeface="MS PGothic" panose="020B0600070205080204" pitchFamily="34" charset="-128"/>
+              </a:defRPr>
+            </a:lvl8pPr>
+            <a:lvl9pPr marL="3886200" indent="-228600" eaLnBrk="0" fontAlgn="base" hangingPunct="0">
+              <a:spcBef>
+                <a:spcPct val="0"/>
+              </a:spcBef>
+              <a:spcAft>
+                <a:spcPct val="0"/>
+              </a:spcAft>
+              <a:buFont typeface="Arial" panose="020B0604020202020204" pitchFamily="34" charset="0"/>
+              <a:defRPr sz="1400">
+                <a:solidFill>
+                  <a:schemeClr val="tx1"/>
+                </a:solidFill>
+                <a:latin typeface="Arial" panose="020B0604020202020204" pitchFamily="34" charset="0"/>
+                <a:ea typeface="MS PGothic" panose="020B0600070205080204" pitchFamily="34" charset="-128"/>
+              </a:defRPr>
+            </a:lvl9pPr>
+          </a:lstStyle>
           <a:p>
-            <a:pPr>
-              <a:defRPr/>
-            </a:pPr>
-            <a:fld id="{D73D5A0A-93B7-40E2-92BB-DEE0CCFB9337}" type="slidenum">
-              <a:rPr lang="en-US" altLang="ja-JP" smtClean="0"/>
+            <a:pPr algn="r"/>
+            <a:fld id="{ABBE0C4B-3053-486A-A830-895D10167294}" type="slidenum">
+              <a:rPr lang="ja-JP" altLang="en-US" sz="750">
+                <a:solidFill>
+                  <a:srgbClr val="000000"/>
+                </a:solidFill>
+                <a:latin typeface="微软雅黑" panose="020B0503020204020204" pitchFamily="34" charset="-122"/>
+                <a:ea typeface="微软雅黑" panose="020B0503020204020204" pitchFamily="34" charset="-122"/>
+                <a:sym typeface="微软雅黑" panose="020B0503020204020204" pitchFamily="34" charset="-122"/>
+              </a:rPr>
+              <a:pPr algn="r"/>
               <a:t>19</a:t>
             </a:fld>
-            <a:endParaRPr lang="en-US" altLang="ja-JP"/>
+            <a:r>
+              <a:rPr lang="en-US" altLang="zh-CN" sz="750">
+                <a:solidFill>
+                  <a:srgbClr val="000000"/>
+                </a:solidFill>
+                <a:latin typeface="微软雅黑" panose="020B0503020204020204" pitchFamily="34" charset="-122"/>
+                <a:ea typeface="微软雅黑" panose="020B0503020204020204" pitchFamily="34" charset="-122"/>
+                <a:sym typeface="微软雅黑" panose="020B0503020204020204" pitchFamily="34" charset="-122"/>
+              </a:rPr>
+              <a:t> </a:t>
+            </a:r>
+            <a:endParaRPr lang="zh-CN" altLang="en-US" sz="1050">
+              <a:ea typeface="HGP創英角ｺﾞｼｯｸUB" pitchFamily="2" charset="-128"/>
+            </a:endParaRPr>
           </a:p>
         </p:txBody>
       </p:sp>
     </p:spTree>
     <p:extLst>
       <p:ext uri="{BB962C8B-B14F-4D97-AF65-F5344CB8AC3E}">
-        <p14:creationId xmlns:p14="http://schemas.microsoft.com/office/powerpoint/2010/main" val="500038248"/>
+        <p14:creationId xmlns:p14="http://schemas.microsoft.com/office/powerpoint/2010/main" val="2838123114"/>
       </p:ext>
     </p:extLst>
   </p:cSld>
   <p:clrMapOvr>
     <a:masterClrMapping/>
   </p:clrMapOvr>
+  <p:transition/>
 </p:sld>
 </file>
 
@@ -17663,7 +17997,7 @@
           <a:lstStyle/>
           <a:p>
             <a:r>
-              <a:rPr kumimoji="0" lang="zh-CN" altLang="en-US" sz="1800" b="1" dirty="0" smtClean="0">
+              <a:rPr kumimoji="0" lang="zh-CN" altLang="en-US" sz="1800" b="1" dirty="0">
                 <a:solidFill>
                   <a:srgbClr val="000000"/>
                 </a:solidFill>
@@ -18184,7 +18518,7 @@
             <a:p>
               <a:pPr algn="ctr"/>
               <a:r>
-                <a:rPr lang="en-US" altLang="zh-CN" sz="2400" dirty="0" smtClean="0">
+                <a:rPr lang="en-US" altLang="zh-CN" sz="2400" dirty="0">
                   <a:solidFill>
                     <a:schemeClr val="bg1"/>
                   </a:solidFill>
@@ -18355,7 +18689,7 @@
             <a:p>
               <a:pPr algn="ctr"/>
               <a:r>
-                <a:rPr lang="zh-CN" altLang="en-US" sz="2400" b="1" dirty="0" smtClean="0">
+                <a:rPr lang="zh-CN" altLang="en-US" sz="2400" b="1" dirty="0">
                   <a:solidFill>
                     <a:srgbClr val="000000"/>
                   </a:solidFill>
@@ -18365,14 +18699,6 @@
                 </a:rPr>
                 <a:t>内容总结</a:t>
               </a:r>
-              <a:endParaRPr lang="zh-CN" altLang="en-US" sz="2400" b="1" dirty="0">
-                <a:solidFill>
-                  <a:srgbClr val="000000"/>
-                </a:solidFill>
-                <a:latin typeface="微软雅黑" panose="020B0503020204020204" pitchFamily="34" charset="-122"/>
-                <a:ea typeface="微软雅黑" panose="020B0503020204020204" pitchFamily="34" charset="-122"/>
-                <a:sym typeface="微软雅黑" panose="020B0503020204020204" pitchFamily="34" charset="-122"/>
-              </a:endParaRPr>
             </a:p>
           </p:txBody>
         </p:sp>
@@ -18879,7 +19205,7 @@
             <a:p>
               <a:pPr algn="ctr"/>
               <a:r>
-                <a:rPr lang="en-US" altLang="zh-CN" sz="2400" dirty="0" smtClean="0">
+                <a:rPr lang="en-US" altLang="zh-CN" sz="2400" dirty="0">
                   <a:solidFill>
                     <a:schemeClr val="bg1"/>
                   </a:solidFill>
@@ -19050,7 +19376,7 @@
             <a:p>
               <a:pPr algn="ctr"/>
               <a:r>
-                <a:rPr lang="zh-CN" altLang="en-US" sz="2400" b="1" dirty="0" smtClean="0">
+                <a:rPr lang="zh-CN" altLang="en-US" sz="2400" b="1" dirty="0">
                   <a:solidFill>
                     <a:srgbClr val="000000"/>
                   </a:solidFill>
@@ -19060,14 +19386,6 @@
                 </a:rPr>
                 <a:t>学习实践</a:t>
               </a:r>
-              <a:endParaRPr lang="zh-CN" altLang="en-US" sz="2400" b="1" dirty="0">
-                <a:solidFill>
-                  <a:srgbClr val="000000"/>
-                </a:solidFill>
-                <a:latin typeface="微软雅黑" panose="020B0503020204020204" pitchFamily="34" charset="-122"/>
-                <a:ea typeface="微软雅黑" panose="020B0503020204020204" pitchFamily="34" charset="-122"/>
-                <a:sym typeface="微软雅黑" panose="020B0503020204020204" pitchFamily="34" charset="-122"/>
-              </a:endParaRPr>
             </a:p>
           </p:txBody>
         </p:sp>
@@ -19584,14 +19902,6 @@
                 </a:rPr>
                 <a:t>3</a:t>
               </a:r>
-              <a:endParaRPr lang="en-US" altLang="zh-CN" sz="2400" dirty="0" smtClean="0">
-                <a:solidFill>
-                  <a:schemeClr val="bg1"/>
-                </a:solidFill>
-                <a:latin typeface="微软雅黑" panose="020B0503020204020204" pitchFamily="34" charset="-122"/>
-                <a:ea typeface="微软雅黑" panose="020B0503020204020204" pitchFamily="34" charset="-122"/>
-                <a:sym typeface="微软雅黑" panose="020B0503020204020204" pitchFamily="34" charset="-122"/>
-              </a:endParaRPr>
             </a:p>
           </p:txBody>
         </p:sp>
@@ -19753,7 +20063,7 @@
             <a:p>
               <a:pPr algn="ctr"/>
               <a:r>
-                <a:rPr lang="zh-CN" altLang="en-US" sz="2400" b="1" dirty="0" smtClean="0">
+                <a:rPr lang="zh-CN" altLang="en-US" sz="2400" b="1" dirty="0">
                   <a:solidFill>
                     <a:srgbClr val="000000"/>
                   </a:solidFill>
@@ -19763,14 +20073,6 @@
                 </a:rPr>
                 <a:t>感想收获</a:t>
               </a:r>
-              <a:endParaRPr lang="zh-CN" altLang="en-US" sz="2400" b="1" dirty="0">
-                <a:solidFill>
-                  <a:srgbClr val="000000"/>
-                </a:solidFill>
-                <a:latin typeface="微软雅黑" panose="020B0503020204020204" pitchFamily="34" charset="-122"/>
-                <a:ea typeface="微软雅黑" panose="020B0503020204020204" pitchFamily="34" charset="-122"/>
-                <a:sym typeface="微软雅黑" panose="020B0503020204020204" pitchFamily="34" charset="-122"/>
-              </a:endParaRPr>
             </a:p>
           </p:txBody>
         </p:sp>
@@ -19785,651 +20087,10 @@
   <p:clrMapOvr>
     <a:masterClrMapping/>
   </p:clrMapOvr>
-  <p:timing>
-    <p:tnLst>
-      <p:par>
-        <p:cTn id="1" dur="indefinite" restart="never" nodeType="tmRoot"/>
-      </p:par>
-    </p:tnLst>
-  </p:timing>
 </p:sld>
 </file>
 
 <file path=ppt/slides/slide20.xml><?xml version="1.0" encoding="utf-8"?>
-<p:sld xmlns:a="http://schemas.openxmlformats.org/drawingml/2006/main" xmlns:r="http://schemas.openxmlformats.org/officeDocument/2006/relationships" xmlns:p="http://schemas.openxmlformats.org/presentationml/2006/main">
-  <p:cSld>
-    <p:spTree>
-      <p:nvGrpSpPr>
-        <p:cNvPr id="1" name=""/>
-        <p:cNvGrpSpPr/>
-        <p:nvPr/>
-      </p:nvGrpSpPr>
-      <p:grpSpPr>
-        <a:xfrm>
-          <a:off x="0" y="0"/>
-          <a:ext cx="0" cy="0"/>
-          <a:chOff x="0" y="0"/>
-          <a:chExt cx="0" cy="0"/>
-        </a:xfrm>
-      </p:grpSpPr>
-      <p:sp>
-        <p:nvSpPr>
-          <p:cNvPr id="2" name="标题 1"/>
-          <p:cNvSpPr>
-            <a:spLocks noGrp="1"/>
-          </p:cNvSpPr>
-          <p:nvPr>
-            <p:ph type="title"/>
-          </p:nvPr>
-        </p:nvSpPr>
-        <p:spPr/>
-        <p:txBody>
-          <a:bodyPr/>
-          <a:lstStyle/>
-          <a:p>
-            <a:r>
-              <a:rPr lang="zh-CN" altLang="en-US" b="1" dirty="0" smtClean="0"/>
-              <a:t>感想收获</a:t>
-            </a:r>
-            <a:endParaRPr lang="zh-CN" altLang="en-US" b="1" dirty="0"/>
-          </a:p>
-        </p:txBody>
-      </p:sp>
-      <p:sp>
-        <p:nvSpPr>
-          <p:cNvPr id="3" name="内容占位符 2"/>
-          <p:cNvSpPr>
-            <a:spLocks noGrp="1"/>
-          </p:cNvSpPr>
-          <p:nvPr>
-            <p:ph idx="1"/>
-          </p:nvPr>
-        </p:nvSpPr>
-        <p:spPr>
-          <a:xfrm>
-            <a:off x="251520" y="843558"/>
-            <a:ext cx="7886700" cy="3264074"/>
-          </a:xfrm>
-        </p:spPr>
-        <p:txBody>
-          <a:bodyPr/>
-          <a:lstStyle/>
-          <a:p>
-            <a:pPr>
-              <a:lnSpc>
-                <a:spcPct val="200000"/>
-              </a:lnSpc>
-            </a:pPr>
-            <a:r>
-              <a:rPr lang="zh-CN" altLang="en-US" dirty="0" smtClean="0">
-                <a:latin typeface="黑体" panose="02010609060101010101" pitchFamily="49" charset="-122"/>
-                <a:ea typeface="黑体" panose="02010609060101010101" pitchFamily="49" charset="-122"/>
-              </a:rPr>
-              <a:t>感恩之心</a:t>
-            </a:r>
-            <a:endParaRPr lang="en-US" altLang="zh-CN" dirty="0" smtClean="0">
-              <a:latin typeface="黑体" panose="02010609060101010101" pitchFamily="49" charset="-122"/>
-              <a:ea typeface="黑体" panose="02010609060101010101" pitchFamily="49" charset="-122"/>
-            </a:endParaRPr>
-          </a:p>
-          <a:p>
-            <a:pPr>
-              <a:lnSpc>
-                <a:spcPct val="200000"/>
-              </a:lnSpc>
-            </a:pPr>
-            <a:r>
-              <a:rPr lang="zh-CN" altLang="en-US" dirty="0" smtClean="0">
-                <a:latin typeface="黑体" panose="02010609060101010101" pitchFamily="49" charset="-122"/>
-                <a:ea typeface="黑体" panose="02010609060101010101" pitchFamily="49" charset="-122"/>
-              </a:rPr>
-              <a:t>以实际应用为目的</a:t>
-            </a:r>
-            <a:endParaRPr lang="en-US" altLang="zh-CN" dirty="0" smtClean="0">
-              <a:latin typeface="黑体" panose="02010609060101010101" pitchFamily="49" charset="-122"/>
-              <a:ea typeface="黑体" panose="02010609060101010101" pitchFamily="49" charset="-122"/>
-            </a:endParaRPr>
-          </a:p>
-          <a:p>
-            <a:pPr>
-              <a:lnSpc>
-                <a:spcPct val="200000"/>
-              </a:lnSpc>
-            </a:pPr>
-            <a:r>
-              <a:rPr lang="zh-CN" altLang="en-US" dirty="0" smtClean="0">
-                <a:latin typeface="黑体" panose="02010609060101010101" pitchFamily="49" charset="-122"/>
-                <a:ea typeface="黑体" panose="02010609060101010101" pitchFamily="49" charset="-122"/>
-              </a:rPr>
-              <a:t>除了深度，应注重广度</a:t>
-            </a:r>
-            <a:endParaRPr lang="en-US" altLang="zh-CN" dirty="0" smtClean="0">
-              <a:latin typeface="黑体" panose="02010609060101010101" pitchFamily="49" charset="-122"/>
-              <a:ea typeface="黑体" panose="02010609060101010101" pitchFamily="49" charset="-122"/>
-            </a:endParaRPr>
-          </a:p>
-          <a:p>
-            <a:pPr>
-              <a:lnSpc>
-                <a:spcPct val="200000"/>
-              </a:lnSpc>
-            </a:pPr>
-            <a:r>
-              <a:rPr lang="zh-CN" altLang="en-US" dirty="0" smtClean="0">
-                <a:latin typeface="黑体" panose="02010609060101010101" pitchFamily="49" charset="-122"/>
-                <a:ea typeface="黑体" panose="02010609060101010101" pitchFamily="49" charset="-122"/>
-              </a:rPr>
-              <a:t>有效沟通</a:t>
-            </a:r>
-            <a:endParaRPr lang="zh-CN" altLang="en-US" dirty="0">
-              <a:latin typeface="黑体" panose="02010609060101010101" pitchFamily="49" charset="-122"/>
-              <a:ea typeface="黑体" panose="02010609060101010101" pitchFamily="49" charset="-122"/>
-            </a:endParaRPr>
-          </a:p>
-        </p:txBody>
-      </p:sp>
-      <p:sp>
-        <p:nvSpPr>
-          <p:cNvPr id="4" name="灯片编号占位符 3"/>
-          <p:cNvSpPr>
-            <a:spLocks noGrp="1"/>
-          </p:cNvSpPr>
-          <p:nvPr>
-            <p:ph type="sldNum" sz="quarter" idx="10"/>
-          </p:nvPr>
-        </p:nvSpPr>
-        <p:spPr/>
-        <p:txBody>
-          <a:bodyPr/>
-          <a:lstStyle/>
-          <a:p>
-            <a:pPr>
-              <a:defRPr/>
-            </a:pPr>
-            <a:fld id="{D73D5A0A-93B7-40E2-92BB-DEE0CCFB9337}" type="slidenum">
-              <a:rPr lang="en-US" altLang="ja-JP" smtClean="0"/>
-              <a:t>20</a:t>
-            </a:fld>
-            <a:endParaRPr lang="en-US" altLang="ja-JP"/>
-          </a:p>
-        </p:txBody>
-      </p:sp>
-    </p:spTree>
-    <p:extLst>
-      <p:ext uri="{BB962C8B-B14F-4D97-AF65-F5344CB8AC3E}">
-        <p14:creationId xmlns:p14="http://schemas.microsoft.com/office/powerpoint/2010/main" val="2727646208"/>
-      </p:ext>
-    </p:extLst>
-  </p:cSld>
-  <p:clrMapOvr>
-    <a:masterClrMapping/>
-  </p:clrMapOvr>
-  <p:timing>
-    <p:tnLst>
-      <p:par>
-        <p:cTn id="1" dur="indefinite" restart="never" nodeType="tmRoot"/>
-      </p:par>
-    </p:tnLst>
-  </p:timing>
-</p:sld>
-</file>
-
-<file path=ppt/slides/slide21.xml><?xml version="1.0" encoding="utf-8"?>
-<p:sld xmlns:a="http://schemas.openxmlformats.org/drawingml/2006/main" xmlns:r="http://schemas.openxmlformats.org/officeDocument/2006/relationships" xmlns:p="http://schemas.openxmlformats.org/presentationml/2006/main">
-  <p:cSld>
-    <p:spTree>
-      <p:nvGrpSpPr>
-        <p:cNvPr id="1" name=""/>
-        <p:cNvGrpSpPr/>
-        <p:nvPr/>
-      </p:nvGrpSpPr>
-      <p:grpSpPr>
-        <a:xfrm>
-          <a:off x="0" y="0"/>
-          <a:ext cx="0" cy="0"/>
-          <a:chOff x="0" y="0"/>
-          <a:chExt cx="0" cy="0"/>
-        </a:xfrm>
-      </p:grpSpPr>
-      <p:sp>
-        <p:nvSpPr>
-          <p:cNvPr id="1646594" name="Text Box 2"/>
-          <p:cNvSpPr>
-            <a:spLocks noChangeArrowheads="1"/>
-          </p:cNvSpPr>
-          <p:nvPr/>
-        </p:nvSpPr>
-        <p:spPr bwMode="auto">
-          <a:xfrm>
-            <a:off x="3125853" y="2140745"/>
-            <a:ext cx="3647152" cy="507831"/>
-          </a:xfrm>
-          <a:prstGeom prst="rect">
-            <a:avLst/>
-          </a:prstGeom>
-          <a:noFill/>
-          <a:ln>
-            <a:noFill/>
-          </a:ln>
-          <a:extLst>
-            <a:ext uri="{909E8E84-426E-40DD-AFC4-6F175D3DCCD1}">
-              <a14:hiddenFill xmlns:a14="http://schemas.microsoft.com/office/drawing/2010/main">
-                <a:solidFill>
-                  <a:srgbClr val="FFFFFF"/>
-                </a:solidFill>
-              </a14:hiddenFill>
-            </a:ext>
-            <a:ext uri="{91240B29-F687-4F45-9708-019B960494DF}">
-              <a14:hiddenLine xmlns:a14="http://schemas.microsoft.com/office/drawing/2010/main" w="9525">
-                <a:solidFill>
-                  <a:srgbClr val="000000"/>
-                </a:solidFill>
-                <a:miter lim="800000"/>
-                <a:headEnd/>
-                <a:tailEnd/>
-              </a14:hiddenLine>
-            </a:ext>
-          </a:extLst>
-        </p:spPr>
-        <p:txBody>
-          <a:bodyPr wrap="none">
-            <a:spAutoFit/>
-          </a:bodyPr>
-          <a:lstStyle>
-            <a:lvl1pPr>
-              <a:defRPr sz="1400">
-                <a:solidFill>
-                  <a:schemeClr val="tx1"/>
-                </a:solidFill>
-                <a:latin typeface="Arial" panose="020B0604020202020204" pitchFamily="34" charset="0"/>
-                <a:ea typeface="MS PGothic" panose="020B0600070205080204" pitchFamily="34" charset="-128"/>
-              </a:defRPr>
-            </a:lvl1pPr>
-            <a:lvl2pPr marL="742950" indent="-285750">
-              <a:defRPr sz="1400">
-                <a:solidFill>
-                  <a:schemeClr val="tx1"/>
-                </a:solidFill>
-                <a:latin typeface="Arial" panose="020B0604020202020204" pitchFamily="34" charset="0"/>
-                <a:ea typeface="MS PGothic" panose="020B0600070205080204" pitchFamily="34" charset="-128"/>
-              </a:defRPr>
-            </a:lvl2pPr>
-            <a:lvl3pPr marL="1143000" indent="-228600">
-              <a:defRPr sz="1400">
-                <a:solidFill>
-                  <a:schemeClr val="tx1"/>
-                </a:solidFill>
-                <a:latin typeface="Arial" panose="020B0604020202020204" pitchFamily="34" charset="0"/>
-                <a:ea typeface="MS PGothic" panose="020B0600070205080204" pitchFamily="34" charset="-128"/>
-              </a:defRPr>
-            </a:lvl3pPr>
-            <a:lvl4pPr marL="1600200" indent="-228600">
-              <a:defRPr sz="1400">
-                <a:solidFill>
-                  <a:schemeClr val="tx1"/>
-                </a:solidFill>
-                <a:latin typeface="Arial" panose="020B0604020202020204" pitchFamily="34" charset="0"/>
-                <a:ea typeface="MS PGothic" panose="020B0600070205080204" pitchFamily="34" charset="-128"/>
-              </a:defRPr>
-            </a:lvl4pPr>
-            <a:lvl5pPr marL="2057400" indent="-228600">
-              <a:defRPr sz="1400">
-                <a:solidFill>
-                  <a:schemeClr val="tx1"/>
-                </a:solidFill>
-                <a:latin typeface="Arial" panose="020B0604020202020204" pitchFamily="34" charset="0"/>
-                <a:ea typeface="MS PGothic" panose="020B0600070205080204" pitchFamily="34" charset="-128"/>
-              </a:defRPr>
-            </a:lvl5pPr>
-            <a:lvl6pPr marL="2514600" indent="-228600" eaLnBrk="0" fontAlgn="base" hangingPunct="0">
-              <a:spcBef>
-                <a:spcPct val="0"/>
-              </a:spcBef>
-              <a:spcAft>
-                <a:spcPct val="0"/>
-              </a:spcAft>
-              <a:buFont typeface="Arial" panose="020B0604020202020204" pitchFamily="34" charset="0"/>
-              <a:defRPr sz="1400">
-                <a:solidFill>
-                  <a:schemeClr val="tx1"/>
-                </a:solidFill>
-                <a:latin typeface="Arial" panose="020B0604020202020204" pitchFamily="34" charset="0"/>
-                <a:ea typeface="MS PGothic" panose="020B0600070205080204" pitchFamily="34" charset="-128"/>
-              </a:defRPr>
-            </a:lvl6pPr>
-            <a:lvl7pPr marL="2971800" indent="-228600" eaLnBrk="0" fontAlgn="base" hangingPunct="0">
-              <a:spcBef>
-                <a:spcPct val="0"/>
-              </a:spcBef>
-              <a:spcAft>
-                <a:spcPct val="0"/>
-              </a:spcAft>
-              <a:buFont typeface="Arial" panose="020B0604020202020204" pitchFamily="34" charset="0"/>
-              <a:defRPr sz="1400">
-                <a:solidFill>
-                  <a:schemeClr val="tx1"/>
-                </a:solidFill>
-                <a:latin typeface="Arial" panose="020B0604020202020204" pitchFamily="34" charset="0"/>
-                <a:ea typeface="MS PGothic" panose="020B0600070205080204" pitchFamily="34" charset="-128"/>
-              </a:defRPr>
-            </a:lvl7pPr>
-            <a:lvl8pPr marL="3429000" indent="-228600" eaLnBrk="0" fontAlgn="base" hangingPunct="0">
-              <a:spcBef>
-                <a:spcPct val="0"/>
-              </a:spcBef>
-              <a:spcAft>
-                <a:spcPct val="0"/>
-              </a:spcAft>
-              <a:buFont typeface="Arial" panose="020B0604020202020204" pitchFamily="34" charset="0"/>
-              <a:defRPr sz="1400">
-                <a:solidFill>
-                  <a:schemeClr val="tx1"/>
-                </a:solidFill>
-                <a:latin typeface="Arial" panose="020B0604020202020204" pitchFamily="34" charset="0"/>
-                <a:ea typeface="MS PGothic" panose="020B0600070205080204" pitchFamily="34" charset="-128"/>
-              </a:defRPr>
-            </a:lvl8pPr>
-            <a:lvl9pPr marL="3886200" indent="-228600" eaLnBrk="0" fontAlgn="base" hangingPunct="0">
-              <a:spcBef>
-                <a:spcPct val="0"/>
-              </a:spcBef>
-              <a:spcAft>
-                <a:spcPct val="0"/>
-              </a:spcAft>
-              <a:buFont typeface="Arial" panose="020B0604020202020204" pitchFamily="34" charset="0"/>
-              <a:defRPr sz="1400">
-                <a:solidFill>
-                  <a:schemeClr val="tx1"/>
-                </a:solidFill>
-                <a:latin typeface="Arial" panose="020B0604020202020204" pitchFamily="34" charset="0"/>
-                <a:ea typeface="MS PGothic" panose="020B0600070205080204" pitchFamily="34" charset="-128"/>
-              </a:defRPr>
-            </a:lvl9pPr>
-          </a:lstStyle>
-          <a:p>
-            <a:pPr algn="ctr"/>
-            <a:r>
-              <a:rPr lang="ja-JP" altLang="en-US" sz="2700" b="1">
-                <a:solidFill>
-                  <a:srgbClr val="000000"/>
-                </a:solidFill>
-                <a:latin typeface="微软雅黑" panose="020B0503020204020204" pitchFamily="34" charset="-122"/>
-                <a:ea typeface="微软雅黑" panose="020B0503020204020204" pitchFamily="34" charset="-122"/>
-                <a:sym typeface="微软雅黑" panose="020B0503020204020204" pitchFamily="34" charset="-122"/>
-              </a:rPr>
-              <a:t>ありがとうございます</a:t>
-            </a:r>
-            <a:endParaRPr lang="zh-CN" altLang="en-US" sz="2700" b="1">
-              <a:solidFill>
-                <a:srgbClr val="000000"/>
-              </a:solidFill>
-              <a:latin typeface="微软雅黑" panose="020B0503020204020204" pitchFamily="34" charset="-122"/>
-              <a:ea typeface="微软雅黑" panose="020B0503020204020204" pitchFamily="34" charset="-122"/>
-              <a:sym typeface="微软雅黑" panose="020B0503020204020204" pitchFamily="34" charset="-122"/>
-            </a:endParaRPr>
-          </a:p>
-        </p:txBody>
-      </p:sp>
-      <p:pic>
-        <p:nvPicPr>
-          <p:cNvPr id="1646595" name="Picture 3" descr="ILM14_AA03105"/>
-          <p:cNvPicPr>
-            <a:picLocks noChangeAspect="1" noChangeArrowheads="1"/>
-          </p:cNvPicPr>
-          <p:nvPr/>
-        </p:nvPicPr>
-        <p:blipFill>
-          <a:blip r:embed="rId2">
-            <a:extLst>
-              <a:ext uri="{28A0092B-C50C-407E-A947-70E740481C1C}">
-                <a14:useLocalDpi xmlns:a14="http://schemas.microsoft.com/office/drawing/2010/main" val="0"/>
-              </a:ext>
-            </a:extLst>
-          </a:blip>
-          <a:srcRect/>
-          <a:stretch>
-            <a:fillRect/>
-          </a:stretch>
-        </p:blipFill>
-        <p:spPr bwMode="auto">
-          <a:xfrm>
-            <a:off x="1725216" y="1615679"/>
-            <a:ext cx="1170384" cy="1618059"/>
-          </a:xfrm>
-          <a:prstGeom prst="rect">
-            <a:avLst/>
-          </a:prstGeom>
-          <a:noFill/>
-          <a:ln>
-            <a:noFill/>
-          </a:ln>
-          <a:extLst>
-            <a:ext uri="{909E8E84-426E-40DD-AFC4-6F175D3DCCD1}">
-              <a14:hiddenFill xmlns:a14="http://schemas.microsoft.com/office/drawing/2010/main">
-                <a:solidFill>
-                  <a:srgbClr val="FFFFFF"/>
-                </a:solidFill>
-              </a14:hiddenFill>
-            </a:ext>
-            <a:ext uri="{91240B29-F687-4F45-9708-019B960494DF}">
-              <a14:hiddenLine xmlns:a14="http://schemas.microsoft.com/office/drawing/2010/main" w="9525">
-                <a:solidFill>
-                  <a:srgbClr val="000000"/>
-                </a:solidFill>
-                <a:miter lim="800000"/>
-                <a:headEnd/>
-                <a:tailEnd/>
-              </a14:hiddenLine>
-            </a:ext>
-          </a:extLst>
-        </p:spPr>
-      </p:pic>
-      <p:sp>
-        <p:nvSpPr>
-          <p:cNvPr id="1646596" name="灯片编号占位符 3"/>
-          <p:cNvSpPr>
-            <a:spLocks noGrp="1" noChangeArrowheads="1"/>
-          </p:cNvSpPr>
-          <p:nvPr/>
-        </p:nvSpPr>
-        <p:spPr bwMode="auto">
-          <a:xfrm>
-            <a:off x="6267450" y="4955381"/>
-            <a:ext cx="1600200" cy="201216"/>
-          </a:xfrm>
-          <a:prstGeom prst="rect">
-            <a:avLst/>
-          </a:prstGeom>
-          <a:noFill/>
-          <a:ln>
-            <a:noFill/>
-          </a:ln>
-          <a:extLst>
-            <a:ext uri="{909E8E84-426E-40DD-AFC4-6F175D3DCCD1}">
-              <a14:hiddenFill xmlns:a14="http://schemas.microsoft.com/office/drawing/2010/main">
-                <a:solidFill>
-                  <a:srgbClr val="FFFFFF"/>
-                </a:solidFill>
-              </a14:hiddenFill>
-            </a:ext>
-            <a:ext uri="{91240B29-F687-4F45-9708-019B960494DF}">
-              <a14:hiddenLine xmlns:a14="http://schemas.microsoft.com/office/drawing/2010/main" w="9525">
-                <a:solidFill>
-                  <a:srgbClr val="000000"/>
-                </a:solidFill>
-                <a:miter lim="800000"/>
-                <a:headEnd/>
-                <a:tailEnd/>
-              </a14:hiddenLine>
-            </a:ext>
-          </a:extLst>
-        </p:spPr>
-        <p:txBody>
-          <a:bodyPr/>
-          <a:lstStyle>
-            <a:lvl1pPr>
-              <a:defRPr sz="1400">
-                <a:solidFill>
-                  <a:schemeClr val="tx1"/>
-                </a:solidFill>
-                <a:latin typeface="Arial" panose="020B0604020202020204" pitchFamily="34" charset="0"/>
-                <a:ea typeface="MS PGothic" panose="020B0600070205080204" pitchFamily="34" charset="-128"/>
-              </a:defRPr>
-            </a:lvl1pPr>
-            <a:lvl2pPr marL="742950" indent="-285750">
-              <a:defRPr sz="1400">
-                <a:solidFill>
-                  <a:schemeClr val="tx1"/>
-                </a:solidFill>
-                <a:latin typeface="Arial" panose="020B0604020202020204" pitchFamily="34" charset="0"/>
-                <a:ea typeface="MS PGothic" panose="020B0600070205080204" pitchFamily="34" charset="-128"/>
-              </a:defRPr>
-            </a:lvl2pPr>
-            <a:lvl3pPr marL="1143000" indent="-228600">
-              <a:defRPr sz="1400">
-                <a:solidFill>
-                  <a:schemeClr val="tx1"/>
-                </a:solidFill>
-                <a:latin typeface="Arial" panose="020B0604020202020204" pitchFamily="34" charset="0"/>
-                <a:ea typeface="MS PGothic" panose="020B0600070205080204" pitchFamily="34" charset="-128"/>
-              </a:defRPr>
-            </a:lvl3pPr>
-            <a:lvl4pPr marL="1600200" indent="-228600">
-              <a:defRPr sz="1400">
-                <a:solidFill>
-                  <a:schemeClr val="tx1"/>
-                </a:solidFill>
-                <a:latin typeface="Arial" panose="020B0604020202020204" pitchFamily="34" charset="0"/>
-                <a:ea typeface="MS PGothic" panose="020B0600070205080204" pitchFamily="34" charset="-128"/>
-              </a:defRPr>
-            </a:lvl4pPr>
-            <a:lvl5pPr marL="2057400" indent="-228600">
-              <a:defRPr sz="1400">
-                <a:solidFill>
-                  <a:schemeClr val="tx1"/>
-                </a:solidFill>
-                <a:latin typeface="Arial" panose="020B0604020202020204" pitchFamily="34" charset="0"/>
-                <a:ea typeface="MS PGothic" panose="020B0600070205080204" pitchFamily="34" charset="-128"/>
-              </a:defRPr>
-            </a:lvl5pPr>
-            <a:lvl6pPr marL="2514600" indent="-228600" eaLnBrk="0" fontAlgn="base" hangingPunct="0">
-              <a:spcBef>
-                <a:spcPct val="0"/>
-              </a:spcBef>
-              <a:spcAft>
-                <a:spcPct val="0"/>
-              </a:spcAft>
-              <a:buFont typeface="Arial" panose="020B0604020202020204" pitchFamily="34" charset="0"/>
-              <a:defRPr sz="1400">
-                <a:solidFill>
-                  <a:schemeClr val="tx1"/>
-                </a:solidFill>
-                <a:latin typeface="Arial" panose="020B0604020202020204" pitchFamily="34" charset="0"/>
-                <a:ea typeface="MS PGothic" panose="020B0600070205080204" pitchFamily="34" charset="-128"/>
-              </a:defRPr>
-            </a:lvl6pPr>
-            <a:lvl7pPr marL="2971800" indent="-228600" eaLnBrk="0" fontAlgn="base" hangingPunct="0">
-              <a:spcBef>
-                <a:spcPct val="0"/>
-              </a:spcBef>
-              <a:spcAft>
-                <a:spcPct val="0"/>
-              </a:spcAft>
-              <a:buFont typeface="Arial" panose="020B0604020202020204" pitchFamily="34" charset="0"/>
-              <a:defRPr sz="1400">
-                <a:solidFill>
-                  <a:schemeClr val="tx1"/>
-                </a:solidFill>
-                <a:latin typeface="Arial" panose="020B0604020202020204" pitchFamily="34" charset="0"/>
-                <a:ea typeface="MS PGothic" panose="020B0600070205080204" pitchFamily="34" charset="-128"/>
-              </a:defRPr>
-            </a:lvl7pPr>
-            <a:lvl8pPr marL="3429000" indent="-228600" eaLnBrk="0" fontAlgn="base" hangingPunct="0">
-              <a:spcBef>
-                <a:spcPct val="0"/>
-              </a:spcBef>
-              <a:spcAft>
-                <a:spcPct val="0"/>
-              </a:spcAft>
-              <a:buFont typeface="Arial" panose="020B0604020202020204" pitchFamily="34" charset="0"/>
-              <a:defRPr sz="1400">
-                <a:solidFill>
-                  <a:schemeClr val="tx1"/>
-                </a:solidFill>
-                <a:latin typeface="Arial" panose="020B0604020202020204" pitchFamily="34" charset="0"/>
-                <a:ea typeface="MS PGothic" panose="020B0600070205080204" pitchFamily="34" charset="-128"/>
-              </a:defRPr>
-            </a:lvl8pPr>
-            <a:lvl9pPr marL="3886200" indent="-228600" eaLnBrk="0" fontAlgn="base" hangingPunct="0">
-              <a:spcBef>
-                <a:spcPct val="0"/>
-              </a:spcBef>
-              <a:spcAft>
-                <a:spcPct val="0"/>
-              </a:spcAft>
-              <a:buFont typeface="Arial" panose="020B0604020202020204" pitchFamily="34" charset="0"/>
-              <a:defRPr sz="1400">
-                <a:solidFill>
-                  <a:schemeClr val="tx1"/>
-                </a:solidFill>
-                <a:latin typeface="Arial" panose="020B0604020202020204" pitchFamily="34" charset="0"/>
-                <a:ea typeface="MS PGothic" panose="020B0600070205080204" pitchFamily="34" charset="-128"/>
-              </a:defRPr>
-            </a:lvl9pPr>
-          </a:lstStyle>
-          <a:p>
-            <a:pPr algn="r"/>
-            <a:fld id="{ABBE0C4B-3053-486A-A830-895D10167294}" type="slidenum">
-              <a:rPr lang="ja-JP" altLang="en-US" sz="750">
-                <a:solidFill>
-                  <a:srgbClr val="000000"/>
-                </a:solidFill>
-                <a:latin typeface="微软雅黑" panose="020B0503020204020204" pitchFamily="34" charset="-122"/>
-                <a:ea typeface="微软雅黑" panose="020B0503020204020204" pitchFamily="34" charset="-122"/>
-                <a:sym typeface="微软雅黑" panose="020B0503020204020204" pitchFamily="34" charset="-122"/>
-              </a:rPr>
-              <a:pPr algn="r"/>
-              <a:t>21</a:t>
-            </a:fld>
-            <a:r>
-              <a:rPr lang="en-US" altLang="zh-CN" sz="750">
-                <a:solidFill>
-                  <a:srgbClr val="000000"/>
-                </a:solidFill>
-                <a:latin typeface="微软雅黑" panose="020B0503020204020204" pitchFamily="34" charset="-122"/>
-                <a:ea typeface="微软雅黑" panose="020B0503020204020204" pitchFamily="34" charset="-122"/>
-                <a:sym typeface="微软雅黑" panose="020B0503020204020204" pitchFamily="34" charset="-122"/>
-              </a:rPr>
-              <a:t> </a:t>
-            </a:r>
-            <a:endParaRPr lang="zh-CN" altLang="en-US" sz="1050">
-              <a:ea typeface="HGP創英角ｺﾞｼｯｸUB" pitchFamily="2" charset="-128"/>
-            </a:endParaRPr>
-          </a:p>
-        </p:txBody>
-      </p:sp>
-    </p:spTree>
-    <p:extLst>
-      <p:ext uri="{BB962C8B-B14F-4D97-AF65-F5344CB8AC3E}">
-        <p14:creationId xmlns:p14="http://schemas.microsoft.com/office/powerpoint/2010/main" val="2838123114"/>
-      </p:ext>
-    </p:extLst>
-  </p:cSld>
-  <p:clrMapOvr>
-    <a:masterClrMapping/>
-  </p:clrMapOvr>
-  <p:transition/>
-  <p:timing>
-    <p:tnLst>
-      <p:par>
-        <p:cTn id="1" dur="indefinite" restart="never" nodeType="tmRoot"/>
-      </p:par>
-    </p:tnLst>
-  </p:timing>
-</p:sld>
-</file>
-
-<file path=ppt/slides/slide22.xml><?xml version="1.0" encoding="utf-8"?>
 <p:sld xmlns:a="http://schemas.openxmlformats.org/drawingml/2006/main" xmlns:r="http://schemas.openxmlformats.org/officeDocument/2006/relationships" xmlns:p="http://schemas.openxmlformats.org/presentationml/2006/main" showMasterSp="0">
   <p:cSld>
     <p:spTree>
@@ -20649,13 +20310,6 @@
   <p:clrMapOvr>
     <a:masterClrMapping/>
   </p:clrMapOvr>
-  <p:timing>
-    <p:tnLst>
-      <p:par>
-        <p:cTn id="1" dur="indefinite" restart="never" nodeType="tmRoot"/>
-      </p:par>
-    </p:tnLst>
-  </p:timing>
 </p:sld>
 </file>
 
@@ -20692,10 +20346,12 @@
           <a:lstStyle/>
           <a:p>
             <a:r>
-              <a:rPr lang="zh-CN" altLang="en-US" b="1" dirty="0" smtClean="0"/>
+              <a:rPr lang="zh-CN" altLang="en-US" b="1" dirty="0">
+                <a:latin typeface="黑体" panose="02010609060101010101" pitchFamily="49" charset="-122"/>
+                <a:ea typeface="黑体" panose="02010609060101010101" pitchFamily="49" charset="-122"/>
+              </a:rPr>
               <a:t>内容总结</a:t>
             </a:r>
-            <a:endParaRPr lang="zh-CN" altLang="en-US" b="1" dirty="0"/>
           </a:p>
         </p:txBody>
       </p:sp>
@@ -20732,7 +20388,7 @@
           <p:nvPr>
             <p:extLst>
               <p:ext uri="{D42A27DB-BD31-4B8C-83A1-F6EECF244321}">
-                <p14:modId xmlns:p14="http://schemas.microsoft.com/office/powerpoint/2010/main" val="4140981719"/>
+                <p14:modId xmlns:p14="http://schemas.microsoft.com/office/powerpoint/2010/main" val="2373879808"/>
               </p:ext>
             </p:extLst>
           </p:nvPr>
@@ -20801,6 +20457,355 @@
       </p:grpSpPr>
       <p:sp>
         <p:nvSpPr>
+          <p:cNvPr id="2" name="标题 1"/>
+          <p:cNvSpPr>
+            <a:spLocks noGrp="1"/>
+          </p:cNvSpPr>
+          <p:nvPr>
+            <p:ph type="title"/>
+          </p:nvPr>
+        </p:nvSpPr>
+        <p:spPr/>
+        <p:txBody>
+          <a:bodyPr/>
+          <a:lstStyle/>
+          <a:p>
+            <a:r>
+              <a:rPr lang="zh-CN" altLang="en-US" b="1" dirty="0">
+                <a:latin typeface="黑体" panose="02010609060101010101" pitchFamily="49" charset="-122"/>
+                <a:ea typeface="黑体" panose="02010609060101010101" pitchFamily="49" charset="-122"/>
+              </a:rPr>
+              <a:t>分享会</a:t>
+            </a:r>
+          </a:p>
+        </p:txBody>
+      </p:sp>
+      <p:pic>
+        <p:nvPicPr>
+          <p:cNvPr id="5" name="内容占位符 4"/>
+          <p:cNvPicPr>
+            <a:picLocks noGrp="1" noChangeAspect="1"/>
+          </p:cNvPicPr>
+          <p:nvPr>
+            <p:ph idx="1"/>
+          </p:nvPr>
+        </p:nvPicPr>
+        <p:blipFill>
+          <a:blip r:embed="rId2" cstate="print">
+            <a:extLst>
+              <a:ext uri="{28A0092B-C50C-407E-A947-70E740481C1C}">
+                <a14:useLocalDpi xmlns:a14="http://schemas.microsoft.com/office/drawing/2010/main" val="0"/>
+              </a:ext>
+            </a:extLst>
+          </a:blip>
+          <a:stretch>
+            <a:fillRect/>
+          </a:stretch>
+        </p:blipFill>
+        <p:spPr>
+          <a:xfrm>
+            <a:off x="611560" y="1063543"/>
+            <a:ext cx="4351866" cy="3263900"/>
+          </a:xfrm>
+        </p:spPr>
+      </p:pic>
+      <p:sp>
+        <p:nvSpPr>
+          <p:cNvPr id="4" name="灯片编号占位符 3"/>
+          <p:cNvSpPr>
+            <a:spLocks noGrp="1"/>
+          </p:cNvSpPr>
+          <p:nvPr>
+            <p:ph type="sldNum" sz="quarter" idx="10"/>
+          </p:nvPr>
+        </p:nvSpPr>
+        <p:spPr/>
+        <p:txBody>
+          <a:bodyPr/>
+          <a:lstStyle/>
+          <a:p>
+            <a:pPr>
+              <a:defRPr/>
+            </a:pPr>
+            <a:fld id="{D73D5A0A-93B7-40E2-92BB-DEE0CCFB9337}" type="slidenum">
+              <a:rPr lang="en-US" altLang="ja-JP" smtClean="0"/>
+              <a:t>4</a:t>
+            </a:fld>
+            <a:endParaRPr lang="en-US" altLang="ja-JP"/>
+          </a:p>
+        </p:txBody>
+      </p:sp>
+      <p:sp>
+        <p:nvSpPr>
+          <p:cNvPr id="3" name="文本框 2">
+            <a:extLst>
+              <a:ext uri="{FF2B5EF4-FFF2-40B4-BE49-F238E27FC236}">
+                <a16:creationId xmlns:a16="http://schemas.microsoft.com/office/drawing/2014/main" id="{D581C220-CB13-4D40-B592-C7EE629A1885}"/>
+              </a:ext>
+            </a:extLst>
+          </p:cNvPr>
+          <p:cNvSpPr txBox="1"/>
+          <p:nvPr/>
+        </p:nvSpPr>
+        <p:spPr>
+          <a:xfrm>
+            <a:off x="5336792" y="1741386"/>
+            <a:ext cx="3024336" cy="1738489"/>
+          </a:xfrm>
+          <a:prstGeom prst="rect">
+            <a:avLst/>
+          </a:prstGeom>
+          <a:noFill/>
+        </p:spPr>
+        <p:txBody>
+          <a:bodyPr wrap="square" rtlCol="0">
+            <a:spAutoFit/>
+          </a:bodyPr>
+          <a:lstStyle/>
+          <a:p>
+            <a:pPr marL="285750" indent="-285750">
+              <a:lnSpc>
+                <a:spcPct val="200000"/>
+              </a:lnSpc>
+              <a:buFont typeface="Arial" panose="020B0604020202020204" pitchFamily="34" charset="0"/>
+              <a:buChar char="•"/>
+            </a:pPr>
+            <a:r>
+              <a:rPr lang="zh-CN" altLang="en-US" dirty="0">
+                <a:latin typeface="黑体" panose="02010609060101010101" pitchFamily="49" charset="-122"/>
+                <a:ea typeface="黑体" panose="02010609060101010101" pitchFamily="49" charset="-122"/>
+              </a:rPr>
+              <a:t>代码习惯</a:t>
+            </a:r>
+            <a:endParaRPr lang="en-US" altLang="zh-CN" dirty="0">
+              <a:latin typeface="黑体" panose="02010609060101010101" pitchFamily="49" charset="-122"/>
+              <a:ea typeface="黑体" panose="02010609060101010101" pitchFamily="49" charset="-122"/>
+            </a:endParaRPr>
+          </a:p>
+          <a:p>
+            <a:pPr marL="285750" indent="-285750">
+              <a:lnSpc>
+                <a:spcPct val="200000"/>
+              </a:lnSpc>
+              <a:buFont typeface="Arial" panose="020B0604020202020204" pitchFamily="34" charset="0"/>
+              <a:buChar char="•"/>
+            </a:pPr>
+            <a:r>
+              <a:rPr lang="en-US" altLang="zh-CN" dirty="0">
+                <a:latin typeface="黑体" panose="02010609060101010101" pitchFamily="49" charset="-122"/>
+                <a:ea typeface="黑体" panose="02010609060101010101" pitchFamily="49" charset="-122"/>
+              </a:rPr>
+              <a:t>Log</a:t>
+            </a:r>
+          </a:p>
+          <a:p>
+            <a:pPr marL="285750" indent="-285750">
+              <a:lnSpc>
+                <a:spcPct val="200000"/>
+              </a:lnSpc>
+              <a:buFont typeface="Arial" panose="020B0604020202020204" pitchFamily="34" charset="0"/>
+              <a:buChar char="•"/>
+            </a:pPr>
+            <a:r>
+              <a:rPr lang="zh-CN" altLang="en-US" dirty="0">
+                <a:latin typeface="黑体" panose="02010609060101010101" pitchFamily="49" charset="-122"/>
+                <a:ea typeface="黑体" panose="02010609060101010101" pitchFamily="49" charset="-122"/>
+              </a:rPr>
+              <a:t>注释</a:t>
+            </a:r>
+            <a:endParaRPr lang="en-US" altLang="zh-CN" dirty="0">
+              <a:latin typeface="黑体" panose="02010609060101010101" pitchFamily="49" charset="-122"/>
+              <a:ea typeface="黑体" panose="02010609060101010101" pitchFamily="49" charset="-122"/>
+            </a:endParaRPr>
+          </a:p>
+          <a:p>
+            <a:pPr marL="285750" indent="-285750">
+              <a:lnSpc>
+                <a:spcPct val="200000"/>
+              </a:lnSpc>
+              <a:buFont typeface="Arial" panose="020B0604020202020204" pitchFamily="34" charset="0"/>
+              <a:buChar char="•"/>
+            </a:pPr>
+            <a:r>
+              <a:rPr lang="zh-CN" altLang="en-US" dirty="0">
+                <a:latin typeface="黑体" panose="02010609060101010101" pitchFamily="49" charset="-122"/>
+                <a:ea typeface="黑体" panose="02010609060101010101" pitchFamily="49" charset="-122"/>
+              </a:rPr>
+              <a:t>用户文档</a:t>
+            </a:r>
+          </a:p>
+        </p:txBody>
+      </p:sp>
+    </p:spTree>
+    <p:extLst>
+      <p:ext uri="{BB962C8B-B14F-4D97-AF65-F5344CB8AC3E}">
+        <p14:creationId xmlns:p14="http://schemas.microsoft.com/office/powerpoint/2010/main" val="500038248"/>
+      </p:ext>
+    </p:extLst>
+  </p:cSld>
+  <p:clrMapOvr>
+    <a:masterClrMapping/>
+  </p:clrMapOvr>
+</p:sld>
+</file>
+
+<file path=ppt/slides/slide5.xml><?xml version="1.0" encoding="utf-8"?>
+<p:sld xmlns:a="http://schemas.openxmlformats.org/drawingml/2006/main" xmlns:r="http://schemas.openxmlformats.org/officeDocument/2006/relationships" xmlns:p="http://schemas.openxmlformats.org/presentationml/2006/main">
+  <p:cSld>
+    <p:spTree>
+      <p:nvGrpSpPr>
+        <p:cNvPr id="1" name=""/>
+        <p:cNvGrpSpPr/>
+        <p:nvPr/>
+      </p:nvGrpSpPr>
+      <p:grpSpPr>
+        <a:xfrm>
+          <a:off x="0" y="0"/>
+          <a:ext cx="0" cy="0"/>
+          <a:chOff x="0" y="0"/>
+          <a:chExt cx="0" cy="0"/>
+        </a:xfrm>
+      </p:grpSpPr>
+      <p:sp>
+        <p:nvSpPr>
+          <p:cNvPr id="2" name="标题 1"/>
+          <p:cNvSpPr>
+            <a:spLocks noGrp="1"/>
+          </p:cNvSpPr>
+          <p:nvPr>
+            <p:ph type="title"/>
+          </p:nvPr>
+        </p:nvSpPr>
+        <p:spPr/>
+        <p:txBody>
+          <a:bodyPr/>
+          <a:lstStyle/>
+          <a:p>
+            <a:r>
+              <a:rPr lang="zh-CN" altLang="en-US" b="1" dirty="0"/>
+              <a:t>学习实践 </a:t>
+            </a:r>
+            <a:r>
+              <a:rPr lang="en-US" altLang="zh-CN" b="1" dirty="0"/>
+              <a:t>– </a:t>
+            </a:r>
+            <a:r>
+              <a:rPr lang="zh-CN" altLang="en-US" b="1" dirty="0"/>
+              <a:t>项目背景 </a:t>
+            </a:r>
+            <a:r>
+              <a:rPr lang="en-US" altLang="zh-CN" b="1" dirty="0"/>
+              <a:t>AI</a:t>
+            </a:r>
+            <a:r>
+              <a:rPr lang="zh-CN" altLang="en-US" b="1" dirty="0"/>
+              <a:t>服务</a:t>
+            </a:r>
+          </a:p>
+        </p:txBody>
+      </p:sp>
+      <p:sp>
+        <p:nvSpPr>
+          <p:cNvPr id="4" name="灯片编号占位符 3"/>
+          <p:cNvSpPr>
+            <a:spLocks noGrp="1"/>
+          </p:cNvSpPr>
+          <p:nvPr>
+            <p:ph type="sldNum" sz="quarter" idx="10"/>
+          </p:nvPr>
+        </p:nvSpPr>
+        <p:spPr/>
+        <p:txBody>
+          <a:bodyPr/>
+          <a:lstStyle/>
+          <a:p>
+            <a:pPr>
+              <a:defRPr/>
+            </a:pPr>
+            <a:fld id="{D73D5A0A-93B7-40E2-92BB-DEE0CCFB9337}" type="slidenum">
+              <a:rPr lang="en-US" altLang="ja-JP" smtClean="0"/>
+              <a:t>5</a:t>
+            </a:fld>
+            <a:endParaRPr lang="en-US" altLang="ja-JP"/>
+          </a:p>
+        </p:txBody>
+      </p:sp>
+      <p:graphicFrame>
+        <p:nvGraphicFramePr>
+          <p:cNvPr id="7" name="图示 6"/>
+          <p:cNvGraphicFramePr/>
+          <p:nvPr>
+            <p:extLst>
+              <p:ext uri="{D42A27DB-BD31-4B8C-83A1-F6EECF244321}">
+                <p14:modId xmlns:p14="http://schemas.microsoft.com/office/powerpoint/2010/main" val="4151950990"/>
+              </p:ext>
+            </p:extLst>
+          </p:nvPr>
+        </p:nvGraphicFramePr>
+        <p:xfrm>
+          <a:off x="196056" y="987574"/>
+          <a:ext cx="7704856" cy="3672408"/>
+        </p:xfrm>
+        <a:graphic>
+          <a:graphicData uri="http://schemas.openxmlformats.org/drawingml/2006/diagram">
+            <dgm:relIds xmlns:dgm="http://schemas.openxmlformats.org/drawingml/2006/diagram" xmlns:r="http://schemas.openxmlformats.org/officeDocument/2006/relationships" r:dm="rId3" r:lo="rId4" r:qs="rId5" r:cs="rId6"/>
+          </a:graphicData>
+        </a:graphic>
+      </p:graphicFrame>
+      <p:graphicFrame>
+        <p:nvGraphicFramePr>
+          <p:cNvPr id="8" name="图示 7"/>
+          <p:cNvGraphicFramePr/>
+          <p:nvPr>
+            <p:extLst>
+              <p:ext uri="{D42A27DB-BD31-4B8C-83A1-F6EECF244321}">
+                <p14:modId xmlns:p14="http://schemas.microsoft.com/office/powerpoint/2010/main" val="276529883"/>
+              </p:ext>
+            </p:extLst>
+          </p:nvPr>
+        </p:nvGraphicFramePr>
+        <p:xfrm>
+          <a:off x="6916191" y="791778"/>
+          <a:ext cx="1688257" cy="4064000"/>
+        </p:xfrm>
+        <a:graphic>
+          <a:graphicData uri="http://schemas.openxmlformats.org/drawingml/2006/diagram">
+            <dgm:relIds xmlns:dgm="http://schemas.openxmlformats.org/drawingml/2006/diagram" xmlns:r="http://schemas.openxmlformats.org/officeDocument/2006/relationships" r:dm="rId8" r:lo="rId9" r:qs="rId10" r:cs="rId11"/>
+          </a:graphicData>
+        </a:graphic>
+      </p:graphicFrame>
+    </p:spTree>
+    <p:extLst>
+      <p:ext uri="{BB962C8B-B14F-4D97-AF65-F5344CB8AC3E}">
+        <p14:creationId xmlns:p14="http://schemas.microsoft.com/office/powerpoint/2010/main" val="2536236665"/>
+      </p:ext>
+    </p:extLst>
+  </p:cSld>
+  <p:clrMapOvr>
+    <a:masterClrMapping/>
+  </p:clrMapOvr>
+</p:sld>
+</file>
+
+<file path=ppt/slides/slide6.xml><?xml version="1.0" encoding="utf-8"?>
+<p:sld xmlns:a="http://schemas.openxmlformats.org/drawingml/2006/main" xmlns:r="http://schemas.openxmlformats.org/officeDocument/2006/relationships" xmlns:p="http://schemas.openxmlformats.org/presentationml/2006/main">
+  <p:cSld>
+    <p:spTree>
+      <p:nvGrpSpPr>
+        <p:cNvPr id="1" name=""/>
+        <p:cNvGrpSpPr/>
+        <p:nvPr/>
+      </p:nvGrpSpPr>
+      <p:grpSpPr>
+        <a:xfrm>
+          <a:off x="0" y="0"/>
+          <a:ext cx="0" cy="0"/>
+          <a:chOff x="0" y="0"/>
+          <a:chExt cx="0" cy="0"/>
+        </a:xfrm>
+      </p:grpSpPr>
+      <p:sp>
+        <p:nvSpPr>
           <p:cNvPr id="2" name="灯片编号占位符 1"/>
           <p:cNvSpPr>
             <a:spLocks noGrp="1"/>
@@ -20819,7 +20824,7 @@
             </a:pPr>
             <a:fld id="{10797473-AB37-4113-B51A-A8019F3F77BA}" type="slidenum">
               <a:rPr lang="en-US" altLang="ja-JP" smtClean="0"/>
-              <a:t>4</a:t>
+              <a:t>6</a:t>
             </a:fld>
             <a:endParaRPr lang="en-US" altLang="ja-JP"/>
           </a:p>
@@ -20853,7 +20858,7 @@
           <a:p>
             <a:pPr algn="ctr"/>
             <a:r>
-              <a:rPr lang="en-US" altLang="zh-CN" sz="1800" b="1" smtClean="0">
+              <a:rPr lang="en-US" altLang="zh-CN" sz="1800" b="1">
                 <a:solidFill>
                   <a:srgbClr val="ED7D31"/>
                 </a:solidFill>
@@ -20898,7 +20903,7 @@
           <a:p>
             <a:pPr algn="ctr"/>
             <a:r>
-              <a:rPr lang="en-US" altLang="zh-CN" sz="1800" b="1" spc="-38" smtClean="0">
+              <a:rPr lang="en-US" altLang="zh-CN" sz="1800" b="1" spc="-38">
                 <a:solidFill>
                   <a:srgbClr val="ED7D31"/>
                 </a:solidFill>
@@ -20980,7 +20985,7 @@
               <a:buFontTx/>
               <a:buNone/>
             </a:pPr>
-            <a:endParaRPr kumimoji="1" lang="zh-CN" altLang="en-US" sz="1400" b="0" i="0" u="none" strike="noStrike" cap="none" normalizeH="0" baseline="0" smtClean="0">
+            <a:endParaRPr kumimoji="1" lang="zh-CN" altLang="en-US" sz="1400" b="0" i="0" u="none" strike="noStrike" cap="none" normalizeH="0" baseline="0">
               <a:ln>
                 <a:noFill/>
               </a:ln>
@@ -21047,7 +21052,7 @@
               <a:buFontTx/>
               <a:buNone/>
             </a:pPr>
-            <a:endParaRPr kumimoji="1" lang="zh-CN" altLang="en-US" sz="1400" b="0" i="0" u="none" strike="noStrike" cap="none" normalizeH="0" baseline="0" smtClean="0">
+            <a:endParaRPr kumimoji="1" lang="zh-CN" altLang="en-US" sz="1400" b="0" i="0" u="none" strike="noStrike" cap="none" normalizeH="0" baseline="0">
               <a:ln>
                 <a:noFill/>
               </a:ln>
@@ -21105,7 +21110,7 @@
               <a:buFontTx/>
               <a:buNone/>
             </a:pPr>
-            <a:endParaRPr kumimoji="1" lang="zh-CN" altLang="en-US" sz="1400" b="0" i="0" u="none" strike="noStrike" cap="none" normalizeH="0" baseline="0" smtClean="0">
+            <a:endParaRPr kumimoji="1" lang="zh-CN" altLang="en-US" sz="1400" b="0" i="0" u="none" strike="noStrike" cap="none" normalizeH="0" baseline="0">
               <a:ln>
                 <a:noFill/>
               </a:ln>
@@ -21147,7 +21152,7 @@
           <a:p>
             <a:pPr algn="ctr"/>
             <a:r>
-              <a:rPr lang="en-US" altLang="zh-CN" sz="1200" spc="-12" smtClean="0">
+              <a:rPr lang="en-US" altLang="zh-CN" sz="1200" spc="-12">
                 <a:solidFill>
                   <a:schemeClr val="dk1"/>
                 </a:solidFill>
@@ -21191,7 +21196,7 @@
           <a:lstStyle/>
           <a:p>
             <a:r>
-              <a:rPr lang="en-US" altLang="zh-CN" sz="1200" spc="-14" smtClean="0">
+              <a:rPr lang="en-US" altLang="zh-CN" sz="1200" spc="-14">
                 <a:solidFill>
                   <a:schemeClr val="lt1"/>
                 </a:solidFill>
@@ -21235,7 +21240,7 @@
           <a:lstStyle/>
           <a:p>
             <a:r>
-              <a:rPr lang="en-US" altLang="zh-CN" sz="1200" spc="-26" smtClean="0">
+              <a:rPr lang="en-US" altLang="zh-CN" sz="1200" spc="-26">
                 <a:solidFill>
                   <a:schemeClr val="lt1"/>
                 </a:solidFill>
@@ -21279,7 +21284,7 @@
           <a:lstStyle/>
           <a:p>
             <a:r>
-              <a:rPr lang="en-US" altLang="zh-CN" sz="1200" spc="-26" smtClean="0">
+              <a:rPr lang="en-US" altLang="zh-CN" sz="1200" spc="-26">
                 <a:solidFill>
                   <a:schemeClr val="lt1"/>
                 </a:solidFill>
@@ -21323,7 +21328,7 @@
           <a:lstStyle/>
           <a:p>
             <a:r>
-              <a:rPr lang="en-US" altLang="zh-CN" sz="1200" spc="-20" smtClean="0">
+              <a:rPr lang="en-US" altLang="zh-CN" sz="1200" spc="-20">
                 <a:solidFill>
                   <a:srgbClr val="44546A"/>
                 </a:solidFill>
@@ -21367,7 +21372,7 @@
           <a:lstStyle/>
           <a:p>
             <a:r>
-              <a:rPr lang="en-US" altLang="zh-CN" sz="1200" spc="-26" smtClean="0">
+              <a:rPr lang="en-US" altLang="zh-CN" sz="1200" spc="-26">
                 <a:solidFill>
                   <a:schemeClr val="lt1"/>
                 </a:solidFill>
@@ -21411,7 +21416,7 @@
           <a:lstStyle/>
           <a:p>
             <a:r>
-              <a:rPr lang="en-US" altLang="zh-CN" sz="1200" spc="-26" smtClean="0">
+              <a:rPr lang="en-US" altLang="zh-CN" sz="1200" spc="-26">
                 <a:solidFill>
                   <a:schemeClr val="lt1"/>
                 </a:solidFill>
@@ -21455,7 +21460,7 @@
           <a:lstStyle/>
           <a:p>
             <a:r>
-              <a:rPr lang="en-US" altLang="zh-CN" sz="1200" spc="-26" smtClean="0">
+              <a:rPr lang="en-US" altLang="zh-CN" sz="1200" spc="-26">
                 <a:solidFill>
                   <a:schemeClr val="lt1"/>
                 </a:solidFill>
@@ -21499,7 +21504,7 @@
           <a:lstStyle/>
           <a:p>
             <a:r>
-              <a:rPr lang="en-US" altLang="zh-CN" sz="1200" spc="-26" smtClean="0">
+              <a:rPr lang="en-US" altLang="zh-CN" sz="1200" spc="-26">
                 <a:solidFill>
                   <a:schemeClr val="lt1"/>
                 </a:solidFill>
@@ -21543,7 +21548,7 @@
           <a:lstStyle/>
           <a:p>
             <a:r>
-              <a:rPr lang="en-US" altLang="zh-CN" sz="1200" spc="-26" smtClean="0">
+              <a:rPr lang="en-US" altLang="zh-CN" sz="1200" spc="-26">
                 <a:solidFill>
                   <a:schemeClr val="lt1"/>
                 </a:solidFill>
@@ -21616,7 +21621,7 @@
               <a:buFontTx/>
               <a:buNone/>
             </a:pPr>
-            <a:endParaRPr kumimoji="1" lang="zh-CN" altLang="en-US" sz="1400" b="0" i="0" u="none" strike="noStrike" cap="none" normalizeH="0" baseline="0" smtClean="0">
+            <a:endParaRPr kumimoji="1" lang="zh-CN" altLang="en-US" sz="1400" b="0" i="0" u="none" strike="noStrike" cap="none" normalizeH="0" baseline="0">
               <a:ln>
                 <a:noFill/>
               </a:ln>
@@ -21685,7 +21690,7 @@
               <a:buFontTx/>
               <a:buNone/>
             </a:pPr>
-            <a:endParaRPr kumimoji="1" lang="zh-CN" altLang="en-US" sz="1400" b="0" i="0" u="none" strike="noStrike" cap="none" normalizeH="0" baseline="0" smtClean="0">
+            <a:endParaRPr kumimoji="1" lang="zh-CN" altLang="en-US" sz="1400" b="0" i="0" u="none" strike="noStrike" cap="none" normalizeH="0" baseline="0">
               <a:ln>
                 <a:noFill/>
               </a:ln>
@@ -21752,7 +21757,7 @@
               <a:buFontTx/>
               <a:buNone/>
             </a:pPr>
-            <a:endParaRPr kumimoji="1" lang="zh-CN" altLang="en-US" sz="1400" b="0" i="0" u="none" strike="noStrike" cap="none" normalizeH="0" baseline="0" smtClean="0">
+            <a:endParaRPr kumimoji="1" lang="zh-CN" altLang="en-US" sz="1400" b="0" i="0" u="none" strike="noStrike" cap="none" normalizeH="0" baseline="0">
               <a:ln>
                 <a:noFill/>
               </a:ln>
@@ -21819,7 +21824,7 @@
               <a:buFontTx/>
               <a:buNone/>
             </a:pPr>
-            <a:endParaRPr kumimoji="1" lang="zh-CN" altLang="en-US" sz="1400" b="0" i="0" u="none" strike="noStrike" cap="none" normalizeH="0" baseline="0" smtClean="0">
+            <a:endParaRPr kumimoji="1" lang="zh-CN" altLang="en-US" sz="1400" b="0" i="0" u="none" strike="noStrike" cap="none" normalizeH="0" baseline="0">
               <a:ln>
                 <a:noFill/>
               </a:ln>
@@ -21886,7 +21891,7 @@
               <a:buFontTx/>
               <a:buNone/>
             </a:pPr>
-            <a:endParaRPr kumimoji="1" lang="zh-CN" altLang="en-US" sz="1400" b="0" i="0" u="none" strike="noStrike" cap="none" normalizeH="0" baseline="0" smtClean="0">
+            <a:endParaRPr kumimoji="1" lang="zh-CN" altLang="en-US" sz="1400" b="0" i="0" u="none" strike="noStrike" cap="none" normalizeH="0" baseline="0">
               <a:ln>
                 <a:noFill/>
               </a:ln>
@@ -21953,7 +21958,7 @@
               <a:buFontTx/>
               <a:buNone/>
             </a:pPr>
-            <a:endParaRPr kumimoji="1" lang="zh-CN" altLang="en-US" sz="1400" b="0" i="0" u="none" strike="noStrike" cap="none" normalizeH="0" baseline="0" smtClean="0">
+            <a:endParaRPr kumimoji="1" lang="zh-CN" altLang="en-US" sz="1400" b="0" i="0" u="none" strike="noStrike" cap="none" normalizeH="0" baseline="0">
               <a:ln>
                 <a:noFill/>
               </a:ln>
@@ -22022,7 +22027,7 @@
               <a:buFontTx/>
               <a:buNone/>
             </a:pPr>
-            <a:endParaRPr kumimoji="1" lang="zh-CN" altLang="en-US" sz="1400" b="0" i="0" u="none" strike="noStrike" cap="none" normalizeH="0" baseline="0" smtClean="0">
+            <a:endParaRPr kumimoji="1" lang="zh-CN" altLang="en-US" sz="1400" b="0" i="0" u="none" strike="noStrike" cap="none" normalizeH="0" baseline="0">
               <a:ln>
                 <a:noFill/>
               </a:ln>
@@ -22091,7 +22096,7 @@
               <a:buFontTx/>
               <a:buNone/>
             </a:pPr>
-            <a:endParaRPr kumimoji="1" lang="zh-CN" altLang="en-US" sz="1400" b="0" i="0" u="none" strike="noStrike" cap="none" normalizeH="0" baseline="0" smtClean="0">
+            <a:endParaRPr kumimoji="1" lang="zh-CN" altLang="en-US" sz="1400" b="0" i="0" u="none" strike="noStrike" cap="none" normalizeH="0" baseline="0">
               <a:ln>
                 <a:noFill/>
               </a:ln>
@@ -22158,7 +22163,7 @@
               <a:buFontTx/>
               <a:buNone/>
             </a:pPr>
-            <a:endParaRPr kumimoji="1" lang="zh-CN" altLang="en-US" sz="1400" b="0" i="0" u="none" strike="noStrike" cap="none" normalizeH="0" baseline="0" smtClean="0">
+            <a:endParaRPr kumimoji="1" lang="zh-CN" altLang="en-US" sz="1400" b="0" i="0" u="none" strike="noStrike" cap="none" normalizeH="0" baseline="0">
               <a:ln>
                 <a:noFill/>
               </a:ln>
@@ -22225,7 +22230,7 @@
               <a:buFontTx/>
               <a:buNone/>
             </a:pPr>
-            <a:endParaRPr kumimoji="1" lang="zh-CN" altLang="en-US" sz="1400" b="0" i="0" u="none" strike="noStrike" cap="none" normalizeH="0" baseline="0" smtClean="0">
+            <a:endParaRPr kumimoji="1" lang="zh-CN" altLang="en-US" sz="1400" b="0" i="0" u="none" strike="noStrike" cap="none" normalizeH="0" baseline="0">
               <a:ln>
                 <a:noFill/>
               </a:ln>
@@ -22288,7 +22293,7 @@
               <a:buFontTx/>
               <a:buNone/>
             </a:pPr>
-            <a:endParaRPr kumimoji="1" lang="zh-CN" altLang="en-US" sz="1400" b="0" i="0" u="none" strike="noStrike" cap="none" normalizeH="0" baseline="0" smtClean="0">
+            <a:endParaRPr kumimoji="1" lang="zh-CN" altLang="en-US" sz="1400" b="0" i="0" u="none" strike="noStrike" cap="none" normalizeH="0" baseline="0">
               <a:ln>
                 <a:noFill/>
               </a:ln>
@@ -22350,7 +22355,7 @@
               <a:buFontTx/>
               <a:buNone/>
             </a:pPr>
-            <a:endParaRPr kumimoji="1" lang="zh-CN" altLang="en-US" sz="1400" b="0" i="0" u="none" strike="noStrike" cap="none" normalizeH="0" baseline="0" smtClean="0">
+            <a:endParaRPr kumimoji="1" lang="zh-CN" altLang="en-US" sz="1400" b="0" i="0" u="none" strike="noStrike" cap="none" normalizeH="0" baseline="0">
               <a:ln>
                 <a:noFill/>
               </a:ln>
@@ -22410,7 +22415,7 @@
               <a:buFontTx/>
               <a:buNone/>
             </a:pPr>
-            <a:endParaRPr kumimoji="1" lang="zh-CN" altLang="en-US" sz="1400" b="0" i="0" u="none" strike="noStrike" cap="none" normalizeH="0" baseline="0" smtClean="0">
+            <a:endParaRPr kumimoji="1" lang="zh-CN" altLang="en-US" sz="1400" b="0" i="0" u="none" strike="noStrike" cap="none" normalizeH="0" baseline="0">
               <a:ln>
                 <a:noFill/>
               </a:ln>
@@ -22470,7 +22475,7 @@
               <a:buFontTx/>
               <a:buNone/>
             </a:pPr>
-            <a:endParaRPr kumimoji="1" lang="zh-CN" altLang="en-US" sz="1400" b="0" i="0" u="none" strike="noStrike" cap="none" normalizeH="0" baseline="0" smtClean="0">
+            <a:endParaRPr kumimoji="1" lang="zh-CN" altLang="en-US" sz="1400" b="0" i="0" u="none" strike="noStrike" cap="none" normalizeH="0" baseline="0">
               <a:ln>
                 <a:noFill/>
               </a:ln>
@@ -22530,7 +22535,7 @@
               <a:buFontTx/>
               <a:buNone/>
             </a:pPr>
-            <a:endParaRPr kumimoji="1" lang="zh-CN" altLang="en-US" sz="1400" b="0" i="0" u="none" strike="noStrike" cap="none" normalizeH="0" baseline="0" smtClean="0">
+            <a:endParaRPr kumimoji="1" lang="zh-CN" altLang="en-US" sz="1400" b="0" i="0" u="none" strike="noStrike" cap="none" normalizeH="0" baseline="0">
               <a:ln>
                 <a:noFill/>
               </a:ln>
@@ -22590,7 +22595,7 @@
               <a:buFontTx/>
               <a:buNone/>
             </a:pPr>
-            <a:endParaRPr kumimoji="1" lang="zh-CN" altLang="en-US" sz="1400" b="0" i="0" u="none" strike="noStrike" cap="none" normalizeH="0" baseline="0" smtClean="0">
+            <a:endParaRPr kumimoji="1" lang="zh-CN" altLang="en-US" sz="1400" b="0" i="0" u="none" strike="noStrike" cap="none" normalizeH="0" baseline="0">
               <a:ln>
                 <a:noFill/>
               </a:ln>
@@ -22652,7 +22657,7 @@
               <a:buFontTx/>
               <a:buNone/>
             </a:pPr>
-            <a:endParaRPr kumimoji="1" lang="zh-CN" altLang="en-US" sz="1400" b="0" i="0" u="none" strike="noStrike" cap="none" normalizeH="0" baseline="0" smtClean="0">
+            <a:endParaRPr kumimoji="1" lang="zh-CN" altLang="en-US" sz="1400" b="0" i="0" u="none" strike="noStrike" cap="none" normalizeH="0" baseline="0">
               <a:ln>
                 <a:noFill/>
               </a:ln>
@@ -22714,7 +22719,7 @@
               <a:buFontTx/>
               <a:buNone/>
             </a:pPr>
-            <a:endParaRPr kumimoji="1" lang="zh-CN" altLang="en-US" sz="1400" b="0" i="0" u="none" strike="noStrike" cap="none" normalizeH="0" baseline="0" smtClean="0">
+            <a:endParaRPr kumimoji="1" lang="zh-CN" altLang="en-US" sz="1400" b="0" i="0" u="none" strike="noStrike" cap="none" normalizeH="0" baseline="0">
               <a:ln>
                 <a:noFill/>
               </a:ln>
@@ -22774,7 +22779,7 @@
               <a:buFontTx/>
               <a:buNone/>
             </a:pPr>
-            <a:endParaRPr kumimoji="1" lang="zh-CN" altLang="en-US" sz="1400" b="0" i="0" u="none" strike="noStrike" cap="none" normalizeH="0" baseline="0" smtClean="0">
+            <a:endParaRPr kumimoji="1" lang="zh-CN" altLang="en-US" sz="1400" b="0" i="0" u="none" strike="noStrike" cap="none" normalizeH="0" baseline="0">
               <a:ln>
                 <a:noFill/>
               </a:ln>
@@ -22834,7 +22839,7 @@
               <a:buFontTx/>
               <a:buNone/>
             </a:pPr>
-            <a:endParaRPr kumimoji="1" lang="zh-CN" altLang="en-US" sz="1400" b="0" i="0" u="none" strike="noStrike" cap="none" normalizeH="0" baseline="0" smtClean="0">
+            <a:endParaRPr kumimoji="1" lang="zh-CN" altLang="en-US" sz="1400" b="0" i="0" u="none" strike="noStrike" cap="none" normalizeH="0" baseline="0">
               <a:ln>
                 <a:noFill/>
               </a:ln>
@@ -22875,7 +22880,7 @@
           <a:lstStyle/>
           <a:p>
             <a:r>
-              <a:rPr lang="en-US" altLang="zh-CN" sz="1000" smtClean="0">
+              <a:rPr lang="en-US" altLang="zh-CN" sz="1000">
                 <a:solidFill>
                   <a:srgbClr val="ED7D31"/>
                 </a:solidFill>
@@ -23027,7 +23032,7 @@
           <a:p>
             <a:pPr algn="r"/>
             <a:r>
-              <a:rPr lang="en-US" altLang="zh-CN" sz="1000" spc="-4" smtClean="0">
+              <a:rPr lang="en-US" altLang="zh-CN" sz="1000" spc="-4">
                 <a:solidFill>
                   <a:srgbClr val="44546A"/>
                 </a:solidFill>
@@ -23071,7 +23076,7 @@
           <a:lstStyle/>
           <a:p>
             <a:r>
-              <a:rPr lang="ja-JP" altLang="en-US" sz="1100" b="1" spc="-4" smtClean="0">
+              <a:rPr lang="ja-JP" altLang="en-US" sz="1100" b="1" spc="-4">
                 <a:solidFill>
                   <a:schemeClr val="dk1"/>
                 </a:solidFill>
@@ -23080,7 +23085,7 @@
               <a:t>阅读</a:t>
             </a:r>
             <a:r>
-              <a:rPr lang="en-US" altLang="ja-JP" sz="1100" b="1" spc="-4" smtClean="0">
+              <a:rPr lang="en-US" altLang="ja-JP" sz="1100" b="1" spc="-4">
                 <a:solidFill>
                   <a:schemeClr val="dk1"/>
                 </a:solidFill>
@@ -23089,7 +23094,7 @@
               <a:t>《</a:t>
             </a:r>
             <a:r>
-              <a:rPr lang="ja-JP" altLang="en-US" sz="1100" b="1" spc="-4" smtClean="0">
+              <a:rPr lang="ja-JP" altLang="en-US" sz="1100" b="1" spc="-4">
                 <a:solidFill>
                   <a:schemeClr val="dk1"/>
                 </a:solidFill>
@@ -23098,7 +23103,7 @@
               <a:t>日本流　会社員の常識と礼儀</a:t>
             </a:r>
             <a:r>
-              <a:rPr lang="en-US" altLang="ja-JP" sz="1100" b="1" spc="-4" smtClean="0">
+              <a:rPr lang="en-US" altLang="ja-JP" sz="1100" b="1" spc="-4">
                 <a:solidFill>
                   <a:schemeClr val="dk1"/>
                 </a:solidFill>
@@ -23107,7 +23112,7 @@
               <a:t>》</a:t>
             </a:r>
             <a:r>
-              <a:rPr lang="ja-JP" altLang="en-US" sz="1100" b="1" spc="-4" smtClean="0">
+              <a:rPr lang="ja-JP" altLang="en-US" sz="1100" b="1" spc="-4">
                 <a:solidFill>
                   <a:schemeClr val="dk1"/>
                 </a:solidFill>
@@ -23151,7 +23156,7 @@
           <a:lstStyle/>
           <a:p>
             <a:r>
-              <a:rPr lang="en-US" altLang="zh-CN" sz="1000" smtClean="0">
+              <a:rPr lang="en-US" altLang="zh-CN" sz="1000">
                 <a:solidFill>
                   <a:srgbClr val="ED7D31"/>
                 </a:solidFill>
@@ -23303,7 +23308,7 @@
           <a:p>
             <a:pPr algn="r"/>
             <a:r>
-              <a:rPr lang="en-US" altLang="zh-CN" sz="1000" smtClean="0">
+              <a:rPr lang="en-US" altLang="zh-CN" sz="1000">
                 <a:solidFill>
                   <a:srgbClr val="44546A"/>
                 </a:solidFill>
@@ -23347,7 +23352,7 @@
           <a:lstStyle/>
           <a:p>
             <a:r>
-              <a:rPr lang="en-US" altLang="zh-CN" sz="1100" b="1" spc="-4" smtClean="0">
+              <a:rPr lang="en-US" altLang="zh-CN" sz="1100" b="1" spc="-4">
                 <a:solidFill>
                   <a:schemeClr val="dk1"/>
                 </a:solidFill>
@@ -23356,7 +23361,7 @@
               <a:t>Linux OS</a:t>
             </a:r>
             <a:r>
-              <a:rPr lang="zh-CN" altLang="en-US" sz="1100" b="1" spc="-4" smtClean="0">
+              <a:rPr lang="zh-CN" altLang="en-US" sz="1100" b="1" spc="-4">
                 <a:solidFill>
                   <a:schemeClr val="dk1"/>
                 </a:solidFill>
@@ -23365,7 +23370,7 @@
               <a:t>与</a:t>
             </a:r>
             <a:r>
-              <a:rPr lang="en-US" altLang="zh-CN" sz="1100" b="1" spc="-4" smtClean="0">
+              <a:rPr lang="en-US" altLang="zh-CN" sz="1100" b="1" spc="-4">
                 <a:solidFill>
                   <a:schemeClr val="dk1"/>
                 </a:solidFill>
@@ -23374,7 +23379,7 @@
               <a:t>Docker</a:t>
             </a:r>
             <a:r>
-              <a:rPr lang="zh-CN" altLang="en-US" sz="1100" b="1" spc="-4" smtClean="0">
+              <a:rPr lang="zh-CN" altLang="en-US" sz="1100" b="1" spc="-4">
                 <a:solidFill>
                   <a:schemeClr val="dk1"/>
                 </a:solidFill>
@@ -23382,12 +23387,6 @@
               </a:rPr>
               <a:t>学习</a:t>
             </a:r>
-            <a:endParaRPr lang="zh-CN" altLang="en-US" sz="1100" b="1" spc="-4">
-              <a:solidFill>
-                <a:schemeClr val="dk1"/>
-              </a:solidFill>
-              <a:latin typeface="Calibri" panose="020F0502020204030204" pitchFamily="34" charset="0"/>
-            </a:endParaRPr>
           </a:p>
         </p:txBody>
       </p:sp>
@@ -23418,7 +23417,7 @@
           <a:lstStyle/>
           <a:p>
             <a:r>
-              <a:rPr lang="en-US" altLang="zh-CN" sz="1000" smtClean="0">
+              <a:rPr lang="en-US" altLang="zh-CN" sz="1000">
                 <a:solidFill>
                   <a:srgbClr val="ED7D31"/>
                 </a:solidFill>
@@ -23570,7 +23569,7 @@
           <a:p>
             <a:pPr algn="r"/>
             <a:r>
-              <a:rPr lang="en-US" altLang="zh-CN" sz="1000" spc="-4" smtClean="0">
+              <a:rPr lang="en-US" altLang="zh-CN" sz="1000" spc="-4">
                 <a:solidFill>
                   <a:srgbClr val="44546A"/>
                 </a:solidFill>
@@ -23614,7 +23613,7 @@
           <a:lstStyle/>
           <a:p>
             <a:r>
-              <a:rPr lang="en-US" altLang="zh-CN" sz="1100" b="1" spc="-4" smtClean="0">
+              <a:rPr lang="en-US" altLang="zh-CN" sz="1100" b="1" spc="-4">
                 <a:solidFill>
                   <a:schemeClr val="dk1"/>
                 </a:solidFill>
@@ -23623,7 +23622,7 @@
               <a:t>Eidetic 3D LSTM</a:t>
             </a:r>
             <a:r>
-              <a:rPr lang="zh-CN" altLang="en-US" sz="1100" b="1" spc="-4" smtClean="0">
+              <a:rPr lang="zh-CN" altLang="en-US" sz="1100" b="1" spc="-4">
                 <a:solidFill>
                   <a:schemeClr val="dk1"/>
                 </a:solidFill>
@@ -23632,7 +23631,7 @@
               <a:t>论文阅读及</a:t>
             </a:r>
             <a:r>
-              <a:rPr lang="en-US" altLang="zh-CN" sz="1100" b="1" spc="-4" smtClean="0">
+              <a:rPr lang="en-US" altLang="zh-CN" sz="1100" b="1" spc="-4">
                 <a:solidFill>
                   <a:schemeClr val="dk1"/>
                 </a:solidFill>
@@ -23641,7 +23640,7 @@
               <a:t>Optical Flow</a:t>
             </a:r>
             <a:r>
-              <a:rPr lang="zh-CN" altLang="en-US" sz="1100" b="1" spc="-4" smtClean="0">
+              <a:rPr lang="zh-CN" altLang="en-US" sz="1100" b="1" spc="-4">
                 <a:solidFill>
                   <a:schemeClr val="dk1"/>
                 </a:solidFill>
@@ -23649,12 +23648,6 @@
               </a:rPr>
               <a:t>复现</a:t>
             </a:r>
-            <a:endParaRPr lang="zh-CN" altLang="en-US" sz="1100" b="1" spc="-4">
-              <a:solidFill>
-                <a:schemeClr val="dk1"/>
-              </a:solidFill>
-              <a:latin typeface="Calibri" panose="020F0502020204030204" pitchFamily="34" charset="0"/>
-            </a:endParaRPr>
           </a:p>
         </p:txBody>
       </p:sp>
@@ -23685,7 +23678,7 @@
           <a:lstStyle/>
           <a:p>
             <a:r>
-              <a:rPr lang="en-US" altLang="zh-CN" sz="1000" smtClean="0">
+              <a:rPr lang="en-US" altLang="zh-CN" sz="1000">
                 <a:solidFill>
                   <a:srgbClr val="ED7D31"/>
                 </a:solidFill>
@@ -23837,7 +23830,7 @@
           <a:p>
             <a:pPr algn="r"/>
             <a:r>
-              <a:rPr lang="en-US" altLang="zh-CN" sz="1000" spc="-4" smtClean="0">
+              <a:rPr lang="en-US" altLang="zh-CN" sz="1000" spc="-4">
                 <a:solidFill>
                   <a:srgbClr val="44546A"/>
                 </a:solidFill>
@@ -23881,7 +23874,7 @@
           <a:lstStyle/>
           <a:p>
             <a:r>
-              <a:rPr lang="en-US" altLang="zh-CN" sz="1100" b="1" spc="-12" smtClean="0">
+              <a:rPr lang="en-US" altLang="zh-CN" sz="1100" b="1" spc="-12">
                 <a:solidFill>
                   <a:schemeClr val="dk1"/>
                 </a:solidFill>
@@ -23890,7 +23883,7 @@
               <a:t>PP-YOLO</a:t>
             </a:r>
             <a:r>
-              <a:rPr lang="zh-CN" altLang="en-US" sz="1100" b="1" spc="-12" smtClean="0">
+              <a:rPr lang="zh-CN" altLang="en-US" sz="1100" b="1" spc="-12">
                 <a:solidFill>
                   <a:schemeClr val="dk1"/>
                 </a:solidFill>
@@ -23899,7 +23892,7 @@
               <a:t>与</a:t>
             </a:r>
             <a:r>
-              <a:rPr lang="en-US" altLang="zh-CN" sz="1100" b="1" spc="-12" smtClean="0">
+              <a:rPr lang="en-US" altLang="zh-CN" sz="1100" b="1" spc="-12">
                 <a:solidFill>
                   <a:schemeClr val="dk1"/>
                 </a:solidFill>
@@ -23908,7 +23901,7 @@
               <a:t>YOLOV4</a:t>
             </a:r>
             <a:r>
-              <a:rPr lang="zh-CN" altLang="en-US" sz="1100" b="1" spc="-12" smtClean="0">
+              <a:rPr lang="zh-CN" altLang="en-US" sz="1100" b="1" spc="-12">
                 <a:solidFill>
                   <a:schemeClr val="dk1"/>
                 </a:solidFill>
@@ -23916,12 +23909,6 @@
               </a:rPr>
               <a:t>解析尝试</a:t>
             </a:r>
-            <a:endParaRPr lang="zh-CN" altLang="en-US" sz="1100" b="1" spc="-12">
-              <a:solidFill>
-                <a:schemeClr val="dk1"/>
-              </a:solidFill>
-              <a:latin typeface="Calibri" panose="020F0502020204030204" pitchFamily="34" charset="0"/>
-            </a:endParaRPr>
           </a:p>
         </p:txBody>
       </p:sp>
@@ -23952,7 +23939,7 @@
           <a:lstStyle/>
           <a:p>
             <a:r>
-              <a:rPr lang="en-US" altLang="zh-CN" sz="1000" smtClean="0">
+              <a:rPr lang="en-US" altLang="zh-CN" sz="1000">
                 <a:solidFill>
                   <a:srgbClr val="ED7D31"/>
                 </a:solidFill>
@@ -24104,7 +24091,7 @@
           <a:p>
             <a:pPr algn="r"/>
             <a:r>
-              <a:rPr lang="en-US" altLang="zh-CN" sz="1000" spc="-4" smtClean="0">
+              <a:rPr lang="en-US" altLang="zh-CN" sz="1000" spc="-4">
                 <a:solidFill>
                   <a:srgbClr val="44546A"/>
                 </a:solidFill>
@@ -24148,7 +24135,7 @@
           <a:lstStyle/>
           <a:p>
             <a:r>
-              <a:rPr lang="en-US" altLang="zh-CN" sz="1100" b="1" spc="-14" smtClean="0">
+              <a:rPr lang="en-US" altLang="zh-CN" sz="1100" b="1" spc="-14">
                 <a:solidFill>
                   <a:schemeClr val="dk1"/>
                 </a:solidFill>
@@ -24157,7 +24144,7 @@
               <a:t>YOLOV5</a:t>
             </a:r>
             <a:r>
-              <a:rPr lang="zh-CN" altLang="en-US" sz="1100" b="1" spc="-14" smtClean="0">
+              <a:rPr lang="zh-CN" altLang="en-US" sz="1100" b="1" spc="-14">
                 <a:solidFill>
                   <a:schemeClr val="dk1"/>
                 </a:solidFill>
@@ -24165,12 +24152,6 @@
               </a:rPr>
               <a:t>调试与训练</a:t>
             </a:r>
-            <a:endParaRPr lang="zh-CN" altLang="en-US" sz="1100" b="1" spc="-14">
-              <a:solidFill>
-                <a:schemeClr val="dk1"/>
-              </a:solidFill>
-              <a:latin typeface="Calibri" panose="020F0502020204030204" pitchFamily="34" charset="0"/>
-            </a:endParaRPr>
           </a:p>
         </p:txBody>
       </p:sp>
@@ -24201,7 +24182,7 @@
           <a:lstStyle/>
           <a:p>
             <a:r>
-              <a:rPr lang="en-US" altLang="zh-CN" sz="1000" smtClean="0">
+              <a:rPr lang="en-US" altLang="zh-CN" sz="1000">
                 <a:solidFill>
                   <a:srgbClr val="ED7D31"/>
                 </a:solidFill>
@@ -24353,7 +24334,7 @@
           <a:p>
             <a:pPr algn="r"/>
             <a:r>
-              <a:rPr lang="en-US" altLang="zh-CN" sz="1000" spc="-4" smtClean="0">
+              <a:rPr lang="en-US" altLang="zh-CN" sz="1000" spc="-4">
                 <a:solidFill>
                   <a:srgbClr val="44546A"/>
                 </a:solidFill>
@@ -24397,7 +24378,7 @@
           <a:lstStyle/>
           <a:p>
             <a:r>
-              <a:rPr lang="en-US" altLang="zh-CN" sz="1100" b="1" spc="-16" smtClean="0">
+              <a:rPr lang="en-US" altLang="zh-CN" sz="1100" b="1" spc="-16">
                 <a:solidFill>
                   <a:schemeClr val="dk1"/>
                 </a:solidFill>
@@ -24406,7 +24387,7 @@
               <a:t>YOLOV5s</a:t>
             </a:r>
             <a:r>
-              <a:rPr lang="zh-CN" altLang="en-US" sz="1100" b="1" spc="-16" smtClean="0">
+              <a:rPr lang="zh-CN" altLang="en-US" sz="1100" b="1" spc="-16">
                 <a:solidFill>
                   <a:schemeClr val="dk1"/>
                 </a:solidFill>
@@ -24414,12 +24395,6 @@
               </a:rPr>
               <a:t>推理</a:t>
             </a:r>
-            <a:endParaRPr lang="zh-CN" altLang="en-US" sz="1100" b="1" spc="-16">
-              <a:solidFill>
-                <a:schemeClr val="dk1"/>
-              </a:solidFill>
-              <a:latin typeface="Calibri" panose="020F0502020204030204" pitchFamily="34" charset="0"/>
-            </a:endParaRPr>
           </a:p>
         </p:txBody>
       </p:sp>
@@ -24450,7 +24425,7 @@
           <a:lstStyle/>
           <a:p>
             <a:r>
-              <a:rPr lang="en-US" altLang="zh-CN" sz="1000" smtClean="0">
+              <a:rPr lang="en-US" altLang="zh-CN" sz="1000">
                 <a:solidFill>
                   <a:srgbClr val="ED7D31"/>
                 </a:solidFill>
@@ -24602,7 +24577,7 @@
           <a:p>
             <a:pPr algn="r"/>
             <a:r>
-              <a:rPr lang="en-US" altLang="zh-CN" sz="1000" spc="-4" smtClean="0">
+              <a:rPr lang="en-US" altLang="zh-CN" sz="1000" spc="-4">
                 <a:solidFill>
                   <a:srgbClr val="44546A"/>
                 </a:solidFill>
@@ -24646,7 +24621,7 @@
           <a:lstStyle/>
           <a:p>
             <a:r>
-              <a:rPr lang="en-US" altLang="zh-CN" sz="1100" b="1" spc="-10" smtClean="0">
+              <a:rPr lang="en-US" altLang="zh-CN" sz="1100" b="1" spc="-10">
                 <a:solidFill>
                   <a:schemeClr val="dk1"/>
                 </a:solidFill>
@@ -24655,7 +24630,7 @@
               <a:t>YOLO</a:t>
             </a:r>
             <a:r>
-              <a:rPr lang="zh-CN" altLang="en-US" sz="1100" b="1" spc="-10" smtClean="0">
+              <a:rPr lang="zh-CN" altLang="en-US" sz="1100" b="1" spc="-10">
                 <a:solidFill>
                   <a:schemeClr val="dk1"/>
                 </a:solidFill>
@@ -24663,12 +24638,6 @@
               </a:rPr>
               <a:t>系列原理及论文学习</a:t>
             </a:r>
-            <a:endParaRPr lang="zh-CN" altLang="en-US" sz="1100" b="1" spc="-10">
-              <a:solidFill>
-                <a:schemeClr val="dk1"/>
-              </a:solidFill>
-              <a:latin typeface="Calibri" panose="020F0502020204030204" pitchFamily="34" charset="0"/>
-            </a:endParaRPr>
           </a:p>
         </p:txBody>
       </p:sp>
@@ -24699,7 +24668,7 @@
           <a:lstStyle/>
           <a:p>
             <a:r>
-              <a:rPr lang="en-US" altLang="zh-CN" sz="1000" smtClean="0">
+              <a:rPr lang="en-US" altLang="zh-CN" sz="1000">
                 <a:solidFill>
                   <a:srgbClr val="ED7D31"/>
                 </a:solidFill>
@@ -24851,7 +24820,7 @@
           <a:p>
             <a:pPr algn="r"/>
             <a:r>
-              <a:rPr lang="en-US" altLang="zh-CN" sz="1000" spc="-4" smtClean="0">
+              <a:rPr lang="en-US" altLang="zh-CN" sz="1000" spc="-4">
                 <a:solidFill>
                   <a:srgbClr val="44546A"/>
                 </a:solidFill>
@@ -24895,7 +24864,7 @@
           <a:lstStyle/>
           <a:p>
             <a:r>
-              <a:rPr lang="en-US" altLang="zh-CN" sz="1100" b="1" spc="-4" smtClean="0">
+              <a:rPr lang="en-US" altLang="zh-CN" sz="1100" b="1" spc="-4">
                 <a:solidFill>
                   <a:schemeClr val="dk1"/>
                 </a:solidFill>
@@ -24904,7 +24873,7 @@
               <a:t>Flask</a:t>
             </a:r>
             <a:r>
-              <a:rPr lang="zh-CN" altLang="en-US" sz="1100" b="1" spc="-4" smtClean="0">
+              <a:rPr lang="zh-CN" altLang="en-US" sz="1100" b="1" spc="-4">
                 <a:solidFill>
                   <a:schemeClr val="dk1"/>
                 </a:solidFill>
@@ -24912,12 +24881,6 @@
               </a:rPr>
               <a:t>及相关前端知识学习</a:t>
             </a:r>
-            <a:endParaRPr lang="zh-CN" altLang="en-US" sz="1100" b="1" spc="-4">
-              <a:solidFill>
-                <a:schemeClr val="dk1"/>
-              </a:solidFill>
-              <a:latin typeface="Calibri" panose="020F0502020204030204" pitchFamily="34" charset="0"/>
-            </a:endParaRPr>
           </a:p>
         </p:txBody>
       </p:sp>
@@ -24948,7 +24911,7 @@
           <a:lstStyle/>
           <a:p>
             <a:r>
-              <a:rPr lang="en-US" altLang="zh-CN" sz="1000" smtClean="0">
+              <a:rPr lang="en-US" altLang="zh-CN" sz="1000">
                 <a:solidFill>
                   <a:srgbClr val="ED7D31"/>
                 </a:solidFill>
@@ -25100,7 +25063,7 @@
           <a:p>
             <a:pPr algn="r"/>
             <a:r>
-              <a:rPr lang="en-US" altLang="zh-CN" sz="1000" spc="-4" smtClean="0">
+              <a:rPr lang="en-US" altLang="zh-CN" sz="1000" spc="-4">
                 <a:solidFill>
                   <a:srgbClr val="44546A"/>
                 </a:solidFill>
@@ -25144,7 +25107,7 @@
           <a:lstStyle/>
           <a:p>
             <a:r>
-              <a:rPr lang="zh-CN" altLang="en-US" sz="1100" b="1" spc="-10" smtClean="0">
+              <a:rPr lang="zh-CN" altLang="en-US" sz="1100" b="1" spc="-10">
                 <a:solidFill>
                   <a:schemeClr val="dk1"/>
                 </a:solidFill>
@@ -25153,7 +25116,7 @@
               <a:t>部署</a:t>
             </a:r>
             <a:r>
-              <a:rPr lang="en-US" altLang="zh-CN" sz="1100" b="1" spc="-10" smtClean="0">
+              <a:rPr lang="en-US" altLang="zh-CN" sz="1100" b="1" spc="-10">
                 <a:solidFill>
                   <a:schemeClr val="dk1"/>
                 </a:solidFill>
@@ -25162,7 +25125,7 @@
               <a:t>YOLOV5s</a:t>
             </a:r>
             <a:r>
-              <a:rPr lang="zh-CN" altLang="en-US" sz="1100" b="1" spc="-10" smtClean="0">
+              <a:rPr lang="zh-CN" altLang="en-US" sz="1100" b="1" spc="-10">
                 <a:solidFill>
                   <a:schemeClr val="dk1"/>
                 </a:solidFill>
@@ -25171,7 +25134,7 @@
               <a:t>到</a:t>
             </a:r>
             <a:r>
-              <a:rPr lang="en-US" altLang="zh-CN" sz="1100" b="1" spc="-10" smtClean="0">
+              <a:rPr lang="en-US" altLang="zh-CN" sz="1100" b="1" spc="-10">
                 <a:solidFill>
                   <a:schemeClr val="dk1"/>
                 </a:solidFill>
@@ -25215,7 +25178,7 @@
           <a:lstStyle/>
           <a:p>
             <a:r>
-              <a:rPr lang="en-US" altLang="zh-CN" sz="1000" smtClean="0">
+              <a:rPr lang="en-US" altLang="zh-CN" sz="1000">
                 <a:solidFill>
                   <a:srgbClr val="ED7D31"/>
                 </a:solidFill>
@@ -25367,7 +25330,7 @@
           <a:p>
             <a:pPr algn="r"/>
             <a:r>
-              <a:rPr lang="en-US" altLang="zh-CN" sz="1000" spc="-4" smtClean="0">
+              <a:rPr lang="en-US" altLang="zh-CN" sz="1000" spc="-4">
                 <a:solidFill>
                   <a:srgbClr val="44546A"/>
                 </a:solidFill>
@@ -25411,7 +25374,7 @@
           <a:lstStyle/>
           <a:p>
             <a:r>
-              <a:rPr lang="zh-CN" altLang="en-US" sz="1100" b="1" spc="-8" smtClean="0">
+              <a:rPr lang="zh-CN" altLang="en-US" sz="1100" b="1" spc="-8">
                 <a:solidFill>
                   <a:schemeClr val="dk1"/>
                 </a:solidFill>
@@ -25419,12 +25382,6 @@
               </a:rPr>
               <a:t>实习整理与总结</a:t>
             </a:r>
-            <a:endParaRPr lang="zh-CN" altLang="en-US" sz="1100" b="1" spc="-8">
-              <a:solidFill>
-                <a:schemeClr val="dk1"/>
-              </a:solidFill>
-              <a:latin typeface="Calibri" panose="020F0502020204030204" pitchFamily="34" charset="0"/>
-            </a:endParaRPr>
           </a:p>
         </p:txBody>
       </p:sp>
@@ -25587,7 +25544,7 @@
           </a:lstStyle>
           <a:p>
             <a:r>
-              <a:rPr lang="en-US" altLang="zh-CN" b="1" dirty="0" smtClean="0"/>
+              <a:rPr lang="en-US" altLang="zh-CN" b="1" dirty="0"/>
               <a:t>Timeline</a:t>
             </a:r>
             <a:endParaRPr lang="zh-CN" altLang="en-US" b="1" dirty="0"/>
@@ -25607,297 +25564,6 @@
   <p:clrMapOvr>
     <a:masterClrMapping/>
   </p:clrMapOvr>
-  <p:timing>
-    <p:tnLst>
-      <p:par>
-        <p:cTn id="1" dur="indefinite" restart="never" nodeType="tmRoot"/>
-      </p:par>
-    </p:tnLst>
-  </p:timing>
-</p:sld>
-</file>
-
-<file path=ppt/slides/slide5.xml><?xml version="1.0" encoding="utf-8"?>
-<p:sld xmlns:a="http://schemas.openxmlformats.org/drawingml/2006/main" xmlns:r="http://schemas.openxmlformats.org/officeDocument/2006/relationships" xmlns:p="http://schemas.openxmlformats.org/presentationml/2006/main">
-  <p:cSld>
-    <p:spTree>
-      <p:nvGrpSpPr>
-        <p:cNvPr id="1" name=""/>
-        <p:cNvGrpSpPr/>
-        <p:nvPr/>
-      </p:nvGrpSpPr>
-      <p:grpSpPr>
-        <a:xfrm>
-          <a:off x="0" y="0"/>
-          <a:ext cx="0" cy="0"/>
-          <a:chOff x="0" y="0"/>
-          <a:chExt cx="0" cy="0"/>
-        </a:xfrm>
-      </p:grpSpPr>
-      <p:sp>
-        <p:nvSpPr>
-          <p:cNvPr id="2" name="标题 1"/>
-          <p:cNvSpPr>
-            <a:spLocks noGrp="1"/>
-          </p:cNvSpPr>
-          <p:nvPr>
-            <p:ph type="title"/>
-          </p:nvPr>
-        </p:nvSpPr>
-        <p:spPr/>
-        <p:txBody>
-          <a:bodyPr/>
-          <a:lstStyle/>
-          <a:p>
-            <a:r>
-              <a:rPr lang="zh-CN" altLang="en-US" b="1" dirty="0" smtClean="0"/>
-              <a:t>学习</a:t>
-            </a:r>
-            <a:r>
-              <a:rPr lang="zh-CN" altLang="en-US" b="1" dirty="0" smtClean="0"/>
-              <a:t>实践 </a:t>
-            </a:r>
-            <a:r>
-              <a:rPr lang="en-US" altLang="zh-CN" b="1" dirty="0" smtClean="0"/>
-              <a:t>– </a:t>
-            </a:r>
-            <a:r>
-              <a:rPr lang="zh-CN" altLang="en-US" b="1" dirty="0" smtClean="0"/>
-              <a:t>项目背景 </a:t>
-            </a:r>
-            <a:r>
-              <a:rPr lang="en-US" altLang="zh-CN" b="1" dirty="0" smtClean="0"/>
-              <a:t>AI</a:t>
-            </a:r>
-            <a:r>
-              <a:rPr lang="zh-CN" altLang="en-US" b="1" dirty="0" smtClean="0"/>
-              <a:t>服务</a:t>
-            </a:r>
-            <a:endParaRPr lang="zh-CN" altLang="en-US" b="1" dirty="0"/>
-          </a:p>
-        </p:txBody>
-      </p:sp>
-      <p:sp>
-        <p:nvSpPr>
-          <p:cNvPr id="4" name="灯片编号占位符 3"/>
-          <p:cNvSpPr>
-            <a:spLocks noGrp="1"/>
-          </p:cNvSpPr>
-          <p:nvPr>
-            <p:ph type="sldNum" sz="quarter" idx="10"/>
-          </p:nvPr>
-        </p:nvSpPr>
-        <p:spPr/>
-        <p:txBody>
-          <a:bodyPr/>
-          <a:lstStyle/>
-          <a:p>
-            <a:pPr>
-              <a:defRPr/>
-            </a:pPr>
-            <a:fld id="{D73D5A0A-93B7-40E2-92BB-DEE0CCFB9337}" type="slidenum">
-              <a:rPr lang="en-US" altLang="ja-JP" smtClean="0"/>
-              <a:t>5</a:t>
-            </a:fld>
-            <a:endParaRPr lang="en-US" altLang="ja-JP"/>
-          </a:p>
-        </p:txBody>
-      </p:sp>
-      <p:graphicFrame>
-        <p:nvGraphicFramePr>
-          <p:cNvPr id="7" name="图示 6"/>
-          <p:cNvGraphicFramePr/>
-          <p:nvPr>
-            <p:extLst>
-              <p:ext uri="{D42A27DB-BD31-4B8C-83A1-F6EECF244321}">
-                <p14:modId xmlns:p14="http://schemas.microsoft.com/office/powerpoint/2010/main" val="2820104409"/>
-              </p:ext>
-            </p:extLst>
-          </p:nvPr>
-        </p:nvGraphicFramePr>
-        <p:xfrm>
-          <a:off x="196056" y="987574"/>
-          <a:ext cx="7704856" cy="3672408"/>
-        </p:xfrm>
-        <a:graphic>
-          <a:graphicData uri="http://schemas.openxmlformats.org/drawingml/2006/diagram">
-            <dgm:relIds xmlns:dgm="http://schemas.openxmlformats.org/drawingml/2006/diagram" xmlns:r="http://schemas.openxmlformats.org/officeDocument/2006/relationships" r:dm="rId2" r:lo="rId3" r:qs="rId4" r:cs="rId5"/>
-          </a:graphicData>
-        </a:graphic>
-      </p:graphicFrame>
-      <p:graphicFrame>
-        <p:nvGraphicFramePr>
-          <p:cNvPr id="8" name="图示 7"/>
-          <p:cNvGraphicFramePr/>
-          <p:nvPr>
-            <p:extLst>
-              <p:ext uri="{D42A27DB-BD31-4B8C-83A1-F6EECF244321}">
-                <p14:modId xmlns:p14="http://schemas.microsoft.com/office/powerpoint/2010/main" val="276529883"/>
-              </p:ext>
-            </p:extLst>
-          </p:nvPr>
-        </p:nvGraphicFramePr>
-        <p:xfrm>
-          <a:off x="6916191" y="791778"/>
-          <a:ext cx="1688257" cy="4064000"/>
-        </p:xfrm>
-        <a:graphic>
-          <a:graphicData uri="http://schemas.openxmlformats.org/drawingml/2006/diagram">
-            <dgm:relIds xmlns:dgm="http://schemas.openxmlformats.org/drawingml/2006/diagram" xmlns:r="http://schemas.openxmlformats.org/officeDocument/2006/relationships" r:dm="rId7" r:lo="rId8" r:qs="rId9" r:cs="rId10"/>
-          </a:graphicData>
-        </a:graphic>
-      </p:graphicFrame>
-    </p:spTree>
-    <p:extLst>
-      <p:ext uri="{BB962C8B-B14F-4D97-AF65-F5344CB8AC3E}">
-        <p14:creationId xmlns:p14="http://schemas.microsoft.com/office/powerpoint/2010/main" val="2536236665"/>
-      </p:ext>
-    </p:extLst>
-  </p:cSld>
-  <p:clrMapOvr>
-    <a:masterClrMapping/>
-  </p:clrMapOvr>
-  <p:timing>
-    <p:tnLst>
-      <p:par>
-        <p:cTn id="1" dur="indefinite" restart="never" nodeType="tmRoot"/>
-      </p:par>
-    </p:tnLst>
-  </p:timing>
-</p:sld>
-</file>
-
-<file path=ppt/slides/slide6.xml><?xml version="1.0" encoding="utf-8"?>
-<p:sld xmlns:a="http://schemas.openxmlformats.org/drawingml/2006/main" xmlns:r="http://schemas.openxmlformats.org/officeDocument/2006/relationships" xmlns:p="http://schemas.openxmlformats.org/presentationml/2006/main">
-  <p:cSld>
-    <p:spTree>
-      <p:nvGrpSpPr>
-        <p:cNvPr id="1" name=""/>
-        <p:cNvGrpSpPr/>
-        <p:nvPr/>
-      </p:nvGrpSpPr>
-      <p:grpSpPr>
-        <a:xfrm>
-          <a:off x="0" y="0"/>
-          <a:ext cx="0" cy="0"/>
-          <a:chOff x="0" y="0"/>
-          <a:chExt cx="0" cy="0"/>
-        </a:xfrm>
-      </p:grpSpPr>
-      <p:sp>
-        <p:nvSpPr>
-          <p:cNvPr id="2" name="标题 1"/>
-          <p:cNvSpPr>
-            <a:spLocks noGrp="1"/>
-          </p:cNvSpPr>
-          <p:nvPr>
-            <p:ph type="title"/>
-          </p:nvPr>
-        </p:nvSpPr>
-        <p:spPr/>
-        <p:txBody>
-          <a:bodyPr/>
-          <a:lstStyle/>
-          <a:p>
-            <a:r>
-              <a:rPr lang="zh-CN" altLang="en-US" b="1" dirty="0" smtClean="0"/>
-              <a:t>学习实践</a:t>
-            </a:r>
-            <a:endParaRPr lang="zh-CN" altLang="en-US" b="1" dirty="0"/>
-          </a:p>
-        </p:txBody>
-      </p:sp>
-      <p:sp>
-        <p:nvSpPr>
-          <p:cNvPr id="3" name="内容占位符 2"/>
-          <p:cNvSpPr>
-            <a:spLocks noGrp="1"/>
-          </p:cNvSpPr>
-          <p:nvPr>
-            <p:ph idx="1"/>
-          </p:nvPr>
-        </p:nvSpPr>
-        <p:spPr>
-          <a:xfrm>
-            <a:off x="251520" y="771569"/>
-            <a:ext cx="7886700" cy="3264074"/>
-          </a:xfrm>
-        </p:spPr>
-        <p:txBody>
-          <a:bodyPr/>
-          <a:lstStyle/>
-          <a:p>
-            <a:endParaRPr lang="zh-CN" altLang="en-US" dirty="0"/>
-          </a:p>
-        </p:txBody>
-      </p:sp>
-      <p:sp>
-        <p:nvSpPr>
-          <p:cNvPr id="4" name="灯片编号占位符 3"/>
-          <p:cNvSpPr>
-            <a:spLocks noGrp="1"/>
-          </p:cNvSpPr>
-          <p:nvPr>
-            <p:ph type="sldNum" sz="quarter" idx="10"/>
-          </p:nvPr>
-        </p:nvSpPr>
-        <p:spPr/>
-        <p:txBody>
-          <a:bodyPr/>
-          <a:lstStyle/>
-          <a:p>
-            <a:pPr>
-              <a:defRPr/>
-            </a:pPr>
-            <a:fld id="{D73D5A0A-93B7-40E2-92BB-DEE0CCFB9337}" type="slidenum">
-              <a:rPr lang="en-US" altLang="ja-JP" smtClean="0"/>
-              <a:t>6</a:t>
-            </a:fld>
-            <a:endParaRPr lang="en-US" altLang="ja-JP"/>
-          </a:p>
-        </p:txBody>
-      </p:sp>
-      <p:pic>
-        <p:nvPicPr>
-          <p:cNvPr id="5" name="图片 4"/>
-          <p:cNvPicPr>
-            <a:picLocks noChangeAspect="1"/>
-          </p:cNvPicPr>
-          <p:nvPr/>
-        </p:nvPicPr>
-        <p:blipFill>
-          <a:blip r:embed="rId2"/>
-          <a:stretch>
-            <a:fillRect/>
-          </a:stretch>
-        </p:blipFill>
-        <p:spPr>
-          <a:xfrm>
-            <a:off x="683568" y="744527"/>
-            <a:ext cx="5001323" cy="3955332"/>
-          </a:xfrm>
-          <a:prstGeom prst="rect">
-            <a:avLst/>
-          </a:prstGeom>
-        </p:spPr>
-      </p:pic>
-    </p:spTree>
-    <p:extLst>
-      <p:ext uri="{BB962C8B-B14F-4D97-AF65-F5344CB8AC3E}">
-        <p14:creationId xmlns:p14="http://schemas.microsoft.com/office/powerpoint/2010/main" val="1360961557"/>
-      </p:ext>
-    </p:extLst>
-  </p:cSld>
-  <p:clrMapOvr>
-    <a:masterClrMapping/>
-  </p:clrMapOvr>
-  <p:timing>
-    <p:tnLst>
-      <p:par>
-        <p:cTn id="1" dur="indefinite" restart="never" nodeType="tmRoot"/>
-      </p:par>
-    </p:tnLst>
-  </p:timing>
 </p:sld>
 </file>
 
@@ -25934,18 +25600,17 @@
           <a:lstStyle/>
           <a:p>
             <a:r>
-              <a:rPr lang="zh-CN" altLang="en-US" b="1" dirty="0" smtClean="0"/>
+              <a:rPr lang="zh-CN" altLang="en-US" b="1" dirty="0"/>
               <a:t>学习实践 </a:t>
             </a:r>
             <a:r>
-              <a:rPr lang="en-US" altLang="zh-CN" b="1" dirty="0" smtClean="0"/>
+              <a:rPr lang="en-US" altLang="zh-CN" b="1" dirty="0"/>
               <a:t>– </a:t>
             </a:r>
             <a:r>
               <a:rPr lang="zh-CN" altLang="en-US" b="1" dirty="0"/>
-              <a:t>项目背景</a:t>
+              <a:t>目标检测</a:t>
             </a:r>
-            <a:endParaRPr lang="zh-CN" altLang="en-US" b="1" dirty="0"/>
           </a:p>
         </p:txBody>
       </p:sp>
@@ -25961,7 +25626,7 @@
         </p:nvSpPr>
         <p:spPr>
           <a:xfrm>
-            <a:off x="251520" y="771550"/>
+            <a:off x="251520" y="699542"/>
             <a:ext cx="7886700" cy="3264074"/>
           </a:xfrm>
         </p:spPr>
@@ -25969,6 +25634,14 @@
           <a:bodyPr/>
           <a:lstStyle/>
           <a:p>
+            <a:r>
+              <a:rPr lang="zh-CN" altLang="en-US" dirty="0"/>
+              <a:t>模型</a:t>
+            </a:r>
+            <a:r>
+              <a:rPr lang="en-US" altLang="zh-CN" dirty="0"/>
+              <a:t>YoloV5</a:t>
+            </a:r>
             <a:endParaRPr lang="zh-CN" altLang="en-US" dirty="0"/>
           </a:p>
         </p:txBody>
@@ -25999,23 +25672,122 @@
           </a:p>
         </p:txBody>
       </p:sp>
+      <p:pic>
+        <p:nvPicPr>
+          <p:cNvPr id="3078" name="Picture 6" descr="https://user-images.githubusercontent.com/26833433/114313216-f0a5e100-9af5-11eb-8445-c682b60da2e3.png"/>
+          <p:cNvPicPr>
+            <a:picLocks noChangeAspect="1" noChangeArrowheads="1"/>
+          </p:cNvPicPr>
+          <p:nvPr/>
+        </p:nvPicPr>
+        <p:blipFill>
+          <a:blip r:embed="rId2" cstate="print">
+            <a:extLst>
+              <a:ext uri="{28A0092B-C50C-407E-A947-70E740481C1C}">
+                <a14:useLocalDpi xmlns:a14="http://schemas.microsoft.com/office/drawing/2010/main" val="0"/>
+              </a:ext>
+            </a:extLst>
+          </a:blip>
+          <a:srcRect/>
+          <a:stretch>
+            <a:fillRect/>
+          </a:stretch>
+        </p:blipFill>
+        <p:spPr bwMode="auto">
+          <a:xfrm>
+            <a:off x="179512" y="1203598"/>
+            <a:ext cx="7315215" cy="3657607"/>
+          </a:xfrm>
+          <a:prstGeom prst="rect">
+            <a:avLst/>
+          </a:prstGeom>
+          <a:noFill/>
+          <a:extLst>
+            <a:ext uri="{909E8E84-426E-40DD-AFC4-6F175D3DCCD1}">
+              <a14:hiddenFill xmlns:a14="http://schemas.microsoft.com/office/drawing/2010/main">
+                <a:solidFill>
+                  <a:srgbClr val="FFFFFF"/>
+                </a:solidFill>
+              </a14:hiddenFill>
+            </a:ext>
+          </a:extLst>
+        </p:spPr>
+      </p:pic>
+      <p:sp>
+        <p:nvSpPr>
+          <p:cNvPr id="6" name="文本框 5"/>
+          <p:cNvSpPr txBox="1"/>
+          <p:nvPr/>
+        </p:nvSpPr>
+        <p:spPr>
+          <a:xfrm>
+            <a:off x="7566735" y="2323597"/>
+            <a:ext cx="1487833" cy="1169551"/>
+          </a:xfrm>
+          <a:prstGeom prst="rect">
+            <a:avLst/>
+          </a:prstGeom>
+          <a:noFill/>
+        </p:spPr>
+        <p:txBody>
+          <a:bodyPr wrap="square" rtlCol="0">
+            <a:spAutoFit/>
+          </a:bodyPr>
+          <a:lstStyle/>
+          <a:p>
+            <a:r>
+              <a:rPr lang="en-US" altLang="zh-CN" dirty="0"/>
+              <a:t>Yolov5s</a:t>
+            </a:r>
+          </a:p>
+          <a:p>
+            <a:r>
+              <a:rPr lang="zh-CN" altLang="en-US" dirty="0">
+                <a:latin typeface="黑体" panose="02010609060101010101" pitchFamily="49" charset="-122"/>
+                <a:ea typeface="黑体" panose="02010609060101010101" pitchFamily="49" charset="-122"/>
+              </a:rPr>
+              <a:t>优点：网络浅，模型小，速度快</a:t>
+            </a:r>
+            <a:endParaRPr lang="en-US" altLang="zh-CN" dirty="0">
+              <a:latin typeface="黑体" panose="02010609060101010101" pitchFamily="49" charset="-122"/>
+              <a:ea typeface="黑体" panose="02010609060101010101" pitchFamily="49" charset="-122"/>
+            </a:endParaRPr>
+          </a:p>
+          <a:p>
+            <a:r>
+              <a:rPr lang="zh-CN" altLang="en-US" dirty="0">
+                <a:latin typeface="黑体" panose="02010609060101010101" pitchFamily="49" charset="-122"/>
+                <a:ea typeface="黑体" panose="02010609060101010101" pitchFamily="49" charset="-122"/>
+              </a:rPr>
+              <a:t>缺点：</a:t>
+            </a:r>
+            <a:r>
+              <a:rPr lang="en-US" altLang="zh-CN" dirty="0">
+                <a:latin typeface="黑体" panose="02010609060101010101" pitchFamily="49" charset="-122"/>
+                <a:ea typeface="黑体" panose="02010609060101010101" pitchFamily="49" charset="-122"/>
+              </a:rPr>
+              <a:t>AP</a:t>
+            </a:r>
+            <a:r>
+              <a:rPr lang="zh-CN" altLang="en-US" dirty="0">
+                <a:latin typeface="黑体" panose="02010609060101010101" pitchFamily="49" charset="-122"/>
+                <a:ea typeface="黑体" panose="02010609060101010101" pitchFamily="49" charset="-122"/>
+              </a:rPr>
+              <a:t>精度较低</a:t>
+            </a:r>
+          </a:p>
+        </p:txBody>
+      </p:sp>
     </p:spTree>
     <p:extLst>
       <p:ext uri="{BB962C8B-B14F-4D97-AF65-F5344CB8AC3E}">
-        <p14:creationId xmlns:p14="http://schemas.microsoft.com/office/powerpoint/2010/main" val="2103883724"/>
+        <p14:creationId xmlns:p14="http://schemas.microsoft.com/office/powerpoint/2010/main" val="3791170281"/>
       </p:ext>
     </p:extLst>
   </p:cSld>
   <p:clrMapOvr>
     <a:masterClrMapping/>
   </p:clrMapOvr>
-  <p:timing>
-    <p:tnLst>
-      <p:par>
-        <p:cTn id="1" dur="indefinite" restart="never" nodeType="tmRoot"/>
-      </p:par>
-    </p:tnLst>
-  </p:timing>
 </p:sld>
 </file>
 
@@ -26052,335 +25824,17 @@
           <a:lstStyle/>
           <a:p>
             <a:r>
-              <a:rPr lang="zh-CN" altLang="en-US" b="1" dirty="0" smtClean="0"/>
+              <a:rPr lang="zh-CN" altLang="en-US" b="1" dirty="0"/>
               <a:t>学习实践 </a:t>
             </a:r>
             <a:r>
-              <a:rPr lang="en-US" altLang="zh-CN" b="1" dirty="0" smtClean="0"/>
+              <a:rPr lang="en-US" altLang="zh-CN" b="1" dirty="0"/>
               <a:t>– </a:t>
             </a:r>
             <a:r>
-              <a:rPr lang="en-US" altLang="zh-CN" b="1" dirty="0" smtClean="0"/>
-              <a:t>YOLO</a:t>
-            </a:r>
-            <a:r>
-              <a:rPr lang="zh-CN" altLang="en-US" b="1" dirty="0" smtClean="0"/>
-              <a:t>目标检测基本原理</a:t>
-            </a:r>
-            <a:endParaRPr lang="zh-CN" altLang="en-US" b="1" dirty="0"/>
-          </a:p>
-        </p:txBody>
-      </p:sp>
-      <p:sp>
-        <p:nvSpPr>
-          <p:cNvPr id="3" name="内容占位符 2"/>
-          <p:cNvSpPr>
-            <a:spLocks noGrp="1"/>
-          </p:cNvSpPr>
-          <p:nvPr>
-            <p:ph idx="1"/>
-          </p:nvPr>
-        </p:nvSpPr>
-        <p:spPr>
-          <a:xfrm>
-            <a:off x="251520" y="771550"/>
-            <a:ext cx="7886700" cy="3264074"/>
-          </a:xfrm>
-        </p:spPr>
-        <p:txBody>
-          <a:bodyPr/>
-          <a:lstStyle/>
-          <a:p>
-            <a:r>
-              <a:rPr lang="zh-CN" altLang="en-US" dirty="0" smtClean="0"/>
-              <a:t>边界</a:t>
-            </a:r>
-            <a:r>
-              <a:rPr lang="zh-CN" altLang="en-US" dirty="0" smtClean="0"/>
-              <a:t>框</a:t>
-            </a:r>
-            <a:r>
-              <a:rPr lang="zh-CN" altLang="en-US" dirty="0" smtClean="0"/>
-              <a:t>编码</a:t>
-            </a:r>
-            <a:endParaRPr lang="en-US" altLang="zh-CN" dirty="0" smtClean="0"/>
-          </a:p>
-          <a:p>
-            <a:r>
-              <a:rPr lang="en-US" altLang="zh-CN" dirty="0" smtClean="0"/>
-              <a:t>NMS</a:t>
-            </a:r>
-          </a:p>
-          <a:p>
-            <a:r>
-              <a:rPr lang="en-US" altLang="zh-CN" dirty="0" smtClean="0"/>
-              <a:t>Anchor boxes</a:t>
-            </a:r>
-            <a:endParaRPr lang="en-US" altLang="zh-CN" dirty="0" smtClean="0"/>
-          </a:p>
-        </p:txBody>
-      </p:sp>
-      <p:sp>
-        <p:nvSpPr>
-          <p:cNvPr id="4" name="灯片编号占位符 3"/>
-          <p:cNvSpPr>
-            <a:spLocks noGrp="1"/>
-          </p:cNvSpPr>
-          <p:nvPr>
-            <p:ph type="sldNum" sz="quarter" idx="10"/>
-          </p:nvPr>
-        </p:nvSpPr>
-        <p:spPr/>
-        <p:txBody>
-          <a:bodyPr/>
-          <a:lstStyle/>
-          <a:p>
-            <a:pPr>
-              <a:defRPr/>
-            </a:pPr>
-            <a:fld id="{D73D5A0A-93B7-40E2-92BB-DEE0CCFB9337}" type="slidenum">
-              <a:rPr lang="en-US" altLang="ja-JP" smtClean="0"/>
-              <a:t>8</a:t>
-            </a:fld>
-            <a:endParaRPr lang="en-US" altLang="ja-JP"/>
-          </a:p>
-        </p:txBody>
-      </p:sp>
-      <p:pic>
-        <p:nvPicPr>
-          <p:cNvPr id="6" name="图片 5"/>
-          <p:cNvPicPr>
-            <a:picLocks noChangeAspect="1"/>
-          </p:cNvPicPr>
-          <p:nvPr/>
-        </p:nvPicPr>
-        <p:blipFill>
-          <a:blip r:embed="rId2"/>
-          <a:stretch>
-            <a:fillRect/>
-          </a:stretch>
-        </p:blipFill>
-        <p:spPr>
-          <a:xfrm>
-            <a:off x="323528" y="2133089"/>
-            <a:ext cx="2232248" cy="2224303"/>
-          </a:xfrm>
-          <a:prstGeom prst="rect">
-            <a:avLst/>
-          </a:prstGeom>
-        </p:spPr>
-      </p:pic>
-      <p:pic>
-        <p:nvPicPr>
-          <p:cNvPr id="12" name="图片 11"/>
-          <p:cNvPicPr>
-            <a:picLocks noChangeAspect="1"/>
-          </p:cNvPicPr>
-          <p:nvPr/>
-        </p:nvPicPr>
-        <p:blipFill>
-          <a:blip r:embed="rId3"/>
-          <a:stretch>
-            <a:fillRect/>
-          </a:stretch>
-        </p:blipFill>
-        <p:spPr>
-          <a:xfrm>
-            <a:off x="2987824" y="2289641"/>
-            <a:ext cx="3496163" cy="2095792"/>
-          </a:xfrm>
-          <a:prstGeom prst="rect">
-            <a:avLst/>
-          </a:prstGeom>
-        </p:spPr>
-      </p:pic>
-      <p:pic>
-        <p:nvPicPr>
-          <p:cNvPr id="13" name="图片 12"/>
-          <p:cNvPicPr>
-            <a:picLocks noChangeAspect="1"/>
-          </p:cNvPicPr>
-          <p:nvPr/>
-        </p:nvPicPr>
-        <p:blipFill>
-          <a:blip r:embed="rId4"/>
-          <a:stretch>
-            <a:fillRect/>
-          </a:stretch>
-        </p:blipFill>
-        <p:spPr>
-          <a:xfrm>
-            <a:off x="6843964" y="1531432"/>
-            <a:ext cx="2071488" cy="2825960"/>
-          </a:xfrm>
-          <a:prstGeom prst="rect">
-            <a:avLst/>
-          </a:prstGeom>
-        </p:spPr>
-      </p:pic>
-      <p:sp>
-        <p:nvSpPr>
-          <p:cNvPr id="14" name="文本框 13"/>
-          <p:cNvSpPr txBox="1"/>
-          <p:nvPr/>
-        </p:nvSpPr>
-        <p:spPr>
-          <a:xfrm>
-            <a:off x="3560244" y="4451733"/>
-            <a:ext cx="2540170" cy="307777"/>
-          </a:xfrm>
-          <a:prstGeom prst="rect">
-            <a:avLst/>
-          </a:prstGeom>
-          <a:noFill/>
-        </p:spPr>
-        <p:txBody>
-          <a:bodyPr wrap="square" rtlCol="0">
-            <a:spAutoFit/>
-          </a:bodyPr>
-          <a:lstStyle/>
-          <a:p>
-            <a:r>
-              <a:rPr lang="en-US" altLang="zh-CN" dirty="0" smtClean="0"/>
-              <a:t>Suppress if IOU &gt; Threshold</a:t>
-            </a:r>
-            <a:endParaRPr lang="zh-CN" altLang="en-US" dirty="0"/>
-          </a:p>
-        </p:txBody>
-      </p:sp>
-      <p:sp>
-        <p:nvSpPr>
-          <p:cNvPr id="5" name="文本框 4"/>
-          <p:cNvSpPr txBox="1"/>
-          <p:nvPr/>
-        </p:nvSpPr>
-        <p:spPr>
-          <a:xfrm>
-            <a:off x="395536" y="4465548"/>
-            <a:ext cx="2088232" cy="307777"/>
-          </a:xfrm>
-          <a:prstGeom prst="rect">
-            <a:avLst/>
-          </a:prstGeom>
-          <a:noFill/>
-        </p:spPr>
-        <p:txBody>
-          <a:bodyPr wrap="square" rtlCol="0">
-            <a:spAutoFit/>
-          </a:bodyPr>
-          <a:lstStyle/>
-          <a:p>
-            <a:r>
-              <a:rPr lang="en-US" altLang="zh-CN" dirty="0" smtClean="0"/>
-              <a:t>Y shape</a:t>
-            </a:r>
-            <a:r>
-              <a:rPr lang="zh-CN" altLang="en-US" dirty="0" smtClean="0"/>
-              <a:t>： </a:t>
-            </a:r>
-            <a:r>
-              <a:rPr lang="en-US" altLang="zh-CN" dirty="0" smtClean="0"/>
-              <a:t>3 x 3 x (5 + C)</a:t>
-            </a:r>
-            <a:endParaRPr lang="zh-CN" altLang="en-US" dirty="0"/>
-          </a:p>
-        </p:txBody>
-      </p:sp>
-      <p:sp>
-        <p:nvSpPr>
-          <p:cNvPr id="15" name="文本框 14"/>
-          <p:cNvSpPr txBox="1"/>
-          <p:nvPr/>
-        </p:nvSpPr>
-        <p:spPr>
-          <a:xfrm>
-            <a:off x="7120062" y="4465548"/>
-            <a:ext cx="1628402" cy="307777"/>
-          </a:xfrm>
-          <a:prstGeom prst="rect">
-            <a:avLst/>
-          </a:prstGeom>
-          <a:noFill/>
-        </p:spPr>
-        <p:txBody>
-          <a:bodyPr wrap="square" rtlCol="0">
-            <a:spAutoFit/>
-          </a:bodyPr>
-          <a:lstStyle/>
-          <a:p>
-            <a:r>
-              <a:rPr lang="en-US" altLang="zh-CN" dirty="0" smtClean="0"/>
-              <a:t>3 x 3 x (5 + C) x B</a:t>
-            </a:r>
-            <a:endParaRPr lang="zh-CN" altLang="en-US" dirty="0"/>
-          </a:p>
-        </p:txBody>
-      </p:sp>
-    </p:spTree>
-    <p:extLst>
-      <p:ext uri="{BB962C8B-B14F-4D97-AF65-F5344CB8AC3E}">
-        <p14:creationId xmlns:p14="http://schemas.microsoft.com/office/powerpoint/2010/main" val="551370050"/>
-      </p:ext>
-    </p:extLst>
-  </p:cSld>
-  <p:clrMapOvr>
-    <a:masterClrMapping/>
-  </p:clrMapOvr>
-  <p:timing>
-    <p:tnLst>
-      <p:par>
-        <p:cTn id="1" dur="indefinite" restart="never" nodeType="tmRoot"/>
-      </p:par>
-    </p:tnLst>
-  </p:timing>
-</p:sld>
-</file>
-
-<file path=ppt/slides/slide9.xml><?xml version="1.0" encoding="utf-8"?>
-<p:sld xmlns:a="http://schemas.openxmlformats.org/drawingml/2006/main" xmlns:r="http://schemas.openxmlformats.org/officeDocument/2006/relationships" xmlns:p="http://schemas.openxmlformats.org/presentationml/2006/main">
-  <p:cSld>
-    <p:spTree>
-      <p:nvGrpSpPr>
-        <p:cNvPr id="1" name=""/>
-        <p:cNvGrpSpPr/>
-        <p:nvPr/>
-      </p:nvGrpSpPr>
-      <p:grpSpPr>
-        <a:xfrm>
-          <a:off x="0" y="0"/>
-          <a:ext cx="0" cy="0"/>
-          <a:chOff x="0" y="0"/>
-          <a:chExt cx="0" cy="0"/>
-        </a:xfrm>
-      </p:grpSpPr>
-      <p:sp>
-        <p:nvSpPr>
-          <p:cNvPr id="2" name="标题 1"/>
-          <p:cNvSpPr>
-            <a:spLocks noGrp="1"/>
-          </p:cNvSpPr>
-          <p:nvPr>
-            <p:ph type="title"/>
-          </p:nvPr>
-        </p:nvSpPr>
-        <p:spPr/>
-        <p:txBody>
-          <a:bodyPr/>
-          <a:lstStyle/>
-          <a:p>
-            <a:r>
-              <a:rPr lang="zh-CN" altLang="en-US" b="1" dirty="0" smtClean="0"/>
-              <a:t>学习实践 </a:t>
-            </a:r>
-            <a:r>
-              <a:rPr lang="en-US" altLang="zh-CN" b="1" dirty="0" smtClean="0"/>
-              <a:t>– </a:t>
-            </a:r>
-            <a:r>
-              <a:rPr lang="zh-CN" altLang="en-US" b="1" dirty="0" smtClean="0"/>
+              <a:rPr lang="zh-CN" altLang="en-US" b="1" dirty="0"/>
               <a:t>目标检测</a:t>
             </a:r>
-            <a:endParaRPr lang="zh-CN" altLang="en-US" b="1" dirty="0"/>
           </a:p>
         </p:txBody>
       </p:sp>
@@ -26408,55 +25862,41 @@
               <a:buNone/>
             </a:pPr>
             <a:r>
-              <a:rPr lang="zh-CN" altLang="en-US" dirty="0" smtClean="0">
+              <a:rPr lang="en-US" altLang="zh-CN" dirty="0" err="1">
                 <a:latin typeface="黑体" panose="02010609060101010101" pitchFamily="49" charset="-122"/>
                 <a:ea typeface="黑体" panose="02010609060101010101" pitchFamily="49" charset="-122"/>
               </a:rPr>
-              <a:t>预处理</a:t>
+              <a:t>Labling</a:t>
             </a:r>
-            <a:r>
-              <a:rPr lang="en-US" altLang="zh-CN" dirty="0" smtClean="0">
-                <a:latin typeface="黑体" panose="02010609060101010101" pitchFamily="49" charset="-122"/>
-                <a:ea typeface="黑体" panose="02010609060101010101" pitchFamily="49" charset="-122"/>
-              </a:rPr>
-              <a:t>-</a:t>
-            </a:r>
-            <a:r>
-              <a:rPr lang="zh-CN" altLang="en-US" dirty="0" smtClean="0">
-                <a:latin typeface="黑体" panose="02010609060101010101" pitchFamily="49" charset="-122"/>
-                <a:ea typeface="黑体" panose="02010609060101010101" pitchFamily="49" charset="-122"/>
-              </a:rPr>
-              <a:t>标标签</a:t>
-            </a:r>
-            <a:endParaRPr lang="en-US" altLang="zh-CN" dirty="0" smtClean="0">
+            <a:endParaRPr lang="en-US" altLang="zh-CN" dirty="0">
               <a:latin typeface="黑体" panose="02010609060101010101" pitchFamily="49" charset="-122"/>
               <a:ea typeface="黑体" panose="02010609060101010101" pitchFamily="49" charset="-122"/>
             </a:endParaRPr>
           </a:p>
           <a:p>
             <a:r>
-              <a:rPr lang="zh-CN" altLang="en-US" dirty="0" smtClean="0">
+              <a:rPr lang="zh-CN" altLang="en-US" dirty="0">
                 <a:latin typeface="黑体" panose="02010609060101010101" pitchFamily="49" charset="-122"/>
                 <a:ea typeface="黑体" panose="02010609060101010101" pitchFamily="49" charset="-122"/>
               </a:rPr>
               <a:t>工具</a:t>
             </a:r>
             <a:r>
-              <a:rPr lang="en-US" altLang="zh-CN" dirty="0" smtClean="0">
+              <a:rPr lang="en-US" altLang="zh-CN" dirty="0">
                 <a:latin typeface="黑体" panose="02010609060101010101" pitchFamily="49" charset="-122"/>
                 <a:ea typeface="黑体" panose="02010609060101010101" pitchFamily="49" charset="-122"/>
               </a:rPr>
               <a:t>: </a:t>
             </a:r>
             <a:r>
-              <a:rPr lang="en-US" altLang="zh-CN" dirty="0" err="1" smtClean="0">
+              <a:rPr lang="en-US" altLang="zh-CN" dirty="0" err="1">
                 <a:latin typeface="黑体" panose="02010609060101010101" pitchFamily="49" charset="-122"/>
                 <a:ea typeface="黑体" panose="02010609060101010101" pitchFamily="49" charset="-122"/>
               </a:rPr>
               <a:t>Lamblimg</a:t>
             </a:r>
             <a:r>
-              <a:rPr lang="en-US" altLang="zh-CN" dirty="0" smtClean="0">
+              <a:rPr lang="en-US" altLang="zh-CN" dirty="0">
                 <a:latin typeface="黑体" panose="02010609060101010101" pitchFamily="49" charset="-122"/>
                 <a:ea typeface="黑体" panose="02010609060101010101" pitchFamily="49" charset="-122"/>
               </a:rPr>
@@ -26489,7 +25929,7 @@
             </a:pPr>
             <a:fld id="{D73D5A0A-93B7-40E2-92BB-DEE0CCFB9337}" type="slidenum">
               <a:rPr lang="en-US" altLang="ja-JP" smtClean="0"/>
-              <a:t>9</a:t>
+              <a:t>8</a:t>
             </a:fld>
             <a:endParaRPr lang="en-US" altLang="ja-JP"/>
           </a:p>
@@ -26581,12 +26021,12 @@
           <a:lstStyle/>
           <a:p>
             <a:r>
-              <a:rPr lang="en-US" altLang="zh-CN" dirty="0" smtClean="0"/>
+              <a:rPr lang="en-US" altLang="zh-CN" dirty="0"/>
               <a:t>Label.txt or .xml</a:t>
             </a:r>
           </a:p>
           <a:p>
-            <a:endParaRPr lang="en-US" altLang="zh-CN" dirty="0" smtClean="0"/>
+            <a:endParaRPr lang="en-US" altLang="zh-CN" dirty="0"/>
           </a:p>
         </p:txBody>
       </p:sp>
@@ -26600,13 +26040,302 @@
   <p:clrMapOvr>
     <a:masterClrMapping/>
   </p:clrMapOvr>
-  <p:timing>
-    <p:tnLst>
-      <p:par>
-        <p:cTn id="1" dur="indefinite" restart="never" nodeType="tmRoot"/>
-      </p:par>
-    </p:tnLst>
-  </p:timing>
+</p:sld>
+</file>
+
+<file path=ppt/slides/slide9.xml><?xml version="1.0" encoding="utf-8"?>
+<p:sld xmlns:a="http://schemas.openxmlformats.org/drawingml/2006/main" xmlns:r="http://schemas.openxmlformats.org/officeDocument/2006/relationships" xmlns:p="http://schemas.openxmlformats.org/presentationml/2006/main">
+  <p:cSld>
+    <p:spTree>
+      <p:nvGrpSpPr>
+        <p:cNvPr id="1" name=""/>
+        <p:cNvGrpSpPr/>
+        <p:nvPr/>
+      </p:nvGrpSpPr>
+      <p:grpSpPr>
+        <a:xfrm>
+          <a:off x="0" y="0"/>
+          <a:ext cx="0" cy="0"/>
+          <a:chOff x="0" y="0"/>
+          <a:chExt cx="0" cy="0"/>
+        </a:xfrm>
+      </p:grpSpPr>
+      <p:sp>
+        <p:nvSpPr>
+          <p:cNvPr id="2" name="标题 1"/>
+          <p:cNvSpPr>
+            <a:spLocks noGrp="1"/>
+          </p:cNvSpPr>
+          <p:nvPr>
+            <p:ph type="title"/>
+          </p:nvPr>
+        </p:nvSpPr>
+        <p:spPr/>
+        <p:txBody>
+          <a:bodyPr/>
+          <a:lstStyle/>
+          <a:p>
+            <a:r>
+              <a:rPr lang="zh-CN" altLang="en-US" b="1" dirty="0"/>
+              <a:t>学习实践 </a:t>
+            </a:r>
+            <a:r>
+              <a:rPr lang="en-US" altLang="zh-CN" b="1" dirty="0"/>
+              <a:t>– YOLO</a:t>
+            </a:r>
+            <a:r>
+              <a:rPr lang="zh-CN" altLang="en-US" b="1" dirty="0"/>
+              <a:t>目标检测基本原理</a:t>
+            </a:r>
+          </a:p>
+        </p:txBody>
+      </p:sp>
+      <p:sp>
+        <p:nvSpPr>
+          <p:cNvPr id="3" name="内容占位符 2"/>
+          <p:cNvSpPr>
+            <a:spLocks noGrp="1"/>
+          </p:cNvSpPr>
+          <p:nvPr>
+            <p:ph idx="1"/>
+          </p:nvPr>
+        </p:nvSpPr>
+        <p:spPr>
+          <a:xfrm>
+            <a:off x="251520" y="771550"/>
+            <a:ext cx="7886700" cy="3264074"/>
+          </a:xfrm>
+        </p:spPr>
+        <p:txBody>
+          <a:bodyPr/>
+          <a:lstStyle/>
+          <a:p>
+            <a:r>
+              <a:rPr lang="zh-CN" altLang="en-US" dirty="0"/>
+              <a:t>边界框编码</a:t>
+            </a:r>
+            <a:endParaRPr lang="en-US" altLang="zh-CN" dirty="0"/>
+          </a:p>
+          <a:p>
+            <a:r>
+              <a:rPr lang="en-US" altLang="zh-CN" dirty="0"/>
+              <a:t>NMS</a:t>
+            </a:r>
+          </a:p>
+          <a:p>
+            <a:r>
+              <a:rPr lang="en-US" altLang="zh-CN" dirty="0"/>
+              <a:t>Anchor boxes</a:t>
+            </a:r>
+          </a:p>
+        </p:txBody>
+      </p:sp>
+      <p:sp>
+        <p:nvSpPr>
+          <p:cNvPr id="4" name="灯片编号占位符 3"/>
+          <p:cNvSpPr>
+            <a:spLocks noGrp="1"/>
+          </p:cNvSpPr>
+          <p:nvPr>
+            <p:ph type="sldNum" sz="quarter" idx="10"/>
+          </p:nvPr>
+        </p:nvSpPr>
+        <p:spPr/>
+        <p:txBody>
+          <a:bodyPr/>
+          <a:lstStyle/>
+          <a:p>
+            <a:pPr>
+              <a:defRPr/>
+            </a:pPr>
+            <a:fld id="{D73D5A0A-93B7-40E2-92BB-DEE0CCFB9337}" type="slidenum">
+              <a:rPr lang="en-US" altLang="ja-JP" smtClean="0"/>
+              <a:t>9</a:t>
+            </a:fld>
+            <a:endParaRPr lang="en-US" altLang="ja-JP"/>
+          </a:p>
+        </p:txBody>
+      </p:sp>
+      <p:pic>
+        <p:nvPicPr>
+          <p:cNvPr id="6" name="图片 5"/>
+          <p:cNvPicPr>
+            <a:picLocks noChangeAspect="1"/>
+          </p:cNvPicPr>
+          <p:nvPr/>
+        </p:nvPicPr>
+        <p:blipFill>
+          <a:blip r:embed="rId3"/>
+          <a:stretch>
+            <a:fillRect/>
+          </a:stretch>
+        </p:blipFill>
+        <p:spPr>
+          <a:xfrm>
+            <a:off x="323528" y="2133089"/>
+            <a:ext cx="2232248" cy="2224303"/>
+          </a:xfrm>
+          <a:prstGeom prst="rect">
+            <a:avLst/>
+          </a:prstGeom>
+        </p:spPr>
+      </p:pic>
+      <p:pic>
+        <p:nvPicPr>
+          <p:cNvPr id="12" name="图片 11"/>
+          <p:cNvPicPr>
+            <a:picLocks noChangeAspect="1"/>
+          </p:cNvPicPr>
+          <p:nvPr/>
+        </p:nvPicPr>
+        <p:blipFill>
+          <a:blip r:embed="rId4"/>
+          <a:stretch>
+            <a:fillRect/>
+          </a:stretch>
+        </p:blipFill>
+        <p:spPr>
+          <a:xfrm>
+            <a:off x="2987824" y="2289641"/>
+            <a:ext cx="3496163" cy="2095792"/>
+          </a:xfrm>
+          <a:prstGeom prst="rect">
+            <a:avLst/>
+          </a:prstGeom>
+        </p:spPr>
+      </p:pic>
+      <p:pic>
+        <p:nvPicPr>
+          <p:cNvPr id="13" name="图片 12"/>
+          <p:cNvPicPr>
+            <a:picLocks noChangeAspect="1"/>
+          </p:cNvPicPr>
+          <p:nvPr/>
+        </p:nvPicPr>
+        <p:blipFill>
+          <a:blip r:embed="rId5"/>
+          <a:stretch>
+            <a:fillRect/>
+          </a:stretch>
+        </p:blipFill>
+        <p:spPr>
+          <a:xfrm>
+            <a:off x="6843964" y="1531432"/>
+            <a:ext cx="2071488" cy="2825960"/>
+          </a:xfrm>
+          <a:prstGeom prst="rect">
+            <a:avLst/>
+          </a:prstGeom>
+        </p:spPr>
+      </p:pic>
+      <p:sp>
+        <p:nvSpPr>
+          <p:cNvPr id="14" name="文本框 13"/>
+          <p:cNvSpPr txBox="1"/>
+          <p:nvPr/>
+        </p:nvSpPr>
+        <p:spPr>
+          <a:xfrm>
+            <a:off x="3560244" y="4451733"/>
+            <a:ext cx="2540170" cy="307777"/>
+          </a:xfrm>
+          <a:prstGeom prst="rect">
+            <a:avLst/>
+          </a:prstGeom>
+          <a:noFill/>
+        </p:spPr>
+        <p:txBody>
+          <a:bodyPr wrap="square" rtlCol="0">
+            <a:spAutoFit/>
+          </a:bodyPr>
+          <a:lstStyle/>
+          <a:p>
+            <a:r>
+              <a:rPr lang="en-US" altLang="zh-CN" dirty="0"/>
+              <a:t>Suppress if IOU &gt; Threshold</a:t>
+            </a:r>
+            <a:endParaRPr lang="zh-CN" altLang="en-US" dirty="0"/>
+          </a:p>
+        </p:txBody>
+      </p:sp>
+      <p:sp>
+        <p:nvSpPr>
+          <p:cNvPr id="5" name="文本框 4"/>
+          <p:cNvSpPr txBox="1"/>
+          <p:nvPr/>
+        </p:nvSpPr>
+        <p:spPr>
+          <a:xfrm>
+            <a:off x="395536" y="4465548"/>
+            <a:ext cx="2088232" cy="307777"/>
+          </a:xfrm>
+          <a:prstGeom prst="rect">
+            <a:avLst/>
+          </a:prstGeom>
+          <a:noFill/>
+        </p:spPr>
+        <p:txBody>
+          <a:bodyPr wrap="square" rtlCol="0">
+            <a:spAutoFit/>
+          </a:bodyPr>
+          <a:lstStyle/>
+          <a:p>
+            <a:r>
+              <a:rPr lang="en-US" altLang="zh-CN" dirty="0"/>
+              <a:t>Y shape</a:t>
+            </a:r>
+            <a:r>
+              <a:rPr lang="zh-CN" altLang="en-US" dirty="0"/>
+              <a:t>： </a:t>
+            </a:r>
+            <a:r>
+              <a:rPr lang="en-US" altLang="zh-CN" dirty="0"/>
+              <a:t>3 x 3 x (5 + C)</a:t>
+            </a:r>
+            <a:endParaRPr lang="zh-CN" altLang="en-US" dirty="0"/>
+          </a:p>
+        </p:txBody>
+      </p:sp>
+      <p:sp>
+        <p:nvSpPr>
+          <p:cNvPr id="15" name="文本框 14"/>
+          <p:cNvSpPr txBox="1"/>
+          <p:nvPr/>
+        </p:nvSpPr>
+        <p:spPr>
+          <a:xfrm>
+            <a:off x="7120062" y="4465548"/>
+            <a:ext cx="1628402" cy="307777"/>
+          </a:xfrm>
+          <a:prstGeom prst="rect">
+            <a:avLst/>
+          </a:prstGeom>
+          <a:noFill/>
+        </p:spPr>
+        <p:txBody>
+          <a:bodyPr wrap="square" rtlCol="0">
+            <a:spAutoFit/>
+          </a:bodyPr>
+          <a:lstStyle/>
+          <a:p>
+            <a:r>
+              <a:rPr lang="en-US" altLang="zh-CN" dirty="0"/>
+              <a:t>3 x 3 x (5 + C) x B</a:t>
+            </a:r>
+            <a:endParaRPr lang="zh-CN" altLang="en-US" dirty="0"/>
+          </a:p>
+        </p:txBody>
+      </p:sp>
+    </p:spTree>
+    <p:extLst>
+      <p:ext uri="{BB962C8B-B14F-4D97-AF65-F5344CB8AC3E}">
+        <p14:creationId xmlns:p14="http://schemas.microsoft.com/office/powerpoint/2010/main" val="551370050"/>
+      </p:ext>
+    </p:extLst>
+  </p:cSld>
+  <p:clrMapOvr>
+    <a:masterClrMapping/>
+  </p:clrMapOvr>
 </p:sld>
 </file>
 
